--- a/cluster_course/powerpoint/6_assembly.pptx
+++ b/cluster_course/powerpoint/6_assembly.pptx
@@ -14,16 +14,17 @@
     <p:sldId id="330" r:id="rId8"/>
     <p:sldId id="326" r:id="rId9"/>
     <p:sldId id="276" r:id="rId10"/>
-    <p:sldId id="271" r:id="rId11"/>
-    <p:sldId id="304" r:id="rId12"/>
-    <p:sldId id="303" r:id="rId13"/>
-    <p:sldId id="327" r:id="rId14"/>
-    <p:sldId id="321" r:id="rId15"/>
-    <p:sldId id="334" r:id="rId16"/>
-    <p:sldId id="332" r:id="rId17"/>
-    <p:sldId id="329" r:id="rId18"/>
-    <p:sldId id="335" r:id="rId19"/>
-    <p:sldId id="338" r:id="rId20"/>
+    <p:sldId id="339" r:id="rId11"/>
+    <p:sldId id="271" r:id="rId12"/>
+    <p:sldId id="304" r:id="rId13"/>
+    <p:sldId id="303" r:id="rId14"/>
+    <p:sldId id="327" r:id="rId15"/>
+    <p:sldId id="321" r:id="rId16"/>
+    <p:sldId id="334" r:id="rId17"/>
+    <p:sldId id="332" r:id="rId18"/>
+    <p:sldId id="329" r:id="rId19"/>
+    <p:sldId id="335" r:id="rId20"/>
+    <p:sldId id="338" r:id="rId21"/>
   </p:sldIdLst>
   <p:sldSz cx="12192000" cy="6858000"/>
   <p:notesSz cx="6858000" cy="9144000"/>
@@ -279,7 +280,7 @@
           <a:p>
             <a:fld id="{D5B3EF36-47C2-4AA3-A387-F39AC0889363}" type="datetimeFigureOut">
               <a:rPr lang="en-GB" smtClean="0"/>
-              <a:t>03/12/2018</a:t>
+              <a:t>28/10/2019</a:t>
             </a:fld>
             <a:endParaRPr lang="en-GB"/>
           </a:p>
@@ -479,7 +480,7 @@
           <a:p>
             <a:fld id="{D5B3EF36-47C2-4AA3-A387-F39AC0889363}" type="datetimeFigureOut">
               <a:rPr lang="en-GB" smtClean="0"/>
-              <a:t>03/12/2018</a:t>
+              <a:t>28/10/2019</a:t>
             </a:fld>
             <a:endParaRPr lang="en-GB"/>
           </a:p>
@@ -689,7 +690,7 @@
           <a:p>
             <a:fld id="{D5B3EF36-47C2-4AA3-A387-F39AC0889363}" type="datetimeFigureOut">
               <a:rPr lang="en-GB" smtClean="0"/>
-              <a:t>03/12/2018</a:t>
+              <a:t>28/10/2019</a:t>
             </a:fld>
             <a:endParaRPr lang="en-GB"/>
           </a:p>
@@ -889,7 +890,7 @@
           <a:p>
             <a:fld id="{D5B3EF36-47C2-4AA3-A387-F39AC0889363}" type="datetimeFigureOut">
               <a:rPr lang="en-GB" smtClean="0"/>
-              <a:t>03/12/2018</a:t>
+              <a:t>28/10/2019</a:t>
             </a:fld>
             <a:endParaRPr lang="en-GB"/>
           </a:p>
@@ -1165,7 +1166,7 @@
           <a:p>
             <a:fld id="{D5B3EF36-47C2-4AA3-A387-F39AC0889363}" type="datetimeFigureOut">
               <a:rPr lang="en-GB" smtClean="0"/>
-              <a:t>03/12/2018</a:t>
+              <a:t>28/10/2019</a:t>
             </a:fld>
             <a:endParaRPr lang="en-GB"/>
           </a:p>
@@ -1433,7 +1434,7 @@
           <a:p>
             <a:fld id="{D5B3EF36-47C2-4AA3-A387-F39AC0889363}" type="datetimeFigureOut">
               <a:rPr lang="en-GB" smtClean="0"/>
-              <a:t>03/12/2018</a:t>
+              <a:t>28/10/2019</a:t>
             </a:fld>
             <a:endParaRPr lang="en-GB"/>
           </a:p>
@@ -1848,7 +1849,7 @@
           <a:p>
             <a:fld id="{D5B3EF36-47C2-4AA3-A387-F39AC0889363}" type="datetimeFigureOut">
               <a:rPr lang="en-GB" smtClean="0"/>
-              <a:t>03/12/2018</a:t>
+              <a:t>28/10/2019</a:t>
             </a:fld>
             <a:endParaRPr lang="en-GB"/>
           </a:p>
@@ -1990,7 +1991,7 @@
           <a:p>
             <a:fld id="{D5B3EF36-47C2-4AA3-A387-F39AC0889363}" type="datetimeFigureOut">
               <a:rPr lang="en-GB" smtClean="0"/>
-              <a:t>03/12/2018</a:t>
+              <a:t>28/10/2019</a:t>
             </a:fld>
             <a:endParaRPr lang="en-GB"/>
           </a:p>
@@ -2103,7 +2104,7 @@
           <a:p>
             <a:fld id="{D5B3EF36-47C2-4AA3-A387-F39AC0889363}" type="datetimeFigureOut">
               <a:rPr lang="en-GB" smtClean="0"/>
-              <a:t>03/12/2018</a:t>
+              <a:t>28/10/2019</a:t>
             </a:fld>
             <a:endParaRPr lang="en-GB"/>
           </a:p>
@@ -2416,7 +2417,7 @@
           <a:p>
             <a:fld id="{D5B3EF36-47C2-4AA3-A387-F39AC0889363}" type="datetimeFigureOut">
               <a:rPr lang="en-GB" smtClean="0"/>
-              <a:t>03/12/2018</a:t>
+              <a:t>28/10/2019</a:t>
             </a:fld>
             <a:endParaRPr lang="en-GB"/>
           </a:p>
@@ -2705,7 +2706,7 @@
           <a:p>
             <a:fld id="{D5B3EF36-47C2-4AA3-A387-F39AC0889363}" type="datetimeFigureOut">
               <a:rPr lang="en-GB" smtClean="0"/>
-              <a:t>03/12/2018</a:t>
+              <a:t>28/10/2019</a:t>
             </a:fld>
             <a:endParaRPr lang="en-GB"/>
           </a:p>
@@ -2948,7 +2949,7 @@
           <a:p>
             <a:fld id="{D5B3EF36-47C2-4AA3-A387-F39AC0889363}" type="datetimeFigureOut">
               <a:rPr lang="en-GB" smtClean="0"/>
-              <a:t>03/12/2018</a:t>
+              <a:t>28/10/2019</a:t>
             </a:fld>
             <a:endParaRPr lang="en-GB"/>
           </a:p>
@@ -3497,7 +3498,7 @@
         </p:spPr>
         <p:txBody>
           <a:bodyPr>
-            <a:normAutofit fontScale="77500" lnSpcReduction="20000"/>
+            <a:normAutofit/>
           </a:bodyPr>
           <a:lstStyle/>
           <a:p>
@@ -3506,257 +3507,7 @@
             </a:pPr>
             <a:r>
               <a:rPr lang="en-GB" dirty="0"/>
-              <a:t>(make sure you </a:t>
-            </a:r>
-            <a:r>
-              <a:rPr lang="en-GB" dirty="0">
-                <a:solidFill>
-                  <a:srgbClr val="0070C0"/>
-                </a:solidFill>
-              </a:rPr>
-              <a:t>module load velvet/gitv0_9adf09f</a:t>
-            </a:r>
-            <a:r>
-              <a:rPr lang="en-GB" dirty="0"/>
-              <a:t>)</a:t>
-            </a:r>
-          </a:p>
-          <a:p>
-            <a:pPr marL="0" indent="0">
-              <a:buNone/>
-            </a:pPr>
-            <a:r>
-              <a:rPr lang="en-GB" dirty="0">
-                <a:hlinkClick r:id="rId2"/>
-              </a:rPr>
-              <a:t>https://en.wikipedia.org/wiki/Velvet_assembler</a:t>
-            </a:r>
-            <a:r>
-              <a:rPr lang="en-GB" dirty="0"/>
-              <a:t> </a:t>
-            </a:r>
-          </a:p>
-          <a:p>
-            <a:pPr marL="0" indent="0">
-              <a:buNone/>
-            </a:pPr>
-            <a:endParaRPr lang="en-GB" dirty="0"/>
-          </a:p>
-          <a:p>
-            <a:pPr marL="0" indent="0">
-              <a:buNone/>
-            </a:pPr>
-            <a:r>
-              <a:rPr lang="en-GB" dirty="0"/>
-              <a:t>Edit this: </a:t>
-            </a:r>
-            <a:r>
-              <a:rPr lang="en-GB" dirty="0">
-                <a:solidFill>
-                  <a:srgbClr val="0070C0"/>
-                </a:solidFill>
-              </a:rPr>
-              <a:t>assembly.sh</a:t>
-            </a:r>
-            <a:endParaRPr lang="en-GB" dirty="0"/>
-          </a:p>
-          <a:p>
-            <a:pPr marL="0" indent="0">
-              <a:buNone/>
-            </a:pPr>
-            <a:endParaRPr lang="en-GB" dirty="0"/>
-          </a:p>
-          <a:p>
-            <a:pPr marL="0" indent="0">
-              <a:buNone/>
-            </a:pPr>
-            <a:r>
-              <a:rPr lang="en-GB" sz="2400" dirty="0" err="1">
-                <a:solidFill>
-                  <a:srgbClr val="0070C0"/>
-                </a:solidFill>
-              </a:rPr>
-              <a:t>velveth</a:t>
-            </a:r>
-            <a:r>
-              <a:rPr lang="en-GB" sz="2400" dirty="0">
-                <a:solidFill>
-                  <a:srgbClr val="0070C0"/>
-                </a:solidFill>
-              </a:rPr>
-              <a:t> -h </a:t>
-            </a:r>
-          </a:p>
-          <a:p>
-            <a:pPr marL="0" indent="0">
-              <a:buNone/>
-            </a:pPr>
-            <a:r>
-              <a:rPr lang="en-GB" sz="2400" dirty="0" err="1">
-                <a:solidFill>
-                  <a:srgbClr val="0070C0"/>
-                </a:solidFill>
-              </a:rPr>
-              <a:t>velveth</a:t>
-            </a:r>
-            <a:r>
-              <a:rPr lang="en-GB" sz="2400" dirty="0">
-                <a:solidFill>
-                  <a:srgbClr val="0070C0"/>
-                </a:solidFill>
-              </a:rPr>
-              <a:t> directory </a:t>
-            </a:r>
-            <a:r>
-              <a:rPr lang="en-GB" sz="2400" i="1" dirty="0" err="1">
-                <a:solidFill>
-                  <a:srgbClr val="FF0000"/>
-                </a:solidFill>
-              </a:rPr>
-              <a:t>kmer_length</a:t>
-            </a:r>
-            <a:r>
-              <a:rPr lang="en-GB" sz="2400" i="1" dirty="0">
-                <a:solidFill>
-                  <a:srgbClr val="FF0000"/>
-                </a:solidFill>
-              </a:rPr>
-              <a:t> </a:t>
-            </a:r>
-            <a:r>
-              <a:rPr lang="en-GB" sz="2400" dirty="0">
-                <a:solidFill>
-                  <a:srgbClr val="0070C0"/>
-                </a:solidFill>
-              </a:rPr>
-              <a:t>-</a:t>
-            </a:r>
-            <a:r>
-              <a:rPr lang="en-GB" sz="2400" dirty="0" err="1">
-                <a:solidFill>
-                  <a:srgbClr val="0070C0"/>
-                </a:solidFill>
-              </a:rPr>
-              <a:t>shortPaired</a:t>
-            </a:r>
-            <a:r>
-              <a:rPr lang="en-GB" sz="2400" dirty="0">
-                <a:solidFill>
-                  <a:srgbClr val="0070C0"/>
-                </a:solidFill>
-              </a:rPr>
-              <a:t> -</a:t>
-            </a:r>
-            <a:r>
-              <a:rPr lang="en-GB" sz="2400" dirty="0" err="1">
-                <a:solidFill>
-                  <a:srgbClr val="0070C0"/>
-                </a:solidFill>
-              </a:rPr>
-              <a:t>fastq</a:t>
-            </a:r>
-            <a:r>
-              <a:rPr lang="en-GB" sz="2400" dirty="0">
-                <a:solidFill>
-                  <a:srgbClr val="0070C0"/>
-                </a:solidFill>
-              </a:rPr>
-              <a:t> R1.fastq.gz R2.fastq.gz</a:t>
-            </a:r>
-            <a:endParaRPr lang="en-GB" dirty="0">
-              <a:solidFill>
-                <a:srgbClr val="0070C0"/>
-              </a:solidFill>
-            </a:endParaRPr>
-          </a:p>
-          <a:p>
-            <a:pPr marL="0" indent="0">
-              <a:buNone/>
-            </a:pPr>
-            <a:r>
-              <a:rPr lang="en-GB" sz="2400" dirty="0" err="1">
-                <a:solidFill>
-                  <a:srgbClr val="0070C0"/>
-                </a:solidFill>
-              </a:rPr>
-              <a:t>velvetg</a:t>
-            </a:r>
-            <a:r>
-              <a:rPr lang="en-GB" sz="2400" dirty="0">
-                <a:solidFill>
-                  <a:srgbClr val="0070C0"/>
-                </a:solidFill>
-              </a:rPr>
-              <a:t> directory</a:t>
-            </a:r>
-          </a:p>
-          <a:p>
-            <a:pPr marL="0" indent="0">
-              <a:buNone/>
-            </a:pPr>
-            <a:endParaRPr lang="en-GB" dirty="0">
-              <a:solidFill>
-                <a:srgbClr val="0070C0"/>
-              </a:solidFill>
-            </a:endParaRPr>
-          </a:p>
-          <a:p>
-            <a:pPr marL="0" indent="0">
-              <a:buNone/>
-            </a:pPr>
-            <a:r>
-              <a:rPr lang="en-GB" dirty="0"/>
-              <a:t>Do this with : </a:t>
-            </a:r>
-          </a:p>
-          <a:p>
-            <a:pPr marL="0" indent="0">
-              <a:buNone/>
-            </a:pPr>
-            <a:r>
-              <a:rPr lang="en-GB" dirty="0"/>
-              <a:t>      1) (the sub-sampled trimmed reads)</a:t>
-            </a:r>
-          </a:p>
-          <a:p>
-            <a:pPr marL="0" indent="0">
-              <a:buNone/>
-            </a:pPr>
-            <a:r>
-              <a:rPr lang="en-GB" dirty="0"/>
-              <a:t>      2) DRR016013_1.fastq.gz, DRR016013_2.fastq.gz </a:t>
-            </a:r>
-          </a:p>
-          <a:p>
-            <a:pPr marL="0" indent="0">
-              <a:buNone/>
-            </a:pPr>
-            <a:r>
-              <a:rPr lang="en-GB" dirty="0"/>
-              <a:t>      3) illumina_R1.fq.gz illumina_R2.fq.gz</a:t>
-            </a:r>
-          </a:p>
-          <a:p>
-            <a:pPr marL="0" indent="0">
-              <a:buNone/>
-            </a:pPr>
-            <a:endParaRPr lang="en-GB" dirty="0"/>
-          </a:p>
-          <a:p>
-            <a:pPr marL="0" indent="0">
-              <a:buNone/>
-            </a:pPr>
-            <a:r>
-              <a:rPr lang="en-GB" dirty="0"/>
-              <a:t>Alter the shell script and </a:t>
-            </a:r>
-            <a:r>
-              <a:rPr lang="en-GB" dirty="0" err="1"/>
-              <a:t>qsub</a:t>
-            </a:r>
-            <a:r>
-              <a:rPr lang="en-GB" dirty="0"/>
-              <a:t> it.  Everyone pick a different </a:t>
+              <a:t>What is a </a:t>
             </a:r>
             <a:r>
               <a:rPr lang="en-GB" dirty="0" err="1"/>
@@ -3764,7 +3515,15 @@
             </a:r>
             <a:r>
               <a:rPr lang="en-GB" dirty="0"/>
-              <a:t> size (have to be an odd number, and less than read length of 250, velvet max 197)</a:t>
+              <a:t> (split the sequence into </a:t>
+            </a:r>
+            <a:r>
+              <a:rPr lang="en-GB" dirty="0" err="1"/>
+              <a:t>kmer_length</a:t>
+            </a:r>
+            <a:r>
+              <a:rPr lang="en-GB" dirty="0"/>
+              <a:t> chunks):</a:t>
             </a:r>
           </a:p>
         </p:txBody>
@@ -3819,57 +3578,10 @@
           </a:p>
         </p:txBody>
       </p:sp>
-      <p:sp>
-        <p:nvSpPr>
-          <p:cNvPr id="5" name="Rectangle 4">
-            <a:extLst>
-              <a:ext uri="{FF2B5EF4-FFF2-40B4-BE49-F238E27FC236}">
-                <a16:creationId xmlns:a16="http://schemas.microsoft.com/office/drawing/2014/main" id="{E9D8677A-EC6E-4594-B308-933335FCDF90}"/>
-              </a:ext>
-            </a:extLst>
-          </p:cNvPr>
-          <p:cNvSpPr/>
-          <p:nvPr/>
-        </p:nvSpPr>
-        <p:spPr>
-          <a:xfrm>
-            <a:off x="139700" y="2586693"/>
-            <a:ext cx="10691784" cy="1325562"/>
-          </a:xfrm>
-          <a:prstGeom prst="rect">
-            <a:avLst/>
-          </a:prstGeom>
-          <a:noFill/>
-        </p:spPr>
-        <p:style>
-          <a:lnRef idx="2">
-            <a:schemeClr val="accent1">
-              <a:shade val="50000"/>
-            </a:schemeClr>
-          </a:lnRef>
-          <a:fillRef idx="1">
-            <a:schemeClr val="accent1"/>
-          </a:fillRef>
-          <a:effectRef idx="0">
-            <a:schemeClr val="accent1"/>
-          </a:effectRef>
-          <a:fontRef idx="minor">
-            <a:schemeClr val="lt1"/>
-          </a:fontRef>
-        </p:style>
-        <p:txBody>
-          <a:bodyPr rtlCol="0" anchor="ctr"/>
-          <a:lstStyle/>
-          <a:p>
-            <a:pPr algn="ctr"/>
-            <a:endParaRPr lang="en-GB" dirty="0"/>
-          </a:p>
-        </p:txBody>
-      </p:sp>
     </p:spTree>
     <p:extLst>
       <p:ext uri="{BB962C8B-B14F-4D97-AF65-F5344CB8AC3E}">
-        <p14:creationId xmlns:p14="http://schemas.microsoft.com/office/powerpoint/2010/main" val="2241796342"/>
+        <p14:creationId xmlns:p14="http://schemas.microsoft.com/office/powerpoint/2010/main" val="1779642365"/>
       </p:ext>
     </p:extLst>
   </p:cSld>
@@ -3901,7 +3613,7 @@
           <p:cNvPr id="2" name="Title 1">
             <a:extLst>
               <a:ext uri="{FF2B5EF4-FFF2-40B4-BE49-F238E27FC236}">
-                <a16:creationId xmlns:a16="http://schemas.microsoft.com/office/drawing/2014/main" id="{83A49D6E-0330-4058-9CD2-14E98B2FDAB7}"/>
+                <a16:creationId xmlns:a16="http://schemas.microsoft.com/office/drawing/2014/main" id="{3D09269E-BF25-4289-A434-F94125EC3239}"/>
               </a:ext>
             </a:extLst>
           </p:cNvPr>
@@ -3914,7 +3626,7 @@
         </p:nvSpPr>
         <p:spPr>
           <a:xfrm>
-            <a:off x="711200" y="0"/>
+            <a:off x="457200" y="-219075"/>
             <a:ext cx="10515600" cy="1325563"/>
           </a:xfrm>
         </p:spPr>
@@ -3929,84 +3641,72 @@
                   <a:srgbClr val="7030A0"/>
                 </a:solidFill>
               </a:rPr>
-              <a:t>6) assembly: </a:t>
-            </a:r>
-            <a:r>
-              <a:rPr lang="en-GB" dirty="0" err="1">
-                <a:solidFill>
-                  <a:srgbClr val="7030A0"/>
-                </a:solidFill>
-              </a:rPr>
-              <a:t>Kmer</a:t>
+              <a:t>6) assembly: Velvet assembly. </a:t>
+            </a:r>
+          </a:p>
+        </p:txBody>
+      </p:sp>
+      <p:sp>
+        <p:nvSpPr>
+          <p:cNvPr id="3" name="Content Placeholder 2">
+            <a:extLst>
+              <a:ext uri="{FF2B5EF4-FFF2-40B4-BE49-F238E27FC236}">
+                <a16:creationId xmlns:a16="http://schemas.microsoft.com/office/drawing/2014/main" id="{27D2B713-FAB9-4FA6-9634-CBA2C3D0A60A}"/>
+              </a:ext>
+            </a:extLst>
+          </p:cNvPr>
+          <p:cNvSpPr>
+            <a:spLocks noGrp="1"/>
+          </p:cNvSpPr>
+          <p:nvPr>
+            <p:ph idx="1"/>
+          </p:nvPr>
+        </p:nvSpPr>
+        <p:spPr>
+          <a:xfrm>
+            <a:off x="139700" y="987424"/>
+            <a:ext cx="11874500" cy="5596256"/>
+          </a:xfrm>
+        </p:spPr>
+        <p:txBody>
+          <a:bodyPr>
+            <a:normAutofit fontScale="85000" lnSpcReduction="20000"/>
+          </a:bodyPr>
+          <a:lstStyle/>
+          <a:p>
+            <a:pPr marL="0" indent="0">
+              <a:buNone/>
+            </a:pPr>
+            <a:r>
+              <a:rPr lang="en-GB" dirty="0"/>
+              <a:t>(make sure you </a:t>
             </a:r>
             <a:r>
               <a:rPr lang="en-GB" dirty="0">
                 <a:solidFill>
-                  <a:srgbClr val="7030A0"/>
-                </a:solidFill>
-              </a:rPr>
-              <a:t> length: </a:t>
-            </a:r>
-            <a:r>
-              <a:rPr lang="en-GB" i="1" dirty="0" err="1">
-                <a:solidFill>
-                  <a:srgbClr val="7030A0"/>
-                </a:solidFill>
-              </a:rPr>
-              <a:t>kmergenie</a:t>
-            </a:r>
+                  <a:srgbClr val="0070C0"/>
+                </a:solidFill>
+              </a:rPr>
+              <a:t>module load velvet/gitv0_9adf09f</a:t>
+            </a:r>
+            <a:r>
+              <a:rPr lang="en-GB" dirty="0"/>
+              <a:t>)</a:t>
+            </a:r>
+          </a:p>
+          <a:p>
+            <a:pPr marL="0" indent="0">
+              <a:buNone/>
+            </a:pPr>
             <a:r>
               <a:rPr lang="en-GB" dirty="0">
-                <a:solidFill>
-                  <a:srgbClr val="7030A0"/>
-                </a:solidFill>
-              </a:rPr>
-              <a:t> to pick </a:t>
-            </a:r>
-          </a:p>
-        </p:txBody>
-      </p:sp>
-      <p:sp>
-        <p:nvSpPr>
-          <p:cNvPr id="3" name="Content Placeholder 2">
-            <a:extLst>
-              <a:ext uri="{FF2B5EF4-FFF2-40B4-BE49-F238E27FC236}">
-                <a16:creationId xmlns:a16="http://schemas.microsoft.com/office/drawing/2014/main" id="{C3C4E270-F3E4-4AD4-B170-D08769E19895}"/>
-              </a:ext>
-            </a:extLst>
-          </p:cNvPr>
-          <p:cNvSpPr>
-            <a:spLocks noGrp="1"/>
-          </p:cNvSpPr>
-          <p:nvPr>
-            <p:ph idx="1"/>
-          </p:nvPr>
-        </p:nvSpPr>
-        <p:spPr>
-          <a:xfrm>
-            <a:off x="52747" y="1253331"/>
-            <a:ext cx="7686675" cy="4351338"/>
-          </a:xfrm>
-        </p:spPr>
-        <p:txBody>
-          <a:bodyPr/>
-          <a:lstStyle/>
-          <a:p>
-            <a:r>
-              <a:rPr lang="en-GB" dirty="0" err="1"/>
-              <a:t>Kmer</a:t>
+                <a:hlinkClick r:id="rId2"/>
+              </a:rPr>
+              <a:t>https://en.wikipedia.org/wiki/Velvet_assembler</a:t>
             </a:r>
             <a:r>
               <a:rPr lang="en-GB" dirty="0"/>
-              <a:t> length too low: not enough unique </a:t>
-            </a:r>
-            <a:r>
-              <a:rPr lang="en-GB" dirty="0" err="1"/>
-              <a:t>kmers</a:t>
-            </a:r>
-            <a:r>
-              <a:rPr lang="en-GB" dirty="0"/>
-              <a:t>, fragmented incomplete assembly. Too many connections.</a:t>
+              <a:t> </a:t>
             </a:r>
           </a:p>
           <a:p>
@@ -4016,83 +3716,324 @@
             <a:endParaRPr lang="en-GB" dirty="0"/>
           </a:p>
           <a:p>
+            <a:pPr marL="0" indent="0">
+              <a:buNone/>
+            </a:pPr>
+            <a:r>
+              <a:rPr lang="en-GB" dirty="0"/>
+              <a:t>Edit this: </a:t>
+            </a:r>
+            <a:r>
+              <a:rPr lang="en-GB" dirty="0">
+                <a:solidFill>
+                  <a:srgbClr val="0070C0"/>
+                </a:solidFill>
+              </a:rPr>
+              <a:t>assembly.sh</a:t>
+            </a:r>
+            <a:endParaRPr lang="en-GB" dirty="0"/>
+          </a:p>
+          <a:p>
+            <a:pPr marL="0" indent="0">
+              <a:buNone/>
+            </a:pPr>
+            <a:endParaRPr lang="en-GB" dirty="0"/>
+          </a:p>
+          <a:p>
+            <a:pPr marL="0" indent="0">
+              <a:buNone/>
+            </a:pPr>
+            <a:r>
+              <a:rPr lang="en-GB" sz="2400" dirty="0" err="1">
+                <a:solidFill>
+                  <a:srgbClr val="0070C0"/>
+                </a:solidFill>
+              </a:rPr>
+              <a:t>velveth</a:t>
+            </a:r>
+            <a:r>
+              <a:rPr lang="en-GB" sz="2400" dirty="0">
+                <a:solidFill>
+                  <a:srgbClr val="0070C0"/>
+                </a:solidFill>
+              </a:rPr>
+              <a:t> -h </a:t>
+            </a:r>
+          </a:p>
+          <a:p>
+            <a:pPr marL="0" indent="0">
+              <a:buNone/>
+            </a:pPr>
+            <a:r>
+              <a:rPr lang="en-GB" sz="2400" dirty="0" err="1">
+                <a:solidFill>
+                  <a:srgbClr val="0070C0"/>
+                </a:solidFill>
+              </a:rPr>
+              <a:t>velveth</a:t>
+            </a:r>
+            <a:r>
+              <a:rPr lang="en-GB" sz="2400" dirty="0">
+                <a:solidFill>
+                  <a:srgbClr val="0070C0"/>
+                </a:solidFill>
+              </a:rPr>
+              <a:t> directory </a:t>
+            </a:r>
+            <a:r>
+              <a:rPr lang="en-GB" sz="2400" i="1" dirty="0" err="1">
+                <a:solidFill>
+                  <a:srgbClr val="FF0000"/>
+                </a:solidFill>
+              </a:rPr>
+              <a:t>kmer_length</a:t>
+            </a:r>
+            <a:r>
+              <a:rPr lang="en-GB" sz="2400" i="1" dirty="0">
+                <a:solidFill>
+                  <a:srgbClr val="FF0000"/>
+                </a:solidFill>
+              </a:rPr>
+              <a:t> </a:t>
+            </a:r>
+            <a:r>
+              <a:rPr lang="en-GB" sz="2400" dirty="0">
+                <a:solidFill>
+                  <a:srgbClr val="0070C0"/>
+                </a:solidFill>
+              </a:rPr>
+              <a:t>-</a:t>
+            </a:r>
+            <a:r>
+              <a:rPr lang="en-GB" sz="2400" dirty="0" err="1">
+                <a:solidFill>
+                  <a:srgbClr val="0070C0"/>
+                </a:solidFill>
+              </a:rPr>
+              <a:t>shortPaired</a:t>
+            </a:r>
+            <a:r>
+              <a:rPr lang="en-GB" sz="2400" dirty="0">
+                <a:solidFill>
+                  <a:srgbClr val="0070C0"/>
+                </a:solidFill>
+              </a:rPr>
+              <a:t> -</a:t>
+            </a:r>
+            <a:r>
+              <a:rPr lang="en-GB" sz="2400" dirty="0" err="1">
+                <a:solidFill>
+                  <a:srgbClr val="0070C0"/>
+                </a:solidFill>
+              </a:rPr>
+              <a:t>fastq</a:t>
+            </a:r>
+            <a:r>
+              <a:rPr lang="en-GB" sz="2400" dirty="0">
+                <a:solidFill>
+                  <a:srgbClr val="0070C0"/>
+                </a:solidFill>
+              </a:rPr>
+              <a:t> R1.fastq.gz R2.fastq.gz</a:t>
+            </a:r>
+            <a:endParaRPr lang="en-GB" dirty="0">
+              <a:solidFill>
+                <a:srgbClr val="0070C0"/>
+              </a:solidFill>
+            </a:endParaRPr>
+          </a:p>
+          <a:p>
+            <a:pPr marL="0" indent="0">
+              <a:buNone/>
+            </a:pPr>
+            <a:r>
+              <a:rPr lang="en-GB" sz="2400" dirty="0" err="1">
+                <a:solidFill>
+                  <a:srgbClr val="0070C0"/>
+                </a:solidFill>
+              </a:rPr>
+              <a:t>velvetg</a:t>
+            </a:r>
+            <a:r>
+              <a:rPr lang="en-GB" sz="2400" dirty="0">
+                <a:solidFill>
+                  <a:srgbClr val="0070C0"/>
+                </a:solidFill>
+              </a:rPr>
+              <a:t> directory</a:t>
+            </a:r>
+          </a:p>
+          <a:p>
+            <a:pPr marL="0" indent="0">
+              <a:buNone/>
+            </a:pPr>
+            <a:endParaRPr lang="en-GB" dirty="0">
+              <a:solidFill>
+                <a:srgbClr val="0070C0"/>
+              </a:solidFill>
+            </a:endParaRPr>
+          </a:p>
+          <a:p>
+            <a:pPr marL="0" indent="0">
+              <a:buNone/>
+            </a:pPr>
+            <a:r>
+              <a:rPr lang="en-GB" dirty="0"/>
+              <a:t>Do this with : </a:t>
+            </a:r>
+          </a:p>
+          <a:p>
+            <a:pPr marL="0" indent="0">
+              <a:buNone/>
+            </a:pPr>
+            <a:r>
+              <a:rPr lang="en-GB" dirty="0"/>
+              <a:t>      1) the raw reads</a:t>
+            </a:r>
+          </a:p>
+          <a:p>
+            <a:pPr marL="0" indent="0">
+              <a:buNone/>
+            </a:pPr>
+            <a:r>
+              <a:rPr lang="en-GB" dirty="0"/>
+              <a:t>      2) the quality trimmed reads … does this impact the assembly?</a:t>
+            </a:r>
+          </a:p>
+          <a:p>
+            <a:pPr marL="0" indent="0">
+              <a:buNone/>
+            </a:pPr>
+            <a:endParaRPr lang="en-GB" dirty="0"/>
+          </a:p>
+          <a:p>
+            <a:pPr marL="0" indent="0">
+              <a:buNone/>
+            </a:pPr>
+            <a:r>
+              <a:rPr lang="en-GB" dirty="0"/>
+              <a:t>Alter the shell script and </a:t>
+            </a:r>
             <a:r>
               <a:rPr lang="en-GB" dirty="0" err="1"/>
-              <a:t>Kmer</a:t>
+              <a:t>qsub</a:t>
             </a:r>
             <a:r>
               <a:rPr lang="en-GB" dirty="0"/>
-              <a:t> length too high: Not enough coverage. </a:t>
+              <a:t> it.  Everyone pick a different </a:t>
             </a:r>
             <a:r>
               <a:rPr lang="en-GB" dirty="0" err="1"/>
-              <a:t>Kmers</a:t>
+              <a:t>kmer</a:t>
             </a:r>
             <a:r>
               <a:rPr lang="en-GB" dirty="0"/>
-              <a:t> too many unique, not enough connections. </a:t>
-            </a:r>
-          </a:p>
-          <a:p>
-            <a:endParaRPr lang="en-GB" dirty="0"/>
-          </a:p>
-          <a:p>
-            <a:pPr marL="0" indent="0">
-              <a:buNone/>
-            </a:pPr>
-            <a:r>
-              <a:rPr lang="en-GB" dirty="0">
-                <a:hlinkClick r:id="rId2"/>
-              </a:rPr>
-              <a:t>http://kmergenie.bx.psu.edu/</a:t>
-            </a:r>
-            <a:r>
-              <a:rPr lang="en-GB" dirty="0"/>
-              <a:t>  </a:t>
-            </a:r>
-          </a:p>
-        </p:txBody>
-      </p:sp>
-      <p:pic>
-        <p:nvPicPr>
-          <p:cNvPr id="6" name="Picture 5">
-            <a:extLst>
-              <a:ext uri="{FF2B5EF4-FFF2-40B4-BE49-F238E27FC236}">
-                <a16:creationId xmlns:a16="http://schemas.microsoft.com/office/drawing/2014/main" id="{FB5A4517-3EEB-497E-AF60-F7E6DAE62321}"/>
-              </a:ext>
-            </a:extLst>
-          </p:cNvPr>
-          <p:cNvPicPr>
-            <a:picLocks noChangeAspect="1"/>
-          </p:cNvPicPr>
+              <a:t> size (have to be an odd number, and less than read length of 250, velvet max 197)</a:t>
+            </a:r>
+          </a:p>
+        </p:txBody>
+      </p:sp>
+      <p:sp>
+        <p:nvSpPr>
+          <p:cNvPr id="4" name="TextBox 3">
+            <a:extLst>
+              <a:ext uri="{FF2B5EF4-FFF2-40B4-BE49-F238E27FC236}">
+                <a16:creationId xmlns:a16="http://schemas.microsoft.com/office/drawing/2014/main" id="{DFBE4F20-11CC-4269-95B7-96C7F661E1EB}"/>
+              </a:ext>
+            </a:extLst>
+          </p:cNvPr>
+          <p:cNvSpPr txBox="1"/>
           <p:nvPr/>
-        </p:nvPicPr>
-        <p:blipFill>
-          <a:blip r:embed="rId3">
-            <a:extLst>
-              <a:ext uri="{28A0092B-C50C-407E-A947-70E740481C1C}">
-                <a14:useLocalDpi xmlns:a14="http://schemas.microsoft.com/office/drawing/2010/main" val="0"/>
-              </a:ext>
-            </a:extLst>
-          </a:blip>
-          <a:stretch>
-            <a:fillRect/>
-          </a:stretch>
-        </p:blipFill>
-        <p:spPr>
-          <a:xfrm>
-            <a:off x="9144654" y="1640770"/>
-            <a:ext cx="2475191" cy="4548010"/>
+        </p:nvSpPr>
+        <p:spPr>
+          <a:xfrm>
+            <a:off x="10350500" y="0"/>
+            <a:ext cx="1841500" cy="584775"/>
           </a:xfrm>
           <a:prstGeom prst="rect">
             <a:avLst/>
           </a:prstGeom>
-        </p:spPr>
-      </p:pic>
+          <a:noFill/>
+        </p:spPr>
+        <p:txBody>
+          <a:bodyPr wrap="square" rtlCol="0">
+            <a:spAutoFit/>
+          </a:bodyPr>
+          <a:lstStyle/>
+          <a:p>
+            <a:r>
+              <a:rPr lang="en-GB" sz="3200" dirty="0">
+                <a:solidFill>
+                  <a:srgbClr val="FF0000"/>
+                </a:solidFill>
+                <a:highlight>
+                  <a:srgbClr val="FFFF00"/>
+                </a:highlight>
+              </a:rPr>
+              <a:t>ACTIVITY</a:t>
+            </a:r>
+            <a:endParaRPr lang="en-GB" sz="2800" dirty="0">
+              <a:solidFill>
+                <a:srgbClr val="FF0000"/>
+              </a:solidFill>
+              <a:highlight>
+                <a:srgbClr val="FFFF00"/>
+              </a:highlight>
+            </a:endParaRPr>
+          </a:p>
+        </p:txBody>
+      </p:sp>
+      <p:sp>
+        <p:nvSpPr>
+          <p:cNvPr id="5" name="Rectangle 4">
+            <a:extLst>
+              <a:ext uri="{FF2B5EF4-FFF2-40B4-BE49-F238E27FC236}">
+                <a16:creationId xmlns:a16="http://schemas.microsoft.com/office/drawing/2014/main" id="{E9D8677A-EC6E-4594-B308-933335FCDF90}"/>
+              </a:ext>
+            </a:extLst>
+          </p:cNvPr>
+          <p:cNvSpPr/>
+          <p:nvPr/>
+        </p:nvSpPr>
+        <p:spPr>
+          <a:xfrm>
+            <a:off x="139700" y="2586693"/>
+            <a:ext cx="10691784" cy="1325562"/>
+          </a:xfrm>
+          <a:prstGeom prst="rect">
+            <a:avLst/>
+          </a:prstGeom>
+          <a:noFill/>
+        </p:spPr>
+        <p:style>
+          <a:lnRef idx="2">
+            <a:schemeClr val="accent1">
+              <a:shade val="50000"/>
+            </a:schemeClr>
+          </a:lnRef>
+          <a:fillRef idx="1">
+            <a:schemeClr val="accent1"/>
+          </a:fillRef>
+          <a:effectRef idx="0">
+            <a:schemeClr val="accent1"/>
+          </a:effectRef>
+          <a:fontRef idx="minor">
+            <a:schemeClr val="lt1"/>
+          </a:fontRef>
+        </p:style>
+        <p:txBody>
+          <a:bodyPr rtlCol="0" anchor="ctr"/>
+          <a:lstStyle/>
+          <a:p>
+            <a:pPr algn="ctr"/>
+            <a:endParaRPr lang="en-GB" dirty="0"/>
+          </a:p>
+        </p:txBody>
+      </p:sp>
     </p:spTree>
     <p:extLst>
       <p:ext uri="{BB962C8B-B14F-4D97-AF65-F5344CB8AC3E}">
-        <p14:creationId xmlns:p14="http://schemas.microsoft.com/office/powerpoint/2010/main" val="2880942228"/>
+        <p14:creationId xmlns:p14="http://schemas.microsoft.com/office/powerpoint/2010/main" val="2241796342"/>
       </p:ext>
     </p:extLst>
   </p:cSld>
@@ -4124,7 +4065,7 @@
           <p:cNvPr id="2" name="Title 1">
             <a:extLst>
               <a:ext uri="{FF2B5EF4-FFF2-40B4-BE49-F238E27FC236}">
-                <a16:creationId xmlns:a16="http://schemas.microsoft.com/office/drawing/2014/main" id="{3D09269E-BF25-4289-A434-F94125EC3239}"/>
+                <a16:creationId xmlns:a16="http://schemas.microsoft.com/office/drawing/2014/main" id="{83A49D6E-0330-4058-9CD2-14E98B2FDAB7}"/>
               </a:ext>
             </a:extLst>
           </p:cNvPr>
@@ -4137,7 +4078,7 @@
         </p:nvSpPr>
         <p:spPr>
           <a:xfrm>
-            <a:off x="457200" y="-219075"/>
+            <a:off x="711200" y="0"/>
             <a:ext cx="10515600" cy="1325563"/>
           </a:xfrm>
         </p:spPr>
@@ -4152,7 +4093,39 @@
                   <a:srgbClr val="7030A0"/>
                 </a:solidFill>
               </a:rPr>
-              <a:t>6) assembly: Velvet assembly, N50? </a:t>
+              <a:t>6) assembly: </a:t>
+            </a:r>
+            <a:r>
+              <a:rPr lang="en-GB" dirty="0" err="1">
+                <a:solidFill>
+                  <a:srgbClr val="7030A0"/>
+                </a:solidFill>
+              </a:rPr>
+              <a:t>Kmer</a:t>
+            </a:r>
+            <a:r>
+              <a:rPr lang="en-GB" dirty="0">
+                <a:solidFill>
+                  <a:srgbClr val="7030A0"/>
+                </a:solidFill>
+              </a:rPr>
+              <a:t> length: </a:t>
+            </a:r>
+            <a:r>
+              <a:rPr lang="en-GB" i="1" dirty="0" err="1">
+                <a:solidFill>
+                  <a:srgbClr val="7030A0"/>
+                </a:solidFill>
+              </a:rPr>
+              <a:t>kmergenie</a:t>
+            </a:r>
+            <a:r>
+              <a:rPr lang="en-GB" dirty="0">
+                <a:solidFill>
+                  <a:srgbClr val="7030A0"/>
+                </a:solidFill>
+              </a:rPr>
+              <a:t> to pick </a:t>
             </a:r>
           </a:p>
         </p:txBody>
@@ -4162,7 +4135,7 @@
           <p:cNvPr id="3" name="Content Placeholder 2">
             <a:extLst>
               <a:ext uri="{FF2B5EF4-FFF2-40B4-BE49-F238E27FC236}">
-                <a16:creationId xmlns:a16="http://schemas.microsoft.com/office/drawing/2014/main" id="{27D2B713-FAB9-4FA6-9634-CBA2C3D0A60A}"/>
+                <a16:creationId xmlns:a16="http://schemas.microsoft.com/office/drawing/2014/main" id="{C3C4E270-F3E4-4AD4-B170-D08769E19895}"/>
               </a:ext>
             </a:extLst>
           </p:cNvPr>
@@ -4175,22 +4148,70 @@
         </p:nvSpPr>
         <p:spPr>
           <a:xfrm>
-            <a:off x="600075" y="1325563"/>
-            <a:ext cx="10515600" cy="4351338"/>
-          </a:xfrm>
-        </p:spPr>
-        <p:txBody>
-          <a:bodyPr>
-            <a:normAutofit fontScale="92500" lnSpcReduction="10000"/>
-          </a:bodyPr>
-          <a:lstStyle/>
+            <a:off x="52747" y="1253331"/>
+            <a:ext cx="7686675" cy="4351338"/>
+          </a:xfrm>
+        </p:spPr>
+        <p:txBody>
+          <a:bodyPr/>
+          <a:lstStyle/>
+          <a:p>
+            <a:r>
+              <a:rPr lang="en-GB" dirty="0" err="1"/>
+              <a:t>Kmer</a:t>
+            </a:r>
+            <a:r>
+              <a:rPr lang="en-GB" dirty="0"/>
+              <a:t> length too low: not enough unique </a:t>
+            </a:r>
+            <a:r>
+              <a:rPr lang="en-GB" dirty="0" err="1"/>
+              <a:t>kmers</a:t>
+            </a:r>
+            <a:r>
+              <a:rPr lang="en-GB" dirty="0"/>
+              <a:t>, fragmented incomplete assembly. Too many connections.</a:t>
+            </a:r>
+          </a:p>
           <a:p>
             <a:pPr marL="0" indent="0">
               <a:buNone/>
             </a:pPr>
+            <a:endParaRPr lang="en-GB" dirty="0"/>
+          </a:p>
+          <a:p>
+            <a:r>
+              <a:rPr lang="en-GB" dirty="0" err="1"/>
+              <a:t>Kmer</a:t>
+            </a:r>
             <a:r>
               <a:rPr lang="en-GB" dirty="0"/>
-              <a:t>Lets get some N50 scores:</a:t>
+              <a:t> length too high: Not enough coverage. </a:t>
+            </a:r>
+            <a:r>
+              <a:rPr lang="en-GB" dirty="0" err="1"/>
+              <a:t>Kmers</a:t>
+            </a:r>
+            <a:r>
+              <a:rPr lang="en-GB" dirty="0"/>
+              <a:t> too many unique, not enough connections. </a:t>
+            </a:r>
+          </a:p>
+          <a:p>
+            <a:endParaRPr lang="en-GB" dirty="0"/>
+          </a:p>
+          <a:p>
+            <a:r>
+              <a:rPr lang="en-GB" dirty="0"/>
+              <a:t>Tool to help pick the best </a:t>
+            </a:r>
+            <a:r>
+              <a:rPr lang="en-GB" dirty="0" err="1"/>
+              <a:t>kmer</a:t>
+            </a:r>
+            <a:r>
+              <a:rPr lang="en-GB" dirty="0"/>
+              <a:t>:</a:t>
             </a:r>
           </a:p>
           <a:p>
@@ -4199,248 +4220,57 @@
             </a:pPr>
             <a:r>
               <a:rPr lang="en-GB" dirty="0">
-                <a:solidFill>
-                  <a:srgbClr val="0070C0"/>
-                </a:solidFill>
-              </a:rPr>
-              <a:t>        </a:t>
-            </a:r>
-            <a:r>
-              <a:rPr lang="en-GB" dirty="0" err="1">
-                <a:solidFill>
-                  <a:srgbClr val="0070C0"/>
-                </a:solidFill>
-              </a:rPr>
-              <a:t>perl</a:t>
-            </a:r>
-            <a:r>
-              <a:rPr lang="en-GB" dirty="0">
-                <a:solidFill>
-                  <a:srgbClr val="0070C0"/>
-                </a:solidFill>
-              </a:rPr>
-              <a:t> ./scripts/scaffold_stats.pl -f </a:t>
-            </a:r>
-            <a:r>
-              <a:rPr lang="en-GB" dirty="0" err="1">
-                <a:solidFill>
-                  <a:srgbClr val="0070C0"/>
-                </a:solidFill>
-              </a:rPr>
-              <a:t>contigs.fasta</a:t>
-            </a:r>
-            <a:endParaRPr lang="en-GB" dirty="0">
-              <a:solidFill>
-                <a:srgbClr val="0070C0"/>
-              </a:solidFill>
-            </a:endParaRPr>
-          </a:p>
-          <a:p>
-            <a:pPr marL="0" indent="0">
-              <a:buNone/>
-            </a:pPr>
-            <a:endParaRPr lang="en-GB" u="sng" dirty="0">
-              <a:solidFill>
-                <a:srgbClr val="0070C0"/>
-              </a:solidFill>
-            </a:endParaRPr>
-          </a:p>
-          <a:p>
-            <a:pPr marL="0" indent="0">
-              <a:buNone/>
-            </a:pPr>
+                <a:hlinkClick r:id="rId2"/>
+              </a:rPr>
+              <a:t>http://kmergenie.bx.psu.edu/</a:t>
+            </a:r>
             <a:r>
               <a:rPr lang="en-GB" dirty="0"/>
-              <a:t>Save the results to a file (anything printed to screen.. </a:t>
-            </a:r>
-            <a:r>
-              <a:rPr lang="en-GB" dirty="0">
-                <a:solidFill>
-                  <a:srgbClr val="0070C0"/>
-                </a:solidFill>
-              </a:rPr>
-              <a:t>&gt;</a:t>
-            </a:r>
-            <a:r>
-              <a:rPr lang="en-GB" dirty="0"/>
-              <a:t> ):</a:t>
-            </a:r>
-          </a:p>
-          <a:p>
-            <a:pPr marL="0" indent="0">
-              <a:buNone/>
-            </a:pPr>
-            <a:r>
-              <a:rPr lang="en-GB" dirty="0">
-                <a:solidFill>
-                  <a:srgbClr val="0070C0"/>
-                </a:solidFill>
-              </a:rPr>
-              <a:t>        </a:t>
-            </a:r>
-            <a:r>
-              <a:rPr lang="en-GB" sz="2400" dirty="0" err="1">
-                <a:solidFill>
-                  <a:srgbClr val="0070C0"/>
-                </a:solidFill>
-              </a:rPr>
-              <a:t>perl</a:t>
-            </a:r>
-            <a:r>
-              <a:rPr lang="en-GB" sz="2400" dirty="0">
-                <a:solidFill>
-                  <a:srgbClr val="0070C0"/>
-                </a:solidFill>
-              </a:rPr>
-              <a:t> ./scripts/scaffold_stats.pl -f </a:t>
-            </a:r>
-            <a:r>
-              <a:rPr lang="en-GB" sz="2400" dirty="0" err="1">
-                <a:solidFill>
-                  <a:srgbClr val="0070C0"/>
-                </a:solidFill>
-              </a:rPr>
-              <a:t>contigs.fasta</a:t>
-            </a:r>
-            <a:r>
-              <a:rPr lang="en-GB" sz="2400" dirty="0">
-                <a:solidFill>
-                  <a:srgbClr val="0070C0"/>
-                </a:solidFill>
-              </a:rPr>
-              <a:t> </a:t>
-            </a:r>
-            <a:r>
-              <a:rPr lang="en-GB" sz="2400" b="1" dirty="0">
-                <a:solidFill>
-                  <a:srgbClr val="0070C0"/>
-                </a:solidFill>
-              </a:rPr>
-              <a:t>&gt;</a:t>
-            </a:r>
-            <a:r>
-              <a:rPr lang="en-GB" sz="2400" dirty="0">
-                <a:solidFill>
-                  <a:srgbClr val="0070C0"/>
-                </a:solidFill>
-              </a:rPr>
-              <a:t> contig_K_len.stats.txt</a:t>
-            </a:r>
-          </a:p>
-          <a:p>
-            <a:pPr marL="0" indent="0">
-              <a:buNone/>
-            </a:pPr>
-            <a:endParaRPr lang="en-GB" u="sng" dirty="0">
-              <a:solidFill>
-                <a:srgbClr val="0070C0"/>
-              </a:solidFill>
-            </a:endParaRPr>
-          </a:p>
-          <a:p>
-            <a:pPr marL="0" indent="0">
-              <a:buNone/>
-            </a:pPr>
-            <a:r>
-              <a:rPr lang="en-GB" dirty="0"/>
-              <a:t>The </a:t>
-            </a:r>
-            <a:r>
-              <a:rPr lang="en-GB" b="1" dirty="0"/>
-              <a:t>N50</a:t>
-            </a:r>
-            <a:r>
-              <a:rPr lang="en-GB" dirty="0"/>
-              <a:t> is defined as the sum of the lengths of all contigs of size </a:t>
-            </a:r>
-            <a:r>
-              <a:rPr lang="en-GB" b="1" dirty="0"/>
-              <a:t>N50</a:t>
-            </a:r>
-            <a:r>
-              <a:rPr lang="en-GB" dirty="0"/>
-              <a:t> or longer contain at least 50 percent of the total genome sequence.</a:t>
-            </a:r>
-          </a:p>
-          <a:p>
-            <a:pPr marL="0" indent="0">
-              <a:buNone/>
-            </a:pPr>
-            <a:endParaRPr lang="en-GB" u="sng" dirty="0">
-              <a:solidFill>
-                <a:srgbClr val="0070C0"/>
-              </a:solidFill>
-            </a:endParaRPr>
-          </a:p>
-          <a:p>
-            <a:pPr marL="0" indent="0">
-              <a:buNone/>
-            </a:pPr>
-            <a:r>
-              <a:rPr lang="en-GB" sz="1700" dirty="0"/>
-              <a:t>Scaffold stats script: </a:t>
-            </a:r>
-            <a:r>
-              <a:rPr lang="en-GB" sz="1700" u="sng" dirty="0"/>
-              <a:t>https://github.com/blaxterlab/scripts/tree/master/tools</a:t>
-            </a:r>
-          </a:p>
-        </p:txBody>
-      </p:sp>
-      <p:sp>
-        <p:nvSpPr>
-          <p:cNvPr id="4" name="TextBox 3">
-            <a:extLst>
-              <a:ext uri="{FF2B5EF4-FFF2-40B4-BE49-F238E27FC236}">
-                <a16:creationId xmlns:a16="http://schemas.microsoft.com/office/drawing/2014/main" id="{DFBE4F20-11CC-4269-95B7-96C7F661E1EB}"/>
-              </a:ext>
-            </a:extLst>
-          </p:cNvPr>
-          <p:cNvSpPr txBox="1"/>
+              <a:t>  </a:t>
+            </a:r>
+          </a:p>
+        </p:txBody>
+      </p:sp>
+      <p:pic>
+        <p:nvPicPr>
+          <p:cNvPr id="6" name="Picture 5">
+            <a:extLst>
+              <a:ext uri="{FF2B5EF4-FFF2-40B4-BE49-F238E27FC236}">
+                <a16:creationId xmlns:a16="http://schemas.microsoft.com/office/drawing/2014/main" id="{FB5A4517-3EEB-497E-AF60-F7E6DAE62321}"/>
+              </a:ext>
+            </a:extLst>
+          </p:cNvPr>
+          <p:cNvPicPr>
+            <a:picLocks noChangeAspect="1"/>
+          </p:cNvPicPr>
           <p:nvPr/>
-        </p:nvSpPr>
-        <p:spPr>
-          <a:xfrm>
-            <a:off x="10350500" y="0"/>
-            <a:ext cx="1841500" cy="584775"/>
+        </p:nvPicPr>
+        <p:blipFill>
+          <a:blip r:embed="rId3">
+            <a:extLst>
+              <a:ext uri="{28A0092B-C50C-407E-A947-70E740481C1C}">
+                <a14:useLocalDpi xmlns:a14="http://schemas.microsoft.com/office/drawing/2010/main" val="0"/>
+              </a:ext>
+            </a:extLst>
+          </a:blip>
+          <a:stretch>
+            <a:fillRect/>
+          </a:stretch>
+        </p:blipFill>
+        <p:spPr>
+          <a:xfrm>
+            <a:off x="9144654" y="1640770"/>
+            <a:ext cx="2475191" cy="4548010"/>
           </a:xfrm>
           <a:prstGeom prst="rect">
             <a:avLst/>
           </a:prstGeom>
-          <a:noFill/>
-        </p:spPr>
-        <p:txBody>
-          <a:bodyPr wrap="square" rtlCol="0">
-            <a:spAutoFit/>
-          </a:bodyPr>
-          <a:lstStyle/>
-          <a:p>
-            <a:r>
-              <a:rPr lang="en-GB" sz="3200" dirty="0">
-                <a:solidFill>
-                  <a:srgbClr val="FF0000"/>
-                </a:solidFill>
-                <a:highlight>
-                  <a:srgbClr val="FFFF00"/>
-                </a:highlight>
-              </a:rPr>
-              <a:t>ACTIVITY</a:t>
-            </a:r>
-            <a:endParaRPr lang="en-GB" sz="2800" dirty="0">
-              <a:solidFill>
-                <a:srgbClr val="FF0000"/>
-              </a:solidFill>
-              <a:highlight>
-                <a:srgbClr val="FFFF00"/>
-              </a:highlight>
-            </a:endParaRPr>
-          </a:p>
-        </p:txBody>
-      </p:sp>
+        </p:spPr>
+      </p:pic>
     </p:spTree>
     <p:extLst>
       <p:ext uri="{BB962C8B-B14F-4D97-AF65-F5344CB8AC3E}">
-        <p14:creationId xmlns:p14="http://schemas.microsoft.com/office/powerpoint/2010/main" val="3211005263"/>
+        <p14:creationId xmlns:p14="http://schemas.microsoft.com/office/powerpoint/2010/main" val="2880942228"/>
       </p:ext>
     </p:extLst>
   </p:cSld>
@@ -4472,7 +4302,7 @@
           <p:cNvPr id="2" name="Title 1">
             <a:extLst>
               <a:ext uri="{FF2B5EF4-FFF2-40B4-BE49-F238E27FC236}">
-                <a16:creationId xmlns:a16="http://schemas.microsoft.com/office/drawing/2014/main" id="{55F02461-1881-43C2-B364-66B918668015}"/>
+                <a16:creationId xmlns:a16="http://schemas.microsoft.com/office/drawing/2014/main" id="{3D09269E-BF25-4289-A434-F94125EC3239}"/>
               </a:ext>
             </a:extLst>
           </p:cNvPr>
@@ -4483,18 +4313,24 @@
             <p:ph type="title"/>
           </p:nvPr>
         </p:nvSpPr>
-        <p:spPr/>
+        <p:spPr>
+          <a:xfrm>
+            <a:off x="457200" y="-219075"/>
+            <a:ext cx="10515600" cy="1325563"/>
+          </a:xfrm>
+        </p:spPr>
         <p:txBody>
           <a:bodyPr/>
           <a:lstStyle/>
           <a:p>
+            <a:pPr algn="ctr"/>
             <a:r>
               <a:rPr lang="en-GB" dirty="0">
                 <a:solidFill>
                   <a:srgbClr val="7030A0"/>
                 </a:solidFill>
               </a:rPr>
-              <a:t>Pause the assembly training for something cool</a:t>
+              <a:t>6) assembly: Velvet assembly, N50? </a:t>
             </a:r>
           </a:p>
         </p:txBody>
@@ -4504,7 +4340,7 @@
           <p:cNvPr id="3" name="Content Placeholder 2">
             <a:extLst>
               <a:ext uri="{FF2B5EF4-FFF2-40B4-BE49-F238E27FC236}">
-                <a16:creationId xmlns:a16="http://schemas.microsoft.com/office/drawing/2014/main" id="{7C3DF6A3-8066-4E75-85FB-09F47BE9F87B}"/>
+                <a16:creationId xmlns:a16="http://schemas.microsoft.com/office/drawing/2014/main" id="{27D2B713-FAB9-4FA6-9634-CBA2C3D0A60A}"/>
               </a:ext>
             </a:extLst>
           </p:cNvPr>
@@ -4515,55 +4351,274 @@
             <p:ph idx="1"/>
           </p:nvPr>
         </p:nvSpPr>
-        <p:spPr/>
-        <p:txBody>
-          <a:bodyPr/>
-          <a:lstStyle/>
-          <a:p>
+        <p:spPr>
+          <a:xfrm>
+            <a:off x="600075" y="1325562"/>
+            <a:ext cx="10515600" cy="5151437"/>
+          </a:xfrm>
+        </p:spPr>
+        <p:txBody>
+          <a:bodyPr>
+            <a:normAutofit/>
+          </a:bodyPr>
+          <a:lstStyle/>
+          <a:p>
+            <a:pPr marL="0" indent="0">
+              <a:buNone/>
+            </a:pPr>
             <a:r>
               <a:rPr lang="en-GB" dirty="0"/>
-              <a:t>Ok, so we need to take a break here to introduce to you a package manager tool </a:t>
-            </a:r>
-          </a:p>
-          <a:p>
-            <a:r>
-              <a:rPr lang="en-GB" dirty="0" err="1"/>
-              <a:t>Conda</a:t>
-            </a:r>
-            <a:endParaRPr lang="en-GB" dirty="0"/>
-          </a:p>
-          <a:p>
+              <a:t>Lets get some N50 scores:</a:t>
+            </a:r>
+          </a:p>
+          <a:p>
+            <a:pPr marL="0" indent="0">
+              <a:buNone/>
+            </a:pPr>
+            <a:r>
+              <a:rPr lang="en-GB" dirty="0">
+                <a:solidFill>
+                  <a:srgbClr val="0070C0"/>
+                </a:solidFill>
+              </a:rPr>
+              <a:t>        </a:t>
+            </a:r>
+            <a:r>
+              <a:rPr lang="en-GB" dirty="0" err="1">
+                <a:solidFill>
+                  <a:srgbClr val="0070C0"/>
+                </a:solidFill>
+              </a:rPr>
+              <a:t>perl</a:t>
+            </a:r>
+            <a:r>
+              <a:rPr lang="en-GB" dirty="0">
+                <a:solidFill>
+                  <a:srgbClr val="0070C0"/>
+                </a:solidFill>
+              </a:rPr>
+              <a:t> ./scripts/scaffold_stats.pl -f </a:t>
+            </a:r>
+            <a:r>
+              <a:rPr lang="en-GB" dirty="0" err="1">
+                <a:solidFill>
+                  <a:srgbClr val="0070C0"/>
+                </a:solidFill>
+              </a:rPr>
+              <a:t>contigs.fasta</a:t>
+            </a:r>
+            <a:endParaRPr lang="en-GB" dirty="0">
+              <a:solidFill>
+                <a:srgbClr val="0070C0"/>
+              </a:solidFill>
+            </a:endParaRPr>
+          </a:p>
+          <a:p>
+            <a:pPr marL="0" indent="0">
+              <a:buNone/>
+            </a:pPr>
+            <a:endParaRPr lang="en-GB" u="sng" dirty="0">
+              <a:solidFill>
+                <a:srgbClr val="0070C0"/>
+              </a:solidFill>
+            </a:endParaRPr>
+          </a:p>
+          <a:p>
+            <a:pPr marL="0" indent="0">
+              <a:buNone/>
+            </a:pPr>
             <a:r>
               <a:rPr lang="en-GB" dirty="0"/>
-              <a:t>Open the </a:t>
-            </a:r>
-            <a:r>
-              <a:rPr lang="en-GB" dirty="0" err="1"/>
-              <a:t>conda</a:t>
+              <a:t>Save the results to a file (anything printed to screen.. </a:t>
+            </a:r>
+            <a:r>
+              <a:rPr lang="en-GB" dirty="0">
+                <a:solidFill>
+                  <a:srgbClr val="0070C0"/>
+                </a:solidFill>
+              </a:rPr>
+              <a:t>&gt;</a:t>
             </a:r>
             <a:r>
               <a:rPr lang="en-GB" dirty="0"/>
-              <a:t> PowerPoint (</a:t>
-            </a:r>
+              <a:t> ):</a:t>
+            </a:r>
+          </a:p>
+          <a:p>
+            <a:pPr marL="0" indent="0">
+              <a:buNone/>
+            </a:pPr>
             <a:r>
               <a:rPr lang="en-GB" dirty="0">
                 <a:solidFill>
+                  <a:srgbClr val="0070C0"/>
+                </a:solidFill>
+              </a:rPr>
+              <a:t>        </a:t>
+            </a:r>
+            <a:r>
+              <a:rPr lang="en-GB" sz="2400" dirty="0" err="1">
+                <a:solidFill>
+                  <a:srgbClr val="0070C0"/>
+                </a:solidFill>
+              </a:rPr>
+              <a:t>perl</a:t>
+            </a:r>
+            <a:r>
+              <a:rPr lang="en-GB" sz="2400" dirty="0">
+                <a:solidFill>
+                  <a:srgbClr val="0070C0"/>
+                </a:solidFill>
+              </a:rPr>
+              <a:t> ./scripts/scaffold_stats.pl -f </a:t>
+            </a:r>
+            <a:r>
+              <a:rPr lang="en-GB" sz="2400" dirty="0" err="1">
+                <a:solidFill>
+                  <a:srgbClr val="0070C0"/>
+                </a:solidFill>
+              </a:rPr>
+              <a:t>contigs.fasta</a:t>
+            </a:r>
+            <a:r>
+              <a:rPr lang="en-GB" sz="2400" dirty="0">
+                <a:solidFill>
+                  <a:srgbClr val="0070C0"/>
+                </a:solidFill>
+              </a:rPr>
+              <a:t> </a:t>
+            </a:r>
+            <a:r>
+              <a:rPr lang="en-GB" sz="2400" b="1" dirty="0">
+                <a:solidFill>
+                  <a:srgbClr val="0070C0"/>
+                </a:solidFill>
+              </a:rPr>
+              <a:t>&gt;</a:t>
+            </a:r>
+            <a:r>
+              <a:rPr lang="en-GB" sz="2400" dirty="0">
+                <a:solidFill>
+                  <a:srgbClr val="0070C0"/>
+                </a:solidFill>
+              </a:rPr>
+              <a:t> contig_K_len.stats.txt</a:t>
+            </a:r>
+          </a:p>
+          <a:p>
+            <a:pPr marL="0" indent="0">
+              <a:buNone/>
+            </a:pPr>
+            <a:endParaRPr lang="en-GB" u="sng" dirty="0">
+              <a:solidFill>
+                <a:srgbClr val="0070C0"/>
+              </a:solidFill>
+            </a:endParaRPr>
+          </a:p>
+          <a:p>
+            <a:pPr marL="0" indent="0">
+              <a:buNone/>
+            </a:pPr>
+            <a:r>
+              <a:rPr lang="en-GB" dirty="0"/>
+              <a:t>The </a:t>
+            </a:r>
+            <a:r>
+              <a:rPr lang="en-GB" b="1" dirty="0"/>
+              <a:t>N50</a:t>
+            </a:r>
+            <a:r>
+              <a:rPr lang="en-GB" dirty="0"/>
+              <a:t> is defined as the sum of the lengths of all contigs of size </a:t>
+            </a:r>
+            <a:r>
+              <a:rPr lang="en-GB" b="1" dirty="0"/>
+              <a:t>N50</a:t>
+            </a:r>
+            <a:r>
+              <a:rPr lang="en-GB" dirty="0"/>
+              <a:t> or longer contain at least 50 percent of the total genome sequence.</a:t>
+            </a:r>
+          </a:p>
+          <a:p>
+            <a:pPr marL="0" indent="0">
+              <a:buNone/>
+            </a:pPr>
+            <a:endParaRPr lang="en-GB" u="sng" dirty="0">
+              <a:solidFill>
+                <a:srgbClr val="0070C0"/>
+              </a:solidFill>
+            </a:endParaRPr>
+          </a:p>
+          <a:p>
+            <a:pPr marL="0" indent="0">
+              <a:buNone/>
+            </a:pPr>
+            <a:r>
+              <a:rPr lang="en-GB" sz="1700" dirty="0"/>
+              <a:t>Scaffold stats script: </a:t>
+            </a:r>
+            <a:r>
+              <a:rPr lang="en-GB" sz="1700" u="sng" dirty="0"/>
+              <a:t>https://github.com/blaxterlab/scripts/tree/master/tools</a:t>
+            </a:r>
+          </a:p>
+        </p:txBody>
+      </p:sp>
+      <p:sp>
+        <p:nvSpPr>
+          <p:cNvPr id="4" name="TextBox 3">
+            <a:extLst>
+              <a:ext uri="{FF2B5EF4-FFF2-40B4-BE49-F238E27FC236}">
+                <a16:creationId xmlns:a16="http://schemas.microsoft.com/office/drawing/2014/main" id="{DFBE4F20-11CC-4269-95B7-96C7F661E1EB}"/>
+              </a:ext>
+            </a:extLst>
+          </p:cNvPr>
+          <p:cNvSpPr txBox="1"/>
+          <p:nvPr/>
+        </p:nvSpPr>
+        <p:spPr>
+          <a:xfrm>
+            <a:off x="10350500" y="0"/>
+            <a:ext cx="1841500" cy="584775"/>
+          </a:xfrm>
+          <a:prstGeom prst="rect">
+            <a:avLst/>
+          </a:prstGeom>
+          <a:noFill/>
+        </p:spPr>
+        <p:txBody>
+          <a:bodyPr wrap="square" rtlCol="0">
+            <a:spAutoFit/>
+          </a:bodyPr>
+          <a:lstStyle/>
+          <a:p>
+            <a:r>
+              <a:rPr lang="en-GB" sz="3200" dirty="0">
+                <a:solidFill>
                   <a:srgbClr val="FF0000"/>
                 </a:solidFill>
-              </a:rPr>
-              <a:t>7_Conda.pptx</a:t>
-            </a:r>
-            <a:r>
-              <a:rPr lang="en-GB" dirty="0"/>
-              <a:t>)</a:t>
-            </a:r>
+                <a:highlight>
+                  <a:srgbClr val="FFFF00"/>
+                </a:highlight>
+              </a:rPr>
+              <a:t>ACTIVITY</a:t>
+            </a:r>
+            <a:endParaRPr lang="en-GB" sz="2800" dirty="0">
+              <a:solidFill>
+                <a:srgbClr val="FF0000"/>
+              </a:solidFill>
+              <a:highlight>
+                <a:srgbClr val="FFFF00"/>
+              </a:highlight>
+            </a:endParaRPr>
           </a:p>
         </p:txBody>
       </p:sp>
     </p:spTree>
     <p:extLst>
       <p:ext uri="{BB962C8B-B14F-4D97-AF65-F5344CB8AC3E}">
-        <p14:creationId xmlns:p14="http://schemas.microsoft.com/office/powerpoint/2010/main" val="1007012389"/>
+        <p14:creationId xmlns:p14="http://schemas.microsoft.com/office/powerpoint/2010/main" val="3211005263"/>
       </p:ext>
     </p:extLst>
   </p:cSld>
@@ -4595,7 +4650,7 @@
           <p:cNvPr id="2" name="Title 1">
             <a:extLst>
               <a:ext uri="{FF2B5EF4-FFF2-40B4-BE49-F238E27FC236}">
-                <a16:creationId xmlns:a16="http://schemas.microsoft.com/office/drawing/2014/main" id="{2C43B3AF-2DAB-4789-AAC2-055BF22D4786}"/>
+                <a16:creationId xmlns:a16="http://schemas.microsoft.com/office/drawing/2014/main" id="{55F02461-1881-43C2-B364-66B918668015}"/>
               </a:ext>
             </a:extLst>
           </p:cNvPr>
@@ -4606,12 +4661,7 @@
             <p:ph type="title"/>
           </p:nvPr>
         </p:nvSpPr>
-        <p:spPr>
-          <a:xfrm>
-            <a:off x="188422" y="165619"/>
-            <a:ext cx="12003578" cy="1325563"/>
-          </a:xfrm>
-        </p:spPr>
+        <p:spPr/>
         <p:txBody>
           <a:bodyPr/>
           <a:lstStyle/>
@@ -4622,7 +4672,7 @@
                   <a:srgbClr val="7030A0"/>
                 </a:solidFill>
               </a:rPr>
-              <a:t>6) assembly: Predict the genes from our assembly.</a:t>
+              <a:t>Pause the assembly training for something cool</a:t>
             </a:r>
           </a:p>
         </p:txBody>
@@ -4632,7 +4682,7 @@
           <p:cNvPr id="3" name="Content Placeholder 2">
             <a:extLst>
               <a:ext uri="{FF2B5EF4-FFF2-40B4-BE49-F238E27FC236}">
-                <a16:creationId xmlns:a16="http://schemas.microsoft.com/office/drawing/2014/main" id="{044C95C6-B6B0-4522-A3AD-F62B0463C045}"/>
+                <a16:creationId xmlns:a16="http://schemas.microsoft.com/office/drawing/2014/main" id="{7C3DF6A3-8066-4E75-85FB-09F47BE9F87B}"/>
               </a:ext>
             </a:extLst>
           </p:cNvPr>
@@ -4643,117 +4693,55 @@
             <p:ph idx="1"/>
           </p:nvPr>
         </p:nvSpPr>
-        <p:spPr>
-          <a:xfrm>
-            <a:off x="232611" y="1825625"/>
-            <a:ext cx="11662610" cy="4351338"/>
-          </a:xfrm>
-        </p:spPr>
-        <p:txBody>
-          <a:bodyPr>
-            <a:normAutofit/>
-          </a:bodyPr>
-          <a:lstStyle/>
-          <a:p>
-            <a:pPr marL="0" indent="0">
-              <a:buNone/>
-            </a:pPr>
-            <a:r>
-              <a:rPr lang="it-IT" dirty="0"/>
-              <a:t>Lets install Prokka to predict the bacterial genes:</a:t>
-            </a:r>
-          </a:p>
-          <a:p>
-            <a:pPr marL="0" indent="0">
-              <a:buNone/>
-            </a:pPr>
-            <a:r>
-              <a:rPr lang="it-IT" dirty="0"/>
-              <a:t>Create an env with prokka installed</a:t>
-            </a:r>
-          </a:p>
-          <a:p>
-            <a:pPr marL="0" indent="0">
-              <a:buNone/>
-            </a:pPr>
-            <a:r>
-              <a:rPr lang="it-IT" dirty="0">
-                <a:solidFill>
-                  <a:srgbClr val="0070C0"/>
-                </a:solidFill>
-              </a:rPr>
-              <a:t>        conda create -n prokkaENV prokka</a:t>
-            </a:r>
-          </a:p>
-          <a:p>
-            <a:pPr marL="0" indent="0">
-              <a:buNone/>
-            </a:pPr>
-            <a:r>
-              <a:rPr lang="it-IT" dirty="0">
-                <a:solidFill>
-                  <a:srgbClr val="0070C0"/>
-                </a:solidFill>
-              </a:rPr>
-              <a:t>        conda activate prokkaENV</a:t>
-            </a:r>
-          </a:p>
-        </p:txBody>
-      </p:sp>
-      <p:sp>
-        <p:nvSpPr>
-          <p:cNvPr id="4" name="TextBox 3">
-            <a:extLst>
-              <a:ext uri="{FF2B5EF4-FFF2-40B4-BE49-F238E27FC236}">
-                <a16:creationId xmlns:a16="http://schemas.microsoft.com/office/drawing/2014/main" id="{71306B38-5A8D-4473-A896-C39C2C9E9844}"/>
-              </a:ext>
-            </a:extLst>
-          </p:cNvPr>
-          <p:cNvSpPr txBox="1"/>
-          <p:nvPr/>
-        </p:nvSpPr>
-        <p:spPr>
-          <a:xfrm>
-            <a:off x="10350500" y="0"/>
-            <a:ext cx="1841500" cy="584775"/>
-          </a:xfrm>
-          <a:prstGeom prst="rect">
-            <a:avLst/>
-          </a:prstGeom>
-          <a:noFill/>
-        </p:spPr>
-        <p:txBody>
-          <a:bodyPr wrap="square" rtlCol="0">
-            <a:spAutoFit/>
-          </a:bodyPr>
-          <a:lstStyle/>
-          <a:p>
-            <a:r>
-              <a:rPr lang="en-GB" sz="3200" dirty="0">
+        <p:spPr/>
+        <p:txBody>
+          <a:bodyPr/>
+          <a:lstStyle/>
+          <a:p>
+            <a:r>
+              <a:rPr lang="en-GB" dirty="0"/>
+              <a:t>Ok, so we need to take a break here to introduce to you a package manager tool </a:t>
+            </a:r>
+          </a:p>
+          <a:p>
+            <a:r>
+              <a:rPr lang="en-GB" dirty="0" err="1"/>
+              <a:t>Conda</a:t>
+            </a:r>
+            <a:endParaRPr lang="en-GB" dirty="0"/>
+          </a:p>
+          <a:p>
+            <a:r>
+              <a:rPr lang="en-GB" dirty="0"/>
+              <a:t>Open the </a:t>
+            </a:r>
+            <a:r>
+              <a:rPr lang="en-GB" dirty="0" err="1"/>
+              <a:t>conda</a:t>
+            </a:r>
+            <a:r>
+              <a:rPr lang="en-GB" dirty="0"/>
+              <a:t> PowerPoint (</a:t>
+            </a:r>
+            <a:r>
+              <a:rPr lang="en-GB" dirty="0">
                 <a:solidFill>
                   <a:srgbClr val="FF0000"/>
                 </a:solidFill>
-                <a:highlight>
-                  <a:srgbClr val="FFFF00"/>
-                </a:highlight>
-              </a:rPr>
-              <a:t>ACTIVITY</a:t>
-            </a:r>
-            <a:endParaRPr lang="en-GB" sz="2800" dirty="0">
-              <a:solidFill>
-                <a:srgbClr val="FF0000"/>
-              </a:solidFill>
-              <a:highlight>
-                <a:srgbClr val="FFFF00"/>
-              </a:highlight>
-            </a:endParaRPr>
+              </a:rPr>
+              <a:t>7_Conda.pptx</a:t>
+            </a:r>
+            <a:r>
+              <a:rPr lang="en-GB" dirty="0"/>
+              <a:t>)</a:t>
+            </a:r>
           </a:p>
         </p:txBody>
       </p:sp>
     </p:spTree>
     <p:extLst>
       <p:ext uri="{BB962C8B-B14F-4D97-AF65-F5344CB8AC3E}">
-        <p14:creationId xmlns:p14="http://schemas.microsoft.com/office/powerpoint/2010/main" val="929082678"/>
+        <p14:creationId xmlns:p14="http://schemas.microsoft.com/office/powerpoint/2010/main" val="1007012389"/>
       </p:ext>
     </p:extLst>
   </p:cSld>
@@ -4850,17 +4838,16 @@
             </a:pPr>
             <a:r>
               <a:rPr lang="it-IT" dirty="0"/>
-              <a:t>Have a look at the shell to run prokka (</a:t>
-            </a:r>
-            <a:r>
-              <a:rPr lang="en-GB" dirty="0">
-                <a:hlinkClick r:id="rId2"/>
-              </a:rPr>
-              <a:t>https://github.com/tseemann/prokka</a:t>
-            </a:r>
+              <a:t>Lets install Prokka to predict the bacterial genes:</a:t>
+            </a:r>
+          </a:p>
+          <a:p>
+            <a:pPr marL="0" indent="0">
+              <a:buNone/>
+            </a:pPr>
             <a:r>
               <a:rPr lang="it-IT" dirty="0"/>
-              <a:t>):</a:t>
+              <a:t>Create an env with prokka installed</a:t>
             </a:r>
           </a:p>
           <a:p>
@@ -4873,195 +4860,20 @@
                   <a:srgbClr val="0070C0"/>
                 </a:solidFill>
               </a:rPr>
-              <a:t>        nano predict_genes.sh</a:t>
+              <a:t>        conda create -n prokkaENV prokka</a:t>
             </a:r>
           </a:p>
           <a:p>
             <a:pPr marL="0" indent="0">
               <a:buNone/>
             </a:pPr>
-            <a:endParaRPr lang="en-GB" dirty="0"/>
-          </a:p>
-          <a:p>
-            <a:pPr marL="0" indent="0">
-              <a:buNone/>
-            </a:pPr>
-            <a:r>
-              <a:rPr lang="en-GB" dirty="0"/>
-              <a:t>The command in the shell is </a:t>
-            </a:r>
-            <a:r>
-              <a:rPr lang="en-GB" dirty="0">
+            <a:r>
+              <a:rPr lang="it-IT" dirty="0">
                 <a:solidFill>
                   <a:srgbClr val="0070C0"/>
                 </a:solidFill>
               </a:rPr>
-              <a:t>: </a:t>
-            </a:r>
-            <a:r>
-              <a:rPr lang="en-GB" dirty="0" err="1">
-                <a:solidFill>
-                  <a:srgbClr val="0070C0"/>
-                </a:solidFill>
-              </a:rPr>
-              <a:t>prokka</a:t>
-            </a:r>
-            <a:r>
-              <a:rPr lang="en-GB" dirty="0">
-                <a:solidFill>
-                  <a:srgbClr val="0070C0"/>
-                </a:solidFill>
-              </a:rPr>
-              <a:t> --</a:t>
-            </a:r>
-            <a:r>
-              <a:rPr lang="en-GB" dirty="0" err="1">
-                <a:solidFill>
-                  <a:srgbClr val="0070C0"/>
-                </a:solidFill>
-              </a:rPr>
-              <a:t>cpu</a:t>
-            </a:r>
-            <a:r>
-              <a:rPr lang="en-GB" dirty="0">
-                <a:solidFill>
-                  <a:srgbClr val="0070C0"/>
-                </a:solidFill>
-              </a:rPr>
-              <a:t> 2 </a:t>
-            </a:r>
-            <a:r>
-              <a:rPr lang="en-GB" dirty="0" err="1">
-                <a:solidFill>
-                  <a:srgbClr val="0070C0"/>
-                </a:solidFill>
-              </a:rPr>
-              <a:t>contigs.fasta</a:t>
-            </a:r>
-            <a:endParaRPr lang="en-GB" dirty="0">
-              <a:solidFill>
-                <a:srgbClr val="0070C0"/>
-              </a:solidFill>
-            </a:endParaRPr>
-          </a:p>
-          <a:p>
-            <a:pPr marL="0" indent="0">
-              <a:buNone/>
-            </a:pPr>
-            <a:r>
-              <a:rPr lang="en-GB" dirty="0"/>
-              <a:t>After you have activated the </a:t>
-            </a:r>
-            <a:r>
-              <a:rPr lang="en-GB" dirty="0" err="1"/>
-              <a:t>env</a:t>
-            </a:r>
-            <a:r>
-              <a:rPr lang="en-GB" dirty="0"/>
-              <a:t>, </a:t>
-            </a:r>
-            <a:r>
-              <a:rPr lang="en-GB" dirty="0" err="1"/>
-              <a:t>qsub</a:t>
-            </a:r>
-            <a:r>
-              <a:rPr lang="en-GB" dirty="0"/>
-              <a:t> with the -V option to submit with </a:t>
-            </a:r>
-            <a:r>
-              <a:rPr lang="en-GB" dirty="0" err="1"/>
-              <a:t>prokka</a:t>
-            </a:r>
-            <a:endParaRPr lang="en-GB" dirty="0"/>
-          </a:p>
-          <a:p>
-            <a:pPr marL="0" indent="0">
-              <a:buNone/>
-            </a:pPr>
-            <a:r>
-              <a:rPr lang="en-GB" dirty="0">
-                <a:solidFill>
-                  <a:srgbClr val="0070C0"/>
-                </a:solidFill>
-              </a:rPr>
-              <a:t>      </a:t>
-            </a:r>
-            <a:r>
-              <a:rPr lang="en-GB" dirty="0" err="1">
-                <a:solidFill>
-                  <a:srgbClr val="0070C0"/>
-                </a:solidFill>
-              </a:rPr>
-              <a:t>conda</a:t>
-            </a:r>
-            <a:r>
-              <a:rPr lang="en-GB" dirty="0">
-                <a:solidFill>
-                  <a:srgbClr val="0070C0"/>
-                </a:solidFill>
-              </a:rPr>
-              <a:t> activate </a:t>
-            </a:r>
-            <a:r>
-              <a:rPr lang="it-IT" dirty="0">
-                <a:solidFill>
-                  <a:srgbClr val="0070C0"/>
-                </a:solidFill>
-              </a:rPr>
-              <a:t>prokkaENV</a:t>
-            </a:r>
-            <a:r>
-              <a:rPr lang="en-GB" dirty="0">
-                <a:solidFill>
-                  <a:srgbClr val="0070C0"/>
-                </a:solidFill>
-              </a:rPr>
-              <a:t> </a:t>
-            </a:r>
-          </a:p>
-          <a:p>
-            <a:pPr marL="0" indent="0">
-              <a:buNone/>
-            </a:pPr>
-            <a:r>
-              <a:rPr lang="en-GB" dirty="0">
-                <a:solidFill>
-                  <a:srgbClr val="0070C0"/>
-                </a:solidFill>
-              </a:rPr>
-              <a:t>      </a:t>
-            </a:r>
-            <a:r>
-              <a:rPr lang="en-GB" dirty="0" err="1">
-                <a:solidFill>
-                  <a:srgbClr val="0070C0"/>
-                </a:solidFill>
-              </a:rPr>
-              <a:t>qsub</a:t>
-            </a:r>
-            <a:r>
-              <a:rPr lang="en-GB" dirty="0">
-                <a:solidFill>
-                  <a:srgbClr val="0070C0"/>
-                </a:solidFill>
-              </a:rPr>
-              <a:t> -V -</a:t>
-            </a:r>
-            <a:r>
-              <a:rPr lang="en-GB" dirty="0" err="1">
-                <a:solidFill>
-                  <a:srgbClr val="0070C0"/>
-                </a:solidFill>
-              </a:rPr>
-              <a:t>pe</a:t>
-            </a:r>
-            <a:r>
-              <a:rPr lang="en-GB" dirty="0">
-                <a:solidFill>
-                  <a:srgbClr val="0070C0"/>
-                </a:solidFill>
-              </a:rPr>
-              <a:t> multi 2 predict_genes.sh</a:t>
+              <a:t>        conda activate prokkaENV</a:t>
             </a:r>
           </a:p>
         </p:txBody>
@@ -5071,7 +4883,7 @@
           <p:cNvPr id="4" name="TextBox 3">
             <a:extLst>
               <a:ext uri="{FF2B5EF4-FFF2-40B4-BE49-F238E27FC236}">
-                <a16:creationId xmlns:a16="http://schemas.microsoft.com/office/drawing/2014/main" id="{B839FC87-3D54-426B-97E5-C67DCF2B2DE7}"/>
+                <a16:creationId xmlns:a16="http://schemas.microsoft.com/office/drawing/2014/main" id="{71306B38-5A8D-4473-A896-C39C2C9E9844}"/>
               </a:ext>
             </a:extLst>
           </p:cNvPr>
@@ -5119,7 +4931,7 @@
     </p:spTree>
     <p:extLst>
       <p:ext uri="{BB962C8B-B14F-4D97-AF65-F5344CB8AC3E}">
-        <p14:creationId xmlns:p14="http://schemas.microsoft.com/office/powerpoint/2010/main" val="899294727"/>
+        <p14:creationId xmlns:p14="http://schemas.microsoft.com/office/powerpoint/2010/main" val="929082678"/>
       </p:ext>
     </p:extLst>
   </p:cSld>
@@ -5151,7 +4963,7 @@
           <p:cNvPr id="2" name="Title 1">
             <a:extLst>
               <a:ext uri="{FF2B5EF4-FFF2-40B4-BE49-F238E27FC236}">
-                <a16:creationId xmlns:a16="http://schemas.microsoft.com/office/drawing/2014/main" id="{4E1FC0BE-F14F-41BB-AA79-8A2D40C17783}"/>
+                <a16:creationId xmlns:a16="http://schemas.microsoft.com/office/drawing/2014/main" id="{2C43B3AF-2DAB-4789-AAC2-055BF22D4786}"/>
               </a:ext>
             </a:extLst>
           </p:cNvPr>
@@ -5164,8 +4976,8 @@
         </p:nvSpPr>
         <p:spPr>
           <a:xfrm>
-            <a:off x="289560" y="157306"/>
-            <a:ext cx="10515600" cy="1325563"/>
+            <a:off x="188422" y="165619"/>
+            <a:ext cx="12003578" cy="1325563"/>
           </a:xfrm>
         </p:spPr>
         <p:txBody>
@@ -5173,90 +4985,319 @@
           <a:lstStyle/>
           <a:p>
             <a:r>
+              <a:rPr lang="en-GB" dirty="0">
+                <a:solidFill>
+                  <a:srgbClr val="7030A0"/>
+                </a:solidFill>
+              </a:rPr>
+              <a:t>6) assembly: Predict the genes from our assembly.</a:t>
+            </a:r>
+          </a:p>
+        </p:txBody>
+      </p:sp>
+      <p:sp>
+        <p:nvSpPr>
+          <p:cNvPr id="3" name="Content Placeholder 2">
+            <a:extLst>
+              <a:ext uri="{FF2B5EF4-FFF2-40B4-BE49-F238E27FC236}">
+                <a16:creationId xmlns:a16="http://schemas.microsoft.com/office/drawing/2014/main" id="{044C95C6-B6B0-4522-A3AD-F62B0463C045}"/>
+              </a:ext>
+            </a:extLst>
+          </p:cNvPr>
+          <p:cNvSpPr>
+            <a:spLocks noGrp="1"/>
+          </p:cNvSpPr>
+          <p:nvPr>
+            <p:ph idx="1"/>
+          </p:nvPr>
+        </p:nvSpPr>
+        <p:spPr>
+          <a:xfrm>
+            <a:off x="232611" y="1825625"/>
+            <a:ext cx="11662610" cy="4351338"/>
+          </a:xfrm>
+        </p:spPr>
+        <p:txBody>
+          <a:bodyPr>
+            <a:normAutofit/>
+          </a:bodyPr>
+          <a:lstStyle/>
+          <a:p>
+            <a:pPr marL="0" indent="0">
+              <a:buNone/>
+            </a:pPr>
+            <a:r>
+              <a:rPr lang="it-IT" dirty="0"/>
+              <a:t>Have a look at the shell to run prokka (</a:t>
+            </a:r>
+            <a:r>
+              <a:rPr lang="en-GB" dirty="0">
+                <a:hlinkClick r:id="rId2"/>
+              </a:rPr>
+              <a:t>https://github.com/tseemann/prokka</a:t>
+            </a:r>
+            <a:r>
+              <a:rPr lang="it-IT" dirty="0"/>
+              <a:t>):</a:t>
+            </a:r>
+          </a:p>
+          <a:p>
+            <a:pPr marL="0" indent="0">
+              <a:buNone/>
+            </a:pPr>
+            <a:r>
+              <a:rPr lang="it-IT" dirty="0">
+                <a:solidFill>
+                  <a:srgbClr val="0070C0"/>
+                </a:solidFill>
+              </a:rPr>
+              <a:t>        nano predict_genes.sh</a:t>
+            </a:r>
+          </a:p>
+          <a:p>
+            <a:pPr marL="0" indent="0">
+              <a:buNone/>
+            </a:pPr>
+            <a:endParaRPr lang="en-GB" dirty="0"/>
+          </a:p>
+          <a:p>
+            <a:pPr marL="0" indent="0">
+              <a:buNone/>
+            </a:pPr>
+            <a:r>
+              <a:rPr lang="en-GB" dirty="0"/>
+              <a:t>The command in the shell is </a:t>
+            </a:r>
+            <a:r>
+              <a:rPr lang="en-GB" dirty="0">
+                <a:solidFill>
+                  <a:srgbClr val="0070C0"/>
+                </a:solidFill>
+              </a:rPr>
+              <a:t>: </a:t>
+            </a:r>
+            <a:r>
               <a:rPr lang="en-GB" dirty="0" err="1">
                 <a:solidFill>
-                  <a:srgbClr val="7030A0"/>
-                </a:solidFill>
-              </a:rPr>
-              <a:t>Prokka</a:t>
+                  <a:srgbClr val="0070C0"/>
+                </a:solidFill>
+              </a:rPr>
+              <a:t>prokka</a:t>
             </a:r>
             <a:r>
               <a:rPr lang="en-GB" dirty="0">
                 <a:solidFill>
-                  <a:srgbClr val="7030A0"/>
-                </a:solidFill>
-              </a:rPr>
-              <a:t> output</a:t>
-            </a:r>
-          </a:p>
-        </p:txBody>
-      </p:sp>
-      <p:sp>
-        <p:nvSpPr>
-          <p:cNvPr id="3" name="Content Placeholder 2">
-            <a:extLst>
-              <a:ext uri="{FF2B5EF4-FFF2-40B4-BE49-F238E27FC236}">
-                <a16:creationId xmlns:a16="http://schemas.microsoft.com/office/drawing/2014/main" id="{C9010BB6-15F2-45E5-80F4-B73AC9439517}"/>
-              </a:ext>
-            </a:extLst>
-          </p:cNvPr>
-          <p:cNvSpPr>
-            <a:spLocks noGrp="1"/>
-          </p:cNvSpPr>
-          <p:nvPr>
-            <p:ph idx="1"/>
-          </p:nvPr>
-        </p:nvSpPr>
-        <p:spPr>
-          <a:xfrm>
-            <a:off x="164869" y="1351799"/>
-            <a:ext cx="10515600" cy="4351338"/>
-          </a:xfrm>
-        </p:spPr>
-        <p:txBody>
-          <a:bodyPr/>
-          <a:lstStyle/>
-          <a:p>
+                  <a:srgbClr val="0070C0"/>
+                </a:solidFill>
+              </a:rPr>
+              <a:t> --</a:t>
+            </a:r>
+            <a:r>
+              <a:rPr lang="en-GB" dirty="0" err="1">
+                <a:solidFill>
+                  <a:srgbClr val="0070C0"/>
+                </a:solidFill>
+              </a:rPr>
+              <a:t>cpu</a:t>
+            </a:r>
+            <a:r>
+              <a:rPr lang="en-GB" dirty="0">
+                <a:solidFill>
+                  <a:srgbClr val="0070C0"/>
+                </a:solidFill>
+              </a:rPr>
+              <a:t> 2 </a:t>
+            </a:r>
+            <a:r>
+              <a:rPr lang="en-GB" dirty="0" err="1">
+                <a:solidFill>
+                  <a:srgbClr val="0070C0"/>
+                </a:solidFill>
+              </a:rPr>
+              <a:t>contigs.fasta</a:t>
+            </a:r>
+            <a:endParaRPr lang="en-GB" dirty="0">
+              <a:solidFill>
+                <a:srgbClr val="0070C0"/>
+              </a:solidFill>
+            </a:endParaRPr>
+          </a:p>
+          <a:p>
+            <a:pPr marL="0" indent="0">
+              <a:buNone/>
+            </a:pPr>
             <a:r>
               <a:rPr lang="en-GB" dirty="0"/>
-              <a:t>PROKKA_11122018.err  PROKKA_11122018.ffn  PROKKA_11122018.fsa  </a:t>
-            </a:r>
+              <a:t>After you have activated the </a:t>
+            </a:r>
+            <a:r>
+              <a:rPr lang="en-GB" dirty="0" err="1"/>
+              <a:t>env</a:t>
+            </a:r>
+            <a:r>
+              <a:rPr lang="en-GB" dirty="0"/>
+              <a:t>, </a:t>
+            </a:r>
+            <a:r>
+              <a:rPr lang="en-GB" dirty="0" err="1"/>
+              <a:t>qsub</a:t>
+            </a:r>
+            <a:r>
+              <a:rPr lang="en-GB" dirty="0"/>
+              <a:t> with the -V option to submit with </a:t>
+            </a:r>
+            <a:r>
+              <a:rPr lang="en-GB" dirty="0" err="1"/>
+              <a:t>prokka</a:t>
+            </a:r>
+            <a:endParaRPr lang="en-GB" dirty="0"/>
+          </a:p>
+          <a:p>
+            <a:pPr marL="0" indent="0">
+              <a:buNone/>
+            </a:pPr>
             <a:r>
               <a:rPr lang="en-GB" dirty="0">
+                <a:solidFill>
+                  <a:srgbClr val="0070C0"/>
+                </a:solidFill>
+              </a:rPr>
+              <a:t>      </a:t>
+            </a:r>
+            <a:r>
+              <a:rPr lang="en-GB" dirty="0" err="1">
+                <a:solidFill>
+                  <a:srgbClr val="0070C0"/>
+                </a:solidFill>
+              </a:rPr>
+              <a:t>conda</a:t>
+            </a:r>
+            <a:r>
+              <a:rPr lang="en-GB" dirty="0">
+                <a:solidFill>
+                  <a:srgbClr val="0070C0"/>
+                </a:solidFill>
+              </a:rPr>
+              <a:t> activate </a:t>
+            </a:r>
+            <a:r>
+              <a:rPr lang="it-IT" dirty="0">
+                <a:solidFill>
+                  <a:srgbClr val="0070C0"/>
+                </a:solidFill>
+              </a:rPr>
+              <a:t>prokkaENV</a:t>
+            </a:r>
+            <a:r>
+              <a:rPr lang="en-GB" dirty="0">
+                <a:solidFill>
+                  <a:srgbClr val="0070C0"/>
+                </a:solidFill>
+              </a:rPr>
+              <a:t> </a:t>
+            </a:r>
+          </a:p>
+          <a:p>
+            <a:pPr marL="0" indent="0">
+              <a:buNone/>
+            </a:pPr>
+            <a:r>
+              <a:rPr lang="en-GB" dirty="0">
+                <a:solidFill>
+                  <a:srgbClr val="0070C0"/>
+                </a:solidFill>
+              </a:rPr>
+              <a:t>      </a:t>
+            </a:r>
+            <a:r>
+              <a:rPr lang="en-GB" dirty="0" err="1">
+                <a:solidFill>
+                  <a:srgbClr val="0070C0"/>
+                </a:solidFill>
+              </a:rPr>
+              <a:t>qsub</a:t>
+            </a:r>
+            <a:r>
+              <a:rPr lang="en-GB" dirty="0">
+                <a:solidFill>
+                  <a:srgbClr val="0070C0"/>
+                </a:solidFill>
+              </a:rPr>
+              <a:t> -V -</a:t>
+            </a:r>
+            <a:r>
+              <a:rPr lang="en-GB" dirty="0" err="1">
+                <a:solidFill>
+                  <a:srgbClr val="0070C0"/>
+                </a:solidFill>
+              </a:rPr>
+              <a:t>pe</a:t>
+            </a:r>
+            <a:r>
+              <a:rPr lang="en-GB" dirty="0">
+                <a:solidFill>
+                  <a:srgbClr val="0070C0"/>
+                </a:solidFill>
+              </a:rPr>
+              <a:t> multi 2 predict_genes.sh</a:t>
+            </a:r>
+          </a:p>
+        </p:txBody>
+      </p:sp>
+      <p:sp>
+        <p:nvSpPr>
+          <p:cNvPr id="4" name="TextBox 3">
+            <a:extLst>
+              <a:ext uri="{FF2B5EF4-FFF2-40B4-BE49-F238E27FC236}">
+                <a16:creationId xmlns:a16="http://schemas.microsoft.com/office/drawing/2014/main" id="{B839FC87-3D54-426B-97E5-C67DCF2B2DE7}"/>
+              </a:ext>
+            </a:extLst>
+          </p:cNvPr>
+          <p:cNvSpPr txBox="1"/>
+          <p:nvPr/>
+        </p:nvSpPr>
+        <p:spPr>
+          <a:xfrm>
+            <a:off x="10350500" y="0"/>
+            <a:ext cx="1841500" cy="584775"/>
+          </a:xfrm>
+          <a:prstGeom prst="rect">
+            <a:avLst/>
+          </a:prstGeom>
+          <a:noFill/>
+        </p:spPr>
+        <p:txBody>
+          <a:bodyPr wrap="square" rtlCol="0">
+            <a:spAutoFit/>
+          </a:bodyPr>
+          <a:lstStyle/>
+          <a:p>
+            <a:r>
+              <a:rPr lang="en-GB" sz="3200" dirty="0">
+                <a:solidFill>
+                  <a:srgbClr val="FF0000"/>
+                </a:solidFill>
                 <a:highlight>
                   <a:srgbClr val="FFFF00"/>
                 </a:highlight>
               </a:rPr>
-              <a:t>PROKKA_11122018.gff  </a:t>
-            </a:r>
-            <a:r>
-              <a:rPr lang="en-GB" dirty="0"/>
-              <a:t>PROKKA_11122018.sqn  PROKKA_11122018.tsv</a:t>
-            </a:r>
-          </a:p>
-          <a:p>
-            <a:r>
-              <a:rPr lang="en-GB" dirty="0">
-                <a:highlight>
-                  <a:srgbClr val="FFFF00"/>
-                </a:highlight>
-              </a:rPr>
-              <a:t>PROKKA_11122018.faa  PROKKA_11122018.fna  </a:t>
-            </a:r>
-            <a:r>
-              <a:rPr lang="en-GB" dirty="0"/>
-              <a:t>PROKKA_11122018.gbk  PROKKA_11122018.log  PROKKA_11122018.tbl  PROKKA_11122018.txt</a:t>
-            </a:r>
-          </a:p>
-          <a:p>
-            <a:endParaRPr lang="en-GB" dirty="0"/>
+              <a:t>ACTIVITY</a:t>
+            </a:r>
+            <a:endParaRPr lang="en-GB" sz="2800" dirty="0">
+              <a:solidFill>
+                <a:srgbClr val="FF0000"/>
+              </a:solidFill>
+              <a:highlight>
+                <a:srgbClr val="FFFF00"/>
+              </a:highlight>
+            </a:endParaRPr>
           </a:p>
         </p:txBody>
       </p:sp>
     </p:spTree>
     <p:extLst>
       <p:ext uri="{BB962C8B-B14F-4D97-AF65-F5344CB8AC3E}">
-        <p14:creationId xmlns:p14="http://schemas.microsoft.com/office/powerpoint/2010/main" val="1471244480"/>
+        <p14:creationId xmlns:p14="http://schemas.microsoft.com/office/powerpoint/2010/main" val="899294727"/>
       </p:ext>
     </p:extLst>
   </p:cSld>
@@ -5288,6 +5329,143 @@
           <p:cNvPr id="2" name="Title 1">
             <a:extLst>
               <a:ext uri="{FF2B5EF4-FFF2-40B4-BE49-F238E27FC236}">
+                <a16:creationId xmlns:a16="http://schemas.microsoft.com/office/drawing/2014/main" id="{4E1FC0BE-F14F-41BB-AA79-8A2D40C17783}"/>
+              </a:ext>
+            </a:extLst>
+          </p:cNvPr>
+          <p:cNvSpPr>
+            <a:spLocks noGrp="1"/>
+          </p:cNvSpPr>
+          <p:nvPr>
+            <p:ph type="title"/>
+          </p:nvPr>
+        </p:nvSpPr>
+        <p:spPr>
+          <a:xfrm>
+            <a:off x="289560" y="157306"/>
+            <a:ext cx="10515600" cy="1325563"/>
+          </a:xfrm>
+        </p:spPr>
+        <p:txBody>
+          <a:bodyPr/>
+          <a:lstStyle/>
+          <a:p>
+            <a:r>
+              <a:rPr lang="en-GB" dirty="0" err="1">
+                <a:solidFill>
+                  <a:srgbClr val="7030A0"/>
+                </a:solidFill>
+              </a:rPr>
+              <a:t>Prokka</a:t>
+            </a:r>
+            <a:r>
+              <a:rPr lang="en-GB" dirty="0">
+                <a:solidFill>
+                  <a:srgbClr val="7030A0"/>
+                </a:solidFill>
+              </a:rPr>
+              <a:t> output</a:t>
+            </a:r>
+          </a:p>
+        </p:txBody>
+      </p:sp>
+      <p:sp>
+        <p:nvSpPr>
+          <p:cNvPr id="3" name="Content Placeholder 2">
+            <a:extLst>
+              <a:ext uri="{FF2B5EF4-FFF2-40B4-BE49-F238E27FC236}">
+                <a16:creationId xmlns:a16="http://schemas.microsoft.com/office/drawing/2014/main" id="{C9010BB6-15F2-45E5-80F4-B73AC9439517}"/>
+              </a:ext>
+            </a:extLst>
+          </p:cNvPr>
+          <p:cNvSpPr>
+            <a:spLocks noGrp="1"/>
+          </p:cNvSpPr>
+          <p:nvPr>
+            <p:ph idx="1"/>
+          </p:nvPr>
+        </p:nvSpPr>
+        <p:spPr>
+          <a:xfrm>
+            <a:off x="164869" y="1351799"/>
+            <a:ext cx="10515600" cy="4351338"/>
+          </a:xfrm>
+        </p:spPr>
+        <p:txBody>
+          <a:bodyPr/>
+          <a:lstStyle/>
+          <a:p>
+            <a:r>
+              <a:rPr lang="en-GB" dirty="0"/>
+              <a:t>PROKKA_11122018.err  PROKKA_11122018.ffn  PROKKA_11122018.fsa  </a:t>
+            </a:r>
+            <a:r>
+              <a:rPr lang="en-GB" dirty="0">
+                <a:highlight>
+                  <a:srgbClr val="FFFF00"/>
+                </a:highlight>
+              </a:rPr>
+              <a:t>PROKKA_11122018.gff  </a:t>
+            </a:r>
+            <a:r>
+              <a:rPr lang="en-GB" dirty="0"/>
+              <a:t>PROKKA_11122018.sqn  PROKKA_11122018.tsv</a:t>
+            </a:r>
+          </a:p>
+          <a:p>
+            <a:r>
+              <a:rPr lang="en-GB" dirty="0">
+                <a:highlight>
+                  <a:srgbClr val="FFFF00"/>
+                </a:highlight>
+              </a:rPr>
+              <a:t>PROKKA_11122018.faa  PROKKA_11122018.fna  </a:t>
+            </a:r>
+            <a:r>
+              <a:rPr lang="en-GB" dirty="0"/>
+              <a:t>PROKKA_11122018.gbk  PROKKA_11122018.log  PROKKA_11122018.tbl  PROKKA_11122018.txt</a:t>
+            </a:r>
+          </a:p>
+          <a:p>
+            <a:endParaRPr lang="en-GB" dirty="0"/>
+          </a:p>
+        </p:txBody>
+      </p:sp>
+    </p:spTree>
+    <p:extLst>
+      <p:ext uri="{BB962C8B-B14F-4D97-AF65-F5344CB8AC3E}">
+        <p14:creationId xmlns:p14="http://schemas.microsoft.com/office/powerpoint/2010/main" val="1471244480"/>
+      </p:ext>
+    </p:extLst>
+  </p:cSld>
+  <p:clrMapOvr>
+    <a:masterClrMapping/>
+  </p:clrMapOvr>
+</p:sld>
+</file>
+
+<file path=ppt/slides/slide18.xml><?xml version="1.0" encoding="utf-8"?>
+<p:sld xmlns:a="http://schemas.openxmlformats.org/drawingml/2006/main" xmlns:r="http://schemas.openxmlformats.org/officeDocument/2006/relationships" xmlns:p="http://schemas.openxmlformats.org/presentationml/2006/main">
+  <p:cSld>
+    <p:spTree>
+      <p:nvGrpSpPr>
+        <p:cNvPr id="1" name=""/>
+        <p:cNvGrpSpPr/>
+        <p:nvPr/>
+      </p:nvGrpSpPr>
+      <p:grpSpPr>
+        <a:xfrm>
+          <a:off x="0" y="0"/>
+          <a:ext cx="0" cy="0"/>
+          <a:chOff x="0" y="0"/>
+          <a:chExt cx="0" cy="0"/>
+        </a:xfrm>
+      </p:grpSpPr>
+      <p:sp>
+        <p:nvSpPr>
+          <p:cNvPr id="2" name="Title 1">
+            <a:extLst>
+              <a:ext uri="{FF2B5EF4-FFF2-40B4-BE49-F238E27FC236}">
                 <a16:creationId xmlns:a16="http://schemas.microsoft.com/office/drawing/2014/main" id="{9DB186D9-2728-4E1B-A6BF-B9A55B0B1C7C}"/>
               </a:ext>
             </a:extLst>
@@ -5472,7 +5650,23 @@
                   <a:srgbClr val="002060"/>
                 </a:solidFill>
               </a:rPr>
-              <a:t> is the king. ~20,000 X faster than </a:t>
+              <a:t> is the king. </a:t>
+            </a:r>
+            <a:r>
+              <a:rPr lang="en-GB">
+                <a:solidFill>
+                  <a:srgbClr val="002060"/>
+                </a:solidFill>
+              </a:rPr>
+              <a:t>~30,000 </a:t>
+            </a:r>
+            <a:r>
+              <a:rPr lang="en-GB" dirty="0">
+                <a:solidFill>
+                  <a:srgbClr val="002060"/>
+                </a:solidFill>
+              </a:rPr>
+              <a:t>X faster than </a:t>
             </a:r>
             <a:r>
               <a:rPr lang="en-GB" dirty="0" err="1">
@@ -5595,7 +5789,7 @@
 </p:sld>
 </file>
 
-<file path=ppt/slides/slide18.xml><?xml version="1.0" encoding="utf-8"?>
+<file path=ppt/slides/slide19.xml><?xml version="1.0" encoding="utf-8"?>
 <p:sld xmlns:a="http://schemas.openxmlformats.org/drawingml/2006/main" xmlns:r="http://schemas.openxmlformats.org/officeDocument/2006/relationships" xmlns:p="http://schemas.openxmlformats.org/presentationml/2006/main">
   <p:cSld>
     <p:spTree>
@@ -5971,7 +6165,134 @@
 </p:sld>
 </file>
 
-<file path=ppt/slides/slide19.xml><?xml version="1.0" encoding="utf-8"?>
+<file path=ppt/slides/slide2.xml><?xml version="1.0" encoding="utf-8"?>
+<p:sld xmlns:a="http://schemas.openxmlformats.org/drawingml/2006/main" xmlns:r="http://schemas.openxmlformats.org/officeDocument/2006/relationships" xmlns:p="http://schemas.openxmlformats.org/presentationml/2006/main">
+  <p:cSld>
+    <p:spTree>
+      <p:nvGrpSpPr>
+        <p:cNvPr id="1" name=""/>
+        <p:cNvGrpSpPr/>
+        <p:nvPr/>
+      </p:nvGrpSpPr>
+      <p:grpSpPr>
+        <a:xfrm>
+          <a:off x="0" y="0"/>
+          <a:ext cx="0" cy="0"/>
+          <a:chOff x="0" y="0"/>
+          <a:chExt cx="0" cy="0"/>
+        </a:xfrm>
+      </p:grpSpPr>
+      <p:sp>
+        <p:nvSpPr>
+          <p:cNvPr id="2" name="Title 1">
+            <a:extLst>
+              <a:ext uri="{FF2B5EF4-FFF2-40B4-BE49-F238E27FC236}">
+                <a16:creationId xmlns:a16="http://schemas.microsoft.com/office/drawing/2014/main" id="{A0C8C6AF-E509-4279-9039-EC1F56C4DC48}"/>
+              </a:ext>
+            </a:extLst>
+          </p:cNvPr>
+          <p:cNvSpPr>
+            <a:spLocks noGrp="1"/>
+          </p:cNvSpPr>
+          <p:nvPr>
+            <p:ph type="title"/>
+          </p:nvPr>
+        </p:nvSpPr>
+        <p:spPr>
+          <a:xfrm>
+            <a:off x="838200" y="-210345"/>
+            <a:ext cx="10515600" cy="1325563"/>
+          </a:xfrm>
+        </p:spPr>
+        <p:txBody>
+          <a:bodyPr/>
+          <a:lstStyle/>
+          <a:p>
+            <a:pPr algn="ctr"/>
+            <a:r>
+              <a:rPr lang="en-GB" dirty="0">
+                <a:solidFill>
+                  <a:srgbClr val="7030A0"/>
+                </a:solidFill>
+              </a:rPr>
+              <a:t>6) assembly: Bacterial genome assembly</a:t>
+            </a:r>
+          </a:p>
+        </p:txBody>
+      </p:sp>
+      <p:sp>
+        <p:nvSpPr>
+          <p:cNvPr id="3" name="Content Placeholder 2">
+            <a:extLst>
+              <a:ext uri="{FF2B5EF4-FFF2-40B4-BE49-F238E27FC236}">
+                <a16:creationId xmlns:a16="http://schemas.microsoft.com/office/drawing/2014/main" id="{87E2E5A0-784D-4BAF-A742-3FA5474D9D33}"/>
+              </a:ext>
+            </a:extLst>
+          </p:cNvPr>
+          <p:cNvSpPr>
+            <a:spLocks noGrp="1"/>
+          </p:cNvSpPr>
+          <p:nvPr>
+            <p:ph idx="1"/>
+          </p:nvPr>
+        </p:nvSpPr>
+        <p:spPr>
+          <a:xfrm>
+            <a:off x="371474" y="1253331"/>
+            <a:ext cx="10287001" cy="4351338"/>
+          </a:xfrm>
+        </p:spPr>
+        <p:txBody>
+          <a:bodyPr>
+            <a:normAutofit/>
+          </a:bodyPr>
+          <a:lstStyle/>
+          <a:p>
+            <a:r>
+              <a:rPr lang="en-GB" sz="2400" dirty="0"/>
+              <a:t>As an example we will assembly a bacterial data set. </a:t>
+            </a:r>
+          </a:p>
+          <a:p>
+            <a:r>
+              <a:rPr lang="en-GB" sz="2400" dirty="0"/>
+              <a:t>You will tell me what it is after. </a:t>
+            </a:r>
+          </a:p>
+          <a:p>
+            <a:r>
+              <a:rPr lang="en-GB" sz="2400" dirty="0"/>
+              <a:t>This is not the best approach, but a fast and resource savvy approach for training purposes. </a:t>
+            </a:r>
+          </a:p>
+          <a:p>
+            <a:pPr marL="0" indent="0">
+              <a:buNone/>
+            </a:pPr>
+            <a:endParaRPr lang="en-GB" dirty="0"/>
+          </a:p>
+          <a:p>
+            <a:pPr marL="0" indent="0">
+              <a:buNone/>
+            </a:pPr>
+            <a:endParaRPr lang="en-GB" dirty="0"/>
+          </a:p>
+        </p:txBody>
+      </p:sp>
+    </p:spTree>
+    <p:extLst>
+      <p:ext uri="{BB962C8B-B14F-4D97-AF65-F5344CB8AC3E}">
+        <p14:creationId xmlns:p14="http://schemas.microsoft.com/office/powerpoint/2010/main" val="3370244674"/>
+      </p:ext>
+    </p:extLst>
+  </p:cSld>
+  <p:clrMapOvr>
+    <a:masterClrMapping/>
+  </p:clrMapOvr>
+</p:sld>
+</file>
+
+<file path=ppt/slides/slide20.xml><?xml version="1.0" encoding="utf-8"?>
 <p:sld xmlns:a="http://schemas.openxmlformats.org/drawingml/2006/main" xmlns:r="http://schemas.openxmlformats.org/officeDocument/2006/relationships" xmlns:p="http://schemas.openxmlformats.org/presentationml/2006/main">
   <p:cSld>
     <p:spTree>
@@ -6416,133 +6737,6 @@
     <p:extLst>
       <p:ext uri="{BB962C8B-B14F-4D97-AF65-F5344CB8AC3E}">
         <p14:creationId xmlns:p14="http://schemas.microsoft.com/office/powerpoint/2010/main" val="555515881"/>
-      </p:ext>
-    </p:extLst>
-  </p:cSld>
-  <p:clrMapOvr>
-    <a:masterClrMapping/>
-  </p:clrMapOvr>
-</p:sld>
-</file>
-
-<file path=ppt/slides/slide2.xml><?xml version="1.0" encoding="utf-8"?>
-<p:sld xmlns:a="http://schemas.openxmlformats.org/drawingml/2006/main" xmlns:r="http://schemas.openxmlformats.org/officeDocument/2006/relationships" xmlns:p="http://schemas.openxmlformats.org/presentationml/2006/main">
-  <p:cSld>
-    <p:spTree>
-      <p:nvGrpSpPr>
-        <p:cNvPr id="1" name=""/>
-        <p:cNvGrpSpPr/>
-        <p:nvPr/>
-      </p:nvGrpSpPr>
-      <p:grpSpPr>
-        <a:xfrm>
-          <a:off x="0" y="0"/>
-          <a:ext cx="0" cy="0"/>
-          <a:chOff x="0" y="0"/>
-          <a:chExt cx="0" cy="0"/>
-        </a:xfrm>
-      </p:grpSpPr>
-      <p:sp>
-        <p:nvSpPr>
-          <p:cNvPr id="2" name="Title 1">
-            <a:extLst>
-              <a:ext uri="{FF2B5EF4-FFF2-40B4-BE49-F238E27FC236}">
-                <a16:creationId xmlns:a16="http://schemas.microsoft.com/office/drawing/2014/main" id="{A0C8C6AF-E509-4279-9039-EC1F56C4DC48}"/>
-              </a:ext>
-            </a:extLst>
-          </p:cNvPr>
-          <p:cNvSpPr>
-            <a:spLocks noGrp="1"/>
-          </p:cNvSpPr>
-          <p:nvPr>
-            <p:ph type="title"/>
-          </p:nvPr>
-        </p:nvSpPr>
-        <p:spPr>
-          <a:xfrm>
-            <a:off x="838200" y="-210345"/>
-            <a:ext cx="10515600" cy="1325563"/>
-          </a:xfrm>
-        </p:spPr>
-        <p:txBody>
-          <a:bodyPr/>
-          <a:lstStyle/>
-          <a:p>
-            <a:pPr algn="ctr"/>
-            <a:r>
-              <a:rPr lang="en-GB" dirty="0">
-                <a:solidFill>
-                  <a:srgbClr val="7030A0"/>
-                </a:solidFill>
-              </a:rPr>
-              <a:t>6) assembly: Bacterial genome assembly</a:t>
-            </a:r>
-          </a:p>
-        </p:txBody>
-      </p:sp>
-      <p:sp>
-        <p:nvSpPr>
-          <p:cNvPr id="3" name="Content Placeholder 2">
-            <a:extLst>
-              <a:ext uri="{FF2B5EF4-FFF2-40B4-BE49-F238E27FC236}">
-                <a16:creationId xmlns:a16="http://schemas.microsoft.com/office/drawing/2014/main" id="{87E2E5A0-784D-4BAF-A742-3FA5474D9D33}"/>
-              </a:ext>
-            </a:extLst>
-          </p:cNvPr>
-          <p:cNvSpPr>
-            <a:spLocks noGrp="1"/>
-          </p:cNvSpPr>
-          <p:nvPr>
-            <p:ph idx="1"/>
-          </p:nvPr>
-        </p:nvSpPr>
-        <p:spPr>
-          <a:xfrm>
-            <a:off x="371474" y="1253331"/>
-            <a:ext cx="10287001" cy="4351338"/>
-          </a:xfrm>
-        </p:spPr>
-        <p:txBody>
-          <a:bodyPr>
-            <a:normAutofit/>
-          </a:bodyPr>
-          <a:lstStyle/>
-          <a:p>
-            <a:r>
-              <a:rPr lang="en-GB" sz="2400" dirty="0"/>
-              <a:t>As an example we will assembly a bacterial data set. </a:t>
-            </a:r>
-          </a:p>
-          <a:p>
-            <a:r>
-              <a:rPr lang="en-GB" sz="2400" dirty="0"/>
-              <a:t>You will tell me what it is after. </a:t>
-            </a:r>
-          </a:p>
-          <a:p>
-            <a:r>
-              <a:rPr lang="en-GB" sz="2400" dirty="0"/>
-              <a:t>This is not the best approach, but a fast and resource savvy approach for training purposes. </a:t>
-            </a:r>
-          </a:p>
-          <a:p>
-            <a:pPr marL="0" indent="0">
-              <a:buNone/>
-            </a:pPr>
-            <a:endParaRPr lang="en-GB" dirty="0"/>
-          </a:p>
-          <a:p>
-            <a:pPr marL="0" indent="0">
-              <a:buNone/>
-            </a:pPr>
-            <a:endParaRPr lang="en-GB" dirty="0"/>
-          </a:p>
-        </p:txBody>
-      </p:sp>
-    </p:spTree>
-    <p:extLst>
-      <p:ext uri="{BB962C8B-B14F-4D97-AF65-F5344CB8AC3E}">
-        <p14:creationId xmlns:p14="http://schemas.microsoft.com/office/powerpoint/2010/main" val="3370244674"/>
       </p:ext>
     </p:extLst>
   </p:cSld>
@@ -7312,41 +7506,6 @@
       </p:sp>
       <p:sp>
         <p:nvSpPr>
-          <p:cNvPr id="3" name="Content Placeholder 2">
-            <a:extLst>
-              <a:ext uri="{FF2B5EF4-FFF2-40B4-BE49-F238E27FC236}">
-                <a16:creationId xmlns:a16="http://schemas.microsoft.com/office/drawing/2014/main" id="{E1355657-ACC7-4163-88F9-88811068852A}"/>
-              </a:ext>
-            </a:extLst>
-          </p:cNvPr>
-          <p:cNvSpPr>
-            <a:spLocks noGrp="1"/>
-          </p:cNvSpPr>
-          <p:nvPr>
-            <p:ph idx="1"/>
-          </p:nvPr>
-        </p:nvSpPr>
-        <p:spPr>
-          <a:xfrm>
-            <a:off x="160713" y="1247556"/>
-            <a:ext cx="11854824" cy="5225433"/>
-          </a:xfrm>
-        </p:spPr>
-        <p:txBody>
-          <a:bodyPr>
-            <a:normAutofit/>
-          </a:bodyPr>
-          <a:lstStyle/>
-          <a:p>
-            <a:pPr marL="0" indent="0">
-              <a:buNone/>
-            </a:pPr>
-            <a:endParaRPr lang="en-GB" dirty="0"/>
-          </a:p>
-        </p:txBody>
-      </p:sp>
-      <p:sp>
-        <p:nvSpPr>
           <p:cNvPr id="6" name="TextBox 5">
             <a:extLst>
               <a:ext uri="{FF2B5EF4-FFF2-40B4-BE49-F238E27FC236}">
@@ -7392,6 +7551,90 @@
                 <a:srgbClr val="FFFF00"/>
               </a:highlight>
             </a:endParaRPr>
+          </a:p>
+        </p:txBody>
+      </p:sp>
+      <p:pic>
+        <p:nvPicPr>
+          <p:cNvPr id="1026" name="Picture 2" descr="Per base quality graph">
+            <a:extLst>
+              <a:ext uri="{FF2B5EF4-FFF2-40B4-BE49-F238E27FC236}">
+                <a16:creationId xmlns:a16="http://schemas.microsoft.com/office/drawing/2014/main" id="{02BFE43D-8DD8-4C21-B464-759EC3D17CE4}"/>
+              </a:ext>
+            </a:extLst>
+          </p:cNvPr>
+          <p:cNvPicPr>
+            <a:picLocks noChangeAspect="1" noChangeArrowheads="1"/>
+          </p:cNvPicPr>
+          <p:nvPr/>
+        </p:nvPicPr>
+        <p:blipFill>
+          <a:blip r:embed="rId2">
+            <a:extLst>
+              <a:ext uri="{28A0092B-C50C-407E-A947-70E740481C1C}">
+                <a14:useLocalDpi xmlns:a14="http://schemas.microsoft.com/office/drawing/2010/main" val="0"/>
+              </a:ext>
+            </a:extLst>
+          </a:blip>
+          <a:srcRect/>
+          <a:stretch>
+            <a:fillRect/>
+          </a:stretch>
+        </p:blipFill>
+        <p:spPr bwMode="auto">
+          <a:xfrm>
+            <a:off x="0" y="1247556"/>
+            <a:ext cx="7615765" cy="5252252"/>
+          </a:xfrm>
+          <a:prstGeom prst="rect">
+            <a:avLst/>
+          </a:prstGeom>
+          <a:noFill/>
+          <a:extLst>
+            <a:ext uri="{909E8E84-426E-40DD-AFC4-6F175D3DCCD1}">
+              <a14:hiddenFill xmlns:a14="http://schemas.microsoft.com/office/drawing/2010/main">
+                <a:solidFill>
+                  <a:srgbClr val="FFFFFF"/>
+                </a:solidFill>
+              </a14:hiddenFill>
+            </a:ext>
+          </a:extLst>
+        </p:spPr>
+      </p:pic>
+      <p:sp>
+        <p:nvSpPr>
+          <p:cNvPr id="4" name="Rectangle 3">
+            <a:extLst>
+              <a:ext uri="{FF2B5EF4-FFF2-40B4-BE49-F238E27FC236}">
+                <a16:creationId xmlns:a16="http://schemas.microsoft.com/office/drawing/2014/main" id="{FD042BA6-D996-4E57-96B4-691806B85C64}"/>
+              </a:ext>
+            </a:extLst>
+          </p:cNvPr>
+          <p:cNvSpPr/>
+          <p:nvPr/>
+        </p:nvSpPr>
+        <p:spPr>
+          <a:xfrm>
+            <a:off x="7615765" y="2203787"/>
+            <a:ext cx="4360746" cy="369332"/>
+          </a:xfrm>
+          <a:prstGeom prst="rect">
+            <a:avLst/>
+          </a:prstGeom>
+        </p:spPr>
+        <p:txBody>
+          <a:bodyPr wrap="none">
+            <a:spAutoFit/>
+          </a:bodyPr>
+          <a:lstStyle/>
+          <a:p>
+            <a:r>
+              <a:rPr lang="en-GB" dirty="0">
+                <a:hlinkClick r:id="rId3"/>
+              </a:rPr>
+              <a:t>https://en.wikipedia.org/wiki/FASTQ_format</a:t>
+            </a:r>
+            <a:endParaRPr lang="en-GB" dirty="0"/>
           </a:p>
         </p:txBody>
       </p:sp>
@@ -7843,7 +8086,7 @@
                   <a:srgbClr val="0070C0"/>
                 </a:solidFill>
               </a:rPr>
-              <a:t>java -jar /shelf/training/Trimmomatic-0.38/trimmomatic-0.38.jar PE -summary trim_summary.txt -threads 2 -phred33 ./reads/subsampled_R1.fastq.gz ./reads/subsampled_R2.fastq.gz subsampled_R1_paired.fastq.gz subsampled_R1_unpaired.fastq.gz subsampled_R2_paired.fastq.gz subsampled_R2_unpaired.fastq.gz ILLUMINACLIP:/shelf/training/Trimmomatic-0.38/adapters/TruSeq3-PE.fa:2:30:10 LEADING:3 TRAILING:3 SLIDINGWINDOW:4:15 MINLEN:45 </a:t>
+              <a:t>java -jar /shelf/training/Trimmomatic-0.38/trimmomatic-0.38.jar PE -summary trim_summary.txt -threads 2 -phred33  ./reads/subsampled_R1.fastq.gz  ./reads/subsampled_R2.fastq.gz subsampled_R1_paired.fastq.gz subsampled_R1_unpaired.fastq.gz subsampled_R2_paired.fastq.gz subsampled_R2_unpaired.fastq.gz ILLUMINACLIP:/shelf/training/Trimmomatic-0.38/adapters/TruSeq3-PE.fa:2:30:10 LEADING:3 TRAILING:3 SLIDINGWINDOW:4:15 MINLEN:45 </a:t>
             </a:r>
             <a:endParaRPr lang="en-GB" sz="2000" dirty="0"/>
           </a:p>
@@ -8084,7 +8327,7 @@
         </p:spPr>
         <p:txBody>
           <a:bodyPr>
-            <a:normAutofit/>
+            <a:normAutofit lnSpcReduction="10000"/>
           </a:bodyPr>
           <a:lstStyle/>
           <a:p>
@@ -8106,6 +8349,8 @@
               <a:rPr lang="en-GB" dirty="0"/>
               <a:t> on the trimmed reads</a:t>
             </a:r>
+          </a:p>
+          <a:p>
             <a:endParaRPr lang="en-GB" sz="2400" dirty="0">
               <a:solidFill>
                 <a:srgbClr val="0070C0"/>
@@ -8113,10 +8358,78 @@
             </a:endParaRPr>
           </a:p>
           <a:p>
-            <a:pPr marL="0" indent="0">
-              <a:buNone/>
-            </a:pPr>
-            <a:endParaRPr lang="en-GB" dirty="0"/>
+            <a:endParaRPr lang="en-GB" sz="2400" dirty="0">
+              <a:solidFill>
+                <a:srgbClr val="0070C0"/>
+              </a:solidFill>
+            </a:endParaRPr>
+          </a:p>
+          <a:p>
+            <a:pPr lvl="2"/>
+            <a:r>
+              <a:rPr lang="en-GB" sz="1600" dirty="0"/>
+              <a:t>Input Read Pairs: 500000</a:t>
+            </a:r>
+          </a:p>
+          <a:p>
+            <a:pPr lvl="2"/>
+            <a:r>
+              <a:rPr lang="en-GB" sz="1600" dirty="0"/>
+              <a:t>Both Surviving Reads: 487861</a:t>
+            </a:r>
+          </a:p>
+          <a:p>
+            <a:pPr lvl="2"/>
+            <a:r>
+              <a:rPr lang="en-GB" sz="1600" dirty="0"/>
+              <a:t>Both Surviving Read Percent: 97.57</a:t>
+            </a:r>
+          </a:p>
+          <a:p>
+            <a:pPr lvl="2"/>
+            <a:r>
+              <a:rPr lang="en-GB" sz="1600" dirty="0"/>
+              <a:t>Forward Only Surviving Reads: 10907</a:t>
+            </a:r>
+          </a:p>
+          <a:p>
+            <a:pPr lvl="2"/>
+            <a:r>
+              <a:rPr lang="en-GB" sz="1600" dirty="0"/>
+              <a:t>Forward Only Surviving Read Percent: 2.18</a:t>
+            </a:r>
+          </a:p>
+          <a:p>
+            <a:pPr lvl="2"/>
+            <a:r>
+              <a:rPr lang="en-GB" sz="1600" dirty="0"/>
+              <a:t>Reverse Only Surviving Reads: 692</a:t>
+            </a:r>
+          </a:p>
+          <a:p>
+            <a:pPr lvl="2"/>
+            <a:r>
+              <a:rPr lang="en-GB" sz="1600" dirty="0"/>
+              <a:t>Reverse Only Surviving Read Percent: 0.14</a:t>
+            </a:r>
+          </a:p>
+          <a:p>
+            <a:pPr lvl="2"/>
+            <a:r>
+              <a:rPr lang="en-GB" sz="1600" dirty="0"/>
+              <a:t>Dropped Reads: 540</a:t>
+            </a:r>
+          </a:p>
+          <a:p>
+            <a:pPr lvl="2"/>
+            <a:r>
+              <a:rPr lang="en-GB" sz="1600" dirty="0"/>
+              <a:t>Dropped Read Percent: 0.11</a:t>
+            </a:r>
+          </a:p>
+          <a:p>
+            <a:pPr lvl="2"/>
+            <a:endParaRPr lang="en-GB" sz="1600" dirty="0"/>
           </a:p>
           <a:p>
             <a:pPr marL="0" indent="0">
@@ -8261,7 +8574,7 @@
         </p:nvSpPr>
         <p:spPr>
           <a:xfrm>
-            <a:off x="152399" y="1325563"/>
+            <a:off x="26382" y="2398557"/>
             <a:ext cx="11477625" cy="4351338"/>
           </a:xfrm>
         </p:spPr>
@@ -8307,7 +8620,15 @@
             </a:r>
             <a:r>
               <a:rPr lang="en-GB" dirty="0"/>
-              <a:t>, SOAP, ABYSS. 2X250bp DISCOVAR.</a:t>
+              <a:t>, SOAP, ABYSS. 2X250bp DISCOVAR. </a:t>
+            </a:r>
+            <a:r>
+              <a:rPr lang="en-GB" dirty="0" err="1"/>
+              <a:t>Unicycler</a:t>
+            </a:r>
+            <a:r>
+              <a:rPr lang="en-GB" dirty="0"/>
+              <a:t> for bacteria</a:t>
             </a:r>
           </a:p>
           <a:p>
@@ -8396,14 +8717,74 @@
         </p:blipFill>
         <p:spPr>
           <a:xfrm>
-            <a:off x="8064664" y="4451504"/>
-            <a:ext cx="3974937" cy="2298391"/>
+            <a:off x="9575800" y="5332618"/>
+            <a:ext cx="2451101" cy="1417277"/>
           </a:xfrm>
           <a:prstGeom prst="rect">
             <a:avLst/>
           </a:prstGeom>
         </p:spPr>
       </p:pic>
+      <p:sp>
+        <p:nvSpPr>
+          <p:cNvPr id="5" name="Rectangle 4">
+            <a:extLst>
+              <a:ext uri="{FF2B5EF4-FFF2-40B4-BE49-F238E27FC236}">
+                <a16:creationId xmlns:a16="http://schemas.microsoft.com/office/drawing/2014/main" id="{25C3A4C2-E69A-43D5-A221-4E60B2AAC22A}"/>
+              </a:ext>
+            </a:extLst>
+          </p:cNvPr>
+          <p:cNvSpPr/>
+          <p:nvPr/>
+        </p:nvSpPr>
+        <p:spPr>
+          <a:xfrm>
+            <a:off x="266700" y="971684"/>
+            <a:ext cx="10769600" cy="1077218"/>
+          </a:xfrm>
+          <a:prstGeom prst="rect">
+            <a:avLst/>
+          </a:prstGeom>
+        </p:spPr>
+        <p:txBody>
+          <a:bodyPr wrap="square">
+            <a:spAutoFit/>
+          </a:bodyPr>
+          <a:lstStyle/>
+          <a:p>
+            <a:r>
+              <a:rPr lang="en-GB" sz="3200" dirty="0"/>
+              <a:t>This takes a while, so get it going!!!!</a:t>
+            </a:r>
+          </a:p>
+          <a:p>
+            <a:r>
+              <a:rPr lang="en-GB" sz="3200" dirty="0">
+                <a:solidFill>
+                  <a:srgbClr val="0070C0"/>
+                </a:solidFill>
+              </a:rPr>
+              <a:t>	</a:t>
+            </a:r>
+            <a:r>
+              <a:rPr lang="en-GB" sz="3200" dirty="0" err="1">
+                <a:solidFill>
+                  <a:srgbClr val="0070C0"/>
+                </a:solidFill>
+              </a:rPr>
+              <a:t>qsub</a:t>
+            </a:r>
+            <a:r>
+              <a:rPr lang="en-GB" sz="3200" dirty="0">
+                <a:solidFill>
+                  <a:srgbClr val="0070C0"/>
+                </a:solidFill>
+              </a:rPr>
+              <a:t> -V assembly.sh</a:t>
+            </a:r>
+          </a:p>
+        </p:txBody>
+      </p:sp>
     </p:spTree>
     <p:extLst>
       <p:ext uri="{BB962C8B-B14F-4D97-AF65-F5344CB8AC3E}">

--- a/cluster_course/powerpoint/6_assembly.pptx
+++ b/cluster_course/powerpoint/6_assembly.pptx
@@ -25,6 +25,7 @@
     <p:sldId id="329" r:id="rId19"/>
     <p:sldId id="335" r:id="rId20"/>
     <p:sldId id="338" r:id="rId21"/>
+    <p:sldId id="340" r:id="rId22"/>
   </p:sldIdLst>
   <p:sldSz cx="12192000" cy="6858000"/>
   <p:notesSz cx="6858000" cy="9144000"/>
@@ -5650,23 +5651,7 @@
                   <a:srgbClr val="002060"/>
                 </a:solidFill>
               </a:rPr>
-              <a:t> is the king. </a:t>
-            </a:r>
-            <a:r>
-              <a:rPr lang="en-GB">
-                <a:solidFill>
-                  <a:srgbClr val="002060"/>
-                </a:solidFill>
-              </a:rPr>
-              <a:t>~30,000 </a:t>
-            </a:r>
-            <a:r>
-              <a:rPr lang="en-GB" dirty="0">
-                <a:solidFill>
-                  <a:srgbClr val="002060"/>
-                </a:solidFill>
-              </a:rPr>
-              <a:t>X faster than </a:t>
+              <a:t> is the king. ~30,000 X faster than </a:t>
             </a:r>
             <a:r>
               <a:rPr lang="en-GB" dirty="0" err="1">
@@ -6737,6 +6722,320 @@
     <p:extLst>
       <p:ext uri="{BB962C8B-B14F-4D97-AF65-F5344CB8AC3E}">
         <p14:creationId xmlns:p14="http://schemas.microsoft.com/office/powerpoint/2010/main" val="555515881"/>
+      </p:ext>
+    </p:extLst>
+  </p:cSld>
+  <p:clrMapOvr>
+    <a:masterClrMapping/>
+  </p:clrMapOvr>
+</p:sld>
+</file>
+
+<file path=ppt/slides/slide21.xml><?xml version="1.0" encoding="utf-8"?>
+<p:sld xmlns:a="http://schemas.openxmlformats.org/drawingml/2006/main" xmlns:r="http://schemas.openxmlformats.org/officeDocument/2006/relationships" xmlns:p="http://schemas.openxmlformats.org/presentationml/2006/main">
+  <p:cSld>
+    <p:spTree>
+      <p:nvGrpSpPr>
+        <p:cNvPr id="1" name=""/>
+        <p:cNvGrpSpPr/>
+        <p:nvPr/>
+      </p:nvGrpSpPr>
+      <p:grpSpPr>
+        <a:xfrm>
+          <a:off x="0" y="0"/>
+          <a:ext cx="0" cy="0"/>
+          <a:chOff x="0" y="0"/>
+          <a:chExt cx="0" cy="0"/>
+        </a:xfrm>
+      </p:grpSpPr>
+      <p:sp>
+        <p:nvSpPr>
+          <p:cNvPr id="2" name="Title 1">
+            <a:extLst>
+              <a:ext uri="{FF2B5EF4-FFF2-40B4-BE49-F238E27FC236}">
+                <a16:creationId xmlns:a16="http://schemas.microsoft.com/office/drawing/2014/main" id="{9DB186D9-2728-4E1B-A6BF-B9A55B0B1C7C}"/>
+              </a:ext>
+            </a:extLst>
+          </p:cNvPr>
+          <p:cNvSpPr>
+            <a:spLocks noGrp="1"/>
+          </p:cNvSpPr>
+          <p:nvPr>
+            <p:ph type="title"/>
+          </p:nvPr>
+        </p:nvSpPr>
+        <p:spPr>
+          <a:xfrm>
+            <a:off x="-25173" y="15324"/>
+            <a:ext cx="11811000" cy="1325563"/>
+          </a:xfrm>
+        </p:spPr>
+        <p:txBody>
+          <a:bodyPr/>
+          <a:lstStyle/>
+          <a:p>
+            <a:r>
+              <a:rPr lang="en-GB" dirty="0">
+                <a:solidFill>
+                  <a:srgbClr val="7030A0"/>
+                </a:solidFill>
+              </a:rPr>
+              <a:t>6) assembly: BLAST a </a:t>
+            </a:r>
+            <a:r>
+              <a:rPr lang="en-GB" dirty="0" err="1">
+                <a:solidFill>
+                  <a:srgbClr val="7030A0"/>
+                </a:solidFill>
+              </a:rPr>
+              <a:t>seq</a:t>
+            </a:r>
+            <a:r>
+              <a:rPr lang="en-GB" dirty="0">
+                <a:solidFill>
+                  <a:srgbClr val="7030A0"/>
+                </a:solidFill>
+              </a:rPr>
+              <a:t> against GenBank </a:t>
+            </a:r>
+            <a:r>
+              <a:rPr lang="en-GB" dirty="0" err="1">
+                <a:solidFill>
+                  <a:srgbClr val="7030A0"/>
+                </a:solidFill>
+              </a:rPr>
+              <a:t>nt</a:t>
+            </a:r>
+            <a:endParaRPr lang="en-GB" dirty="0">
+              <a:solidFill>
+                <a:srgbClr val="7030A0"/>
+              </a:solidFill>
+            </a:endParaRPr>
+          </a:p>
+        </p:txBody>
+      </p:sp>
+      <p:sp>
+        <p:nvSpPr>
+          <p:cNvPr id="3" name="Content Placeholder 2">
+            <a:extLst>
+              <a:ext uri="{FF2B5EF4-FFF2-40B4-BE49-F238E27FC236}">
+                <a16:creationId xmlns:a16="http://schemas.microsoft.com/office/drawing/2014/main" id="{E04E7D57-5675-4CE3-BA47-A46D07926F10}"/>
+              </a:ext>
+            </a:extLst>
+          </p:cNvPr>
+          <p:cNvSpPr>
+            <a:spLocks noGrp="1"/>
+          </p:cNvSpPr>
+          <p:nvPr>
+            <p:ph idx="1"/>
+          </p:nvPr>
+        </p:nvSpPr>
+        <p:spPr>
+          <a:xfrm>
+            <a:off x="12700" y="1132549"/>
+            <a:ext cx="12166600" cy="4351338"/>
+          </a:xfrm>
+        </p:spPr>
+        <p:txBody>
+          <a:bodyPr>
+            <a:normAutofit/>
+          </a:bodyPr>
+          <a:lstStyle/>
+          <a:p>
+            <a:pPr marL="0" indent="0">
+              <a:buNone/>
+            </a:pPr>
+            <a:r>
+              <a:rPr lang="en-GB" u="sng" dirty="0"/>
+              <a:t>Change the output format:</a:t>
+            </a:r>
+          </a:p>
+          <a:p>
+            <a:pPr marL="0" indent="0">
+              <a:buNone/>
+            </a:pPr>
+            <a:r>
+              <a:rPr lang="en-GB" dirty="0" err="1"/>
+              <a:t>blastn</a:t>
+            </a:r>
+            <a:r>
+              <a:rPr lang="en-GB" dirty="0"/>
+              <a:t> -query </a:t>
+            </a:r>
+            <a:r>
+              <a:rPr lang="en-GB" dirty="0" err="1"/>
+              <a:t>seq.fa</a:t>
+            </a:r>
+            <a:r>
+              <a:rPr lang="en-GB" dirty="0"/>
+              <a:t> -</a:t>
+            </a:r>
+            <a:r>
+              <a:rPr lang="en-GB" dirty="0" err="1"/>
+              <a:t>db</a:t>
+            </a:r>
+            <a:r>
+              <a:rPr lang="en-GB" dirty="0"/>
+              <a:t> </a:t>
+            </a:r>
+            <a:r>
+              <a:rPr lang="en-GB" dirty="0" err="1"/>
+              <a:t>nt</a:t>
+            </a:r>
+            <a:r>
+              <a:rPr lang="en-GB" dirty="0"/>
+              <a:t> -</a:t>
+            </a:r>
+            <a:r>
+              <a:rPr lang="en-GB" dirty="0" err="1">
+                <a:highlight>
+                  <a:srgbClr val="FFFF00"/>
+                </a:highlight>
+              </a:rPr>
+              <a:t>outfmt</a:t>
+            </a:r>
+            <a:r>
+              <a:rPr lang="en-GB" dirty="0">
+                <a:highlight>
+                  <a:srgbClr val="FFFF00"/>
+                </a:highlight>
+              </a:rPr>
+              <a:t> 1 </a:t>
+            </a:r>
+            <a:r>
+              <a:rPr lang="en-GB" dirty="0"/>
+              <a:t> -</a:t>
+            </a:r>
+            <a:r>
+              <a:rPr lang="en-GB" dirty="0" err="1"/>
+              <a:t>evalue</a:t>
+            </a:r>
+            <a:r>
+              <a:rPr lang="en-GB" dirty="0"/>
+              <a:t> 1e-40 -out </a:t>
+            </a:r>
+            <a:r>
+              <a:rPr lang="en-GB" dirty="0" err="1"/>
+              <a:t>file.out</a:t>
+            </a:r>
+            <a:r>
+              <a:rPr lang="en-GB" dirty="0"/>
+              <a:t> -</a:t>
+            </a:r>
+            <a:r>
+              <a:rPr lang="en-GB" dirty="0" err="1"/>
+              <a:t>num_threads</a:t>
+            </a:r>
+            <a:r>
+              <a:rPr lang="en-GB" dirty="0"/>
+              <a:t> 4</a:t>
+            </a:r>
+          </a:p>
+          <a:p>
+            <a:pPr marL="0" indent="0">
+              <a:buNone/>
+            </a:pPr>
+            <a:r>
+              <a:rPr lang="en-GB" dirty="0" err="1"/>
+              <a:t>Outfmt</a:t>
+            </a:r>
+            <a:r>
+              <a:rPr lang="en-GB" dirty="0"/>
+              <a:t> 6 is the most useful: </a:t>
+            </a:r>
+            <a:r>
+              <a:rPr lang="en-GB" dirty="0">
+                <a:hlinkClick r:id="rId2"/>
+              </a:rPr>
+              <a:t>http://www.metagenomics.wiki/tools/blast/blastn-output-format-6</a:t>
+            </a:r>
+            <a:endParaRPr lang="en-GB" dirty="0"/>
+          </a:p>
+        </p:txBody>
+      </p:sp>
+      <p:sp>
+        <p:nvSpPr>
+          <p:cNvPr id="4" name="TextBox 3">
+            <a:extLst>
+              <a:ext uri="{FF2B5EF4-FFF2-40B4-BE49-F238E27FC236}">
+                <a16:creationId xmlns:a16="http://schemas.microsoft.com/office/drawing/2014/main" id="{12873710-8CC5-4FDE-90CD-8B505186C670}"/>
+              </a:ext>
+            </a:extLst>
+          </p:cNvPr>
+          <p:cNvSpPr txBox="1"/>
+          <p:nvPr/>
+        </p:nvSpPr>
+        <p:spPr>
+          <a:xfrm>
+            <a:off x="10350500" y="0"/>
+            <a:ext cx="1841500" cy="584775"/>
+          </a:xfrm>
+          <a:prstGeom prst="rect">
+            <a:avLst/>
+          </a:prstGeom>
+          <a:noFill/>
+        </p:spPr>
+        <p:txBody>
+          <a:bodyPr wrap="square" rtlCol="0">
+            <a:spAutoFit/>
+          </a:bodyPr>
+          <a:lstStyle/>
+          <a:p>
+            <a:r>
+              <a:rPr lang="en-GB" sz="3200" dirty="0">
+                <a:solidFill>
+                  <a:srgbClr val="FF0000"/>
+                </a:solidFill>
+                <a:highlight>
+                  <a:srgbClr val="FFFF00"/>
+                </a:highlight>
+              </a:rPr>
+              <a:t>ACTIVITY</a:t>
+            </a:r>
+            <a:endParaRPr lang="en-GB" sz="2800" dirty="0">
+              <a:solidFill>
+                <a:srgbClr val="FF0000"/>
+              </a:solidFill>
+              <a:highlight>
+                <a:srgbClr val="FFFF00"/>
+              </a:highlight>
+            </a:endParaRPr>
+          </a:p>
+        </p:txBody>
+      </p:sp>
+      <p:pic>
+        <p:nvPicPr>
+          <p:cNvPr id="9" name="Picture 8">
+            <a:extLst>
+              <a:ext uri="{FF2B5EF4-FFF2-40B4-BE49-F238E27FC236}">
+                <a16:creationId xmlns:a16="http://schemas.microsoft.com/office/drawing/2014/main" id="{9FAFAA71-EA7D-4C32-A884-EA15B9822309}"/>
+              </a:ext>
+            </a:extLst>
+          </p:cNvPr>
+          <p:cNvPicPr>
+            <a:picLocks noChangeAspect="1"/>
+          </p:cNvPicPr>
+          <p:nvPr/>
+        </p:nvPicPr>
+        <p:blipFill rotWithShape="1">
+          <a:blip r:embed="rId3"/>
+          <a:srcRect l="21875" t="43704" r="68958" b="28888"/>
+          <a:stretch/>
+        </p:blipFill>
+        <p:spPr>
+          <a:xfrm>
+            <a:off x="3120010" y="2780925"/>
+            <a:ext cx="4830190" cy="4061751"/>
+          </a:xfrm>
+          <a:prstGeom prst="rect">
+            <a:avLst/>
+          </a:prstGeom>
+        </p:spPr>
+      </p:pic>
+    </p:spTree>
+    <p:extLst>
+      <p:ext uri="{BB962C8B-B14F-4D97-AF65-F5344CB8AC3E}">
+        <p14:creationId xmlns:p14="http://schemas.microsoft.com/office/powerpoint/2010/main" val="1718388715"/>
       </p:ext>
     </p:extLst>
   </p:cSld>

--- a/cluster_course/powerpoint/6_assembly.pptx
+++ b/cluster_course/powerpoint/6_assembly.pptx
@@ -18,14 +18,15 @@
     <p:sldId id="271" r:id="rId12"/>
     <p:sldId id="304" r:id="rId13"/>
     <p:sldId id="303" r:id="rId14"/>
-    <p:sldId id="327" r:id="rId15"/>
-    <p:sldId id="321" r:id="rId16"/>
-    <p:sldId id="334" r:id="rId17"/>
-    <p:sldId id="332" r:id="rId18"/>
-    <p:sldId id="329" r:id="rId19"/>
-    <p:sldId id="335" r:id="rId20"/>
-    <p:sldId id="338" r:id="rId21"/>
-    <p:sldId id="340" r:id="rId22"/>
+    <p:sldId id="341" r:id="rId15"/>
+    <p:sldId id="327" r:id="rId16"/>
+    <p:sldId id="321" r:id="rId17"/>
+    <p:sldId id="334" r:id="rId18"/>
+    <p:sldId id="332" r:id="rId19"/>
+    <p:sldId id="329" r:id="rId20"/>
+    <p:sldId id="335" r:id="rId21"/>
+    <p:sldId id="338" r:id="rId22"/>
+    <p:sldId id="340" r:id="rId23"/>
   </p:sldIdLst>
   <p:sldSz cx="12192000" cy="6858000"/>
   <p:notesSz cx="6858000" cy="9144000"/>
@@ -281,7 +282,7 @@
           <a:p>
             <a:fld id="{D5B3EF36-47C2-4AA3-A387-F39AC0889363}" type="datetimeFigureOut">
               <a:rPr lang="en-GB" smtClean="0"/>
-              <a:t>28/10/2019</a:t>
+              <a:t>30/10/2019</a:t>
             </a:fld>
             <a:endParaRPr lang="en-GB"/>
           </a:p>
@@ -481,7 +482,7 @@
           <a:p>
             <a:fld id="{D5B3EF36-47C2-4AA3-A387-F39AC0889363}" type="datetimeFigureOut">
               <a:rPr lang="en-GB" smtClean="0"/>
-              <a:t>28/10/2019</a:t>
+              <a:t>30/10/2019</a:t>
             </a:fld>
             <a:endParaRPr lang="en-GB"/>
           </a:p>
@@ -691,7 +692,7 @@
           <a:p>
             <a:fld id="{D5B3EF36-47C2-4AA3-A387-F39AC0889363}" type="datetimeFigureOut">
               <a:rPr lang="en-GB" smtClean="0"/>
-              <a:t>28/10/2019</a:t>
+              <a:t>30/10/2019</a:t>
             </a:fld>
             <a:endParaRPr lang="en-GB"/>
           </a:p>
@@ -891,7 +892,7 @@
           <a:p>
             <a:fld id="{D5B3EF36-47C2-4AA3-A387-F39AC0889363}" type="datetimeFigureOut">
               <a:rPr lang="en-GB" smtClean="0"/>
-              <a:t>28/10/2019</a:t>
+              <a:t>30/10/2019</a:t>
             </a:fld>
             <a:endParaRPr lang="en-GB"/>
           </a:p>
@@ -1167,7 +1168,7 @@
           <a:p>
             <a:fld id="{D5B3EF36-47C2-4AA3-A387-F39AC0889363}" type="datetimeFigureOut">
               <a:rPr lang="en-GB" smtClean="0"/>
-              <a:t>28/10/2019</a:t>
+              <a:t>30/10/2019</a:t>
             </a:fld>
             <a:endParaRPr lang="en-GB"/>
           </a:p>
@@ -1435,7 +1436,7 @@
           <a:p>
             <a:fld id="{D5B3EF36-47C2-4AA3-A387-F39AC0889363}" type="datetimeFigureOut">
               <a:rPr lang="en-GB" smtClean="0"/>
-              <a:t>28/10/2019</a:t>
+              <a:t>30/10/2019</a:t>
             </a:fld>
             <a:endParaRPr lang="en-GB"/>
           </a:p>
@@ -1850,7 +1851,7 @@
           <a:p>
             <a:fld id="{D5B3EF36-47C2-4AA3-A387-F39AC0889363}" type="datetimeFigureOut">
               <a:rPr lang="en-GB" smtClean="0"/>
-              <a:t>28/10/2019</a:t>
+              <a:t>30/10/2019</a:t>
             </a:fld>
             <a:endParaRPr lang="en-GB"/>
           </a:p>
@@ -1992,7 +1993,7 @@
           <a:p>
             <a:fld id="{D5B3EF36-47C2-4AA3-A387-F39AC0889363}" type="datetimeFigureOut">
               <a:rPr lang="en-GB" smtClean="0"/>
-              <a:t>28/10/2019</a:t>
+              <a:t>30/10/2019</a:t>
             </a:fld>
             <a:endParaRPr lang="en-GB"/>
           </a:p>
@@ -2105,7 +2106,7 @@
           <a:p>
             <a:fld id="{D5B3EF36-47C2-4AA3-A387-F39AC0889363}" type="datetimeFigureOut">
               <a:rPr lang="en-GB" smtClean="0"/>
-              <a:t>28/10/2019</a:t>
+              <a:t>30/10/2019</a:t>
             </a:fld>
             <a:endParaRPr lang="en-GB"/>
           </a:p>
@@ -2418,7 +2419,7 @@
           <a:p>
             <a:fld id="{D5B3EF36-47C2-4AA3-A387-F39AC0889363}" type="datetimeFigureOut">
               <a:rPr lang="en-GB" smtClean="0"/>
-              <a:t>28/10/2019</a:t>
+              <a:t>30/10/2019</a:t>
             </a:fld>
             <a:endParaRPr lang="en-GB"/>
           </a:p>
@@ -2707,7 +2708,7 @@
           <a:p>
             <a:fld id="{D5B3EF36-47C2-4AA3-A387-F39AC0889363}" type="datetimeFigureOut">
               <a:rPr lang="en-GB" smtClean="0"/>
-              <a:t>28/10/2019</a:t>
+              <a:t>30/10/2019</a:t>
             </a:fld>
             <a:endParaRPr lang="en-GB"/>
           </a:p>
@@ -2950,7 +2951,7 @@
           <a:p>
             <a:fld id="{D5B3EF36-47C2-4AA3-A387-F39AC0889363}" type="datetimeFigureOut">
               <a:rPr lang="en-GB" smtClean="0"/>
-              <a:t>28/10/2019</a:t>
+              <a:t>30/10/2019</a:t>
             </a:fld>
             <a:endParaRPr lang="en-GB"/>
           </a:p>
@@ -3579,6 +3580,53 @@
           </a:p>
         </p:txBody>
       </p:sp>
+      <p:pic>
+        <p:nvPicPr>
+          <p:cNvPr id="1028" name="Picture 4" descr="https://upload.wikimedia.org/wikipedia/commons/thumb/5/53/K-mer-example.png/500px-K-mer-example.png">
+            <a:extLst>
+              <a:ext uri="{FF2B5EF4-FFF2-40B4-BE49-F238E27FC236}">
+                <a16:creationId xmlns:a16="http://schemas.microsoft.com/office/drawing/2014/main" id="{7BA751DF-0E60-4B3A-AEBF-CB4520EF8C52}"/>
+              </a:ext>
+            </a:extLst>
+          </p:cNvPr>
+          <p:cNvPicPr>
+            <a:picLocks noChangeAspect="1" noChangeArrowheads="1"/>
+          </p:cNvPicPr>
+          <p:nvPr/>
+        </p:nvPicPr>
+        <p:blipFill>
+          <a:blip r:embed="rId2">
+            <a:extLst>
+              <a:ext uri="{28A0092B-C50C-407E-A947-70E740481C1C}">
+                <a14:useLocalDpi xmlns:a14="http://schemas.microsoft.com/office/drawing/2010/main" val="0"/>
+              </a:ext>
+            </a:extLst>
+          </a:blip>
+          <a:srcRect/>
+          <a:stretch>
+            <a:fillRect/>
+          </a:stretch>
+        </p:blipFill>
+        <p:spPr bwMode="auto">
+          <a:xfrm>
+            <a:off x="1596762" y="2053618"/>
+            <a:ext cx="8236476" cy="4530062"/>
+          </a:xfrm>
+          <a:prstGeom prst="rect">
+            <a:avLst/>
+          </a:prstGeom>
+          <a:noFill/>
+          <a:extLst>
+            <a:ext uri="{909E8E84-426E-40DD-AFC4-6F175D3DCCD1}">
+              <a14:hiddenFill xmlns:a14="http://schemas.microsoft.com/office/drawing/2010/main">
+                <a:solidFill>
+                  <a:srgbClr val="FFFFFF"/>
+                </a:solidFill>
+              </a14:hiddenFill>
+            </a:ext>
+          </a:extLst>
+        </p:spPr>
+      </p:pic>
     </p:spTree>
     <p:extLst>
       <p:ext uri="{BB962C8B-B14F-4D97-AF65-F5344CB8AC3E}">
@@ -4651,7 +4699,7 @@
           <p:cNvPr id="2" name="Title 1">
             <a:extLst>
               <a:ext uri="{FF2B5EF4-FFF2-40B4-BE49-F238E27FC236}">
-                <a16:creationId xmlns:a16="http://schemas.microsoft.com/office/drawing/2014/main" id="{55F02461-1881-43C2-B364-66B918668015}"/>
+                <a16:creationId xmlns:a16="http://schemas.microsoft.com/office/drawing/2014/main" id="{3D09269E-BF25-4289-A434-F94125EC3239}"/>
               </a:ext>
             </a:extLst>
           </p:cNvPr>
@@ -4662,18 +4710,24 @@
             <p:ph type="title"/>
           </p:nvPr>
         </p:nvSpPr>
-        <p:spPr/>
+        <p:spPr>
+          <a:xfrm>
+            <a:off x="457200" y="-219075"/>
+            <a:ext cx="10515600" cy="1325563"/>
+          </a:xfrm>
+        </p:spPr>
         <p:txBody>
           <a:bodyPr/>
           <a:lstStyle/>
           <a:p>
+            <a:pPr algn="ctr"/>
             <a:r>
               <a:rPr lang="en-GB" dirty="0">
                 <a:solidFill>
                   <a:srgbClr val="7030A0"/>
                 </a:solidFill>
               </a:rPr>
-              <a:t>Pause the assembly training for something cool</a:t>
+              <a:t>6) assembly: Velvet assembly, N50? </a:t>
             </a:r>
           </a:p>
         </p:txBody>
@@ -4683,7 +4737,7 @@
           <p:cNvPr id="3" name="Content Placeholder 2">
             <a:extLst>
               <a:ext uri="{FF2B5EF4-FFF2-40B4-BE49-F238E27FC236}">
-                <a16:creationId xmlns:a16="http://schemas.microsoft.com/office/drawing/2014/main" id="{7C3DF6A3-8066-4E75-85FB-09F47BE9F87B}"/>
+                <a16:creationId xmlns:a16="http://schemas.microsoft.com/office/drawing/2014/main" id="{27D2B713-FAB9-4FA6-9634-CBA2C3D0A60A}"/>
               </a:ext>
             </a:extLst>
           </p:cNvPr>
@@ -4694,55 +4748,157 @@
             <p:ph idx="1"/>
           </p:nvPr>
         </p:nvSpPr>
-        <p:spPr/>
-        <p:txBody>
-          <a:bodyPr/>
-          <a:lstStyle/>
-          <a:p>
+        <p:spPr>
+          <a:xfrm>
+            <a:off x="600075" y="1325562"/>
+            <a:ext cx="10515600" cy="5151437"/>
+          </a:xfrm>
+        </p:spPr>
+        <p:txBody>
+          <a:bodyPr>
+            <a:normAutofit/>
+          </a:bodyPr>
+          <a:lstStyle/>
+          <a:p>
+            <a:pPr marL="0" indent="0">
+              <a:buNone/>
+            </a:pPr>
             <a:r>
               <a:rPr lang="en-GB" dirty="0"/>
-              <a:t>Ok, so we need to take a break here to introduce to you a package manager tool </a:t>
-            </a:r>
-          </a:p>
-          <a:p>
-            <a:r>
-              <a:rPr lang="en-GB" dirty="0" err="1"/>
-              <a:t>Conda</a:t>
-            </a:r>
-            <a:endParaRPr lang="en-GB" dirty="0"/>
-          </a:p>
-          <a:p>
-            <a:r>
-              <a:rPr lang="en-GB" dirty="0"/>
-              <a:t>Open the </a:t>
-            </a:r>
-            <a:r>
-              <a:rPr lang="en-GB" dirty="0" err="1"/>
-              <a:t>conda</a:t>
-            </a:r>
-            <a:r>
-              <a:rPr lang="en-GB" dirty="0"/>
-              <a:t> PowerPoint (</a:t>
-            </a:r>
-            <a:r>
-              <a:rPr lang="en-GB" dirty="0">
+              <a:t>Activity:</a:t>
+            </a:r>
+          </a:p>
+          <a:p>
+            <a:pPr marL="0" indent="0">
+              <a:buNone/>
+            </a:pPr>
+            <a:r>
+              <a:rPr lang="en-GB" sz="3200" dirty="0"/>
+              <a:t>write a single shell script that does all the following tasks and emails you when it is done:</a:t>
+            </a:r>
+          </a:p>
+          <a:p>
+            <a:pPr marL="514350" indent="-514350">
+              <a:buFont typeface="+mj-lt"/>
+              <a:buAutoNum type="arabicPeriod"/>
+            </a:pPr>
+            <a:r>
+              <a:rPr lang="en-GB" sz="3200" dirty="0"/>
+              <a:t>trims the raw reads at a strict Q30 and keeps only read with a min </a:t>
+            </a:r>
+            <a:r>
+              <a:rPr lang="en-GB" sz="3200" dirty="0" err="1"/>
+              <a:t>len</a:t>
+            </a:r>
+            <a:r>
+              <a:rPr lang="en-GB" sz="3200" dirty="0"/>
+              <a:t> of 147bp</a:t>
+            </a:r>
+            <a:endParaRPr lang="en-GB" sz="3200" u="sng" dirty="0"/>
+          </a:p>
+          <a:p>
+            <a:pPr marL="514350" indent="-514350">
+              <a:buFont typeface="+mj-lt"/>
+              <a:buAutoNum type="arabicPeriod"/>
+            </a:pPr>
+            <a:r>
+              <a:rPr lang="en-GB" sz="3200" dirty="0"/>
+              <a:t>Assemble these Q30 reads with a long </a:t>
+            </a:r>
+            <a:r>
+              <a:rPr lang="en-GB" sz="3200" dirty="0" err="1"/>
+              <a:t>kmer</a:t>
+            </a:r>
+            <a:r>
+              <a:rPr lang="en-GB" sz="3200" dirty="0"/>
+              <a:t>. You choose. </a:t>
+            </a:r>
+          </a:p>
+          <a:p>
+            <a:pPr marL="514350" indent="-514350">
+              <a:buFont typeface="+mj-lt"/>
+              <a:buAutoNum type="arabicPeriod"/>
+            </a:pPr>
+            <a:r>
+              <a:rPr lang="en-GB" sz="3200" dirty="0"/>
+              <a:t>Produce assembly stats using the </a:t>
+            </a:r>
+            <a:r>
+              <a:rPr lang="en-GB" sz="3200" dirty="0" err="1"/>
+              <a:t>perl</a:t>
+            </a:r>
+            <a:r>
+              <a:rPr lang="en-GB" sz="3200" dirty="0"/>
+              <a:t> script, and compares the result to your </a:t>
+            </a:r>
+            <a:r>
+              <a:rPr lang="en-GB" sz="3200"/>
+              <a:t>original assemblies. </a:t>
+            </a:r>
+          </a:p>
+          <a:p>
+            <a:pPr marL="514350" indent="-514350">
+              <a:buFont typeface="+mj-lt"/>
+              <a:buAutoNum type="arabicPeriod"/>
+            </a:pPr>
+            <a:endParaRPr lang="en-GB" sz="3200" dirty="0"/>
+          </a:p>
+        </p:txBody>
+      </p:sp>
+      <p:sp>
+        <p:nvSpPr>
+          <p:cNvPr id="4" name="TextBox 3">
+            <a:extLst>
+              <a:ext uri="{FF2B5EF4-FFF2-40B4-BE49-F238E27FC236}">
+                <a16:creationId xmlns:a16="http://schemas.microsoft.com/office/drawing/2014/main" id="{DFBE4F20-11CC-4269-95B7-96C7F661E1EB}"/>
+              </a:ext>
+            </a:extLst>
+          </p:cNvPr>
+          <p:cNvSpPr txBox="1"/>
+          <p:nvPr/>
+        </p:nvSpPr>
+        <p:spPr>
+          <a:xfrm>
+            <a:off x="10350500" y="0"/>
+            <a:ext cx="1841500" cy="584775"/>
+          </a:xfrm>
+          <a:prstGeom prst="rect">
+            <a:avLst/>
+          </a:prstGeom>
+          <a:noFill/>
+        </p:spPr>
+        <p:txBody>
+          <a:bodyPr wrap="square" rtlCol="0">
+            <a:spAutoFit/>
+          </a:bodyPr>
+          <a:lstStyle/>
+          <a:p>
+            <a:r>
+              <a:rPr lang="en-GB" sz="3200" dirty="0">
                 <a:solidFill>
                   <a:srgbClr val="FF0000"/>
                 </a:solidFill>
-              </a:rPr>
-              <a:t>7_Conda.pptx</a:t>
-            </a:r>
-            <a:r>
-              <a:rPr lang="en-GB" dirty="0"/>
-              <a:t>)</a:t>
-            </a:r>
+                <a:highlight>
+                  <a:srgbClr val="FFFF00"/>
+                </a:highlight>
+              </a:rPr>
+              <a:t>ACTIVITY</a:t>
+            </a:r>
+            <a:endParaRPr lang="en-GB" sz="2800" dirty="0">
+              <a:solidFill>
+                <a:srgbClr val="FF0000"/>
+              </a:solidFill>
+              <a:highlight>
+                <a:srgbClr val="FFFF00"/>
+              </a:highlight>
+            </a:endParaRPr>
           </a:p>
         </p:txBody>
       </p:sp>
     </p:spTree>
     <p:extLst>
       <p:ext uri="{BB962C8B-B14F-4D97-AF65-F5344CB8AC3E}">
-        <p14:creationId xmlns:p14="http://schemas.microsoft.com/office/powerpoint/2010/main" val="1007012389"/>
+        <p14:creationId xmlns:p14="http://schemas.microsoft.com/office/powerpoint/2010/main" val="858641711"/>
       </p:ext>
     </p:extLst>
   </p:cSld>
@@ -4774,7 +4930,7 @@
           <p:cNvPr id="2" name="Title 1">
             <a:extLst>
               <a:ext uri="{FF2B5EF4-FFF2-40B4-BE49-F238E27FC236}">
-                <a16:creationId xmlns:a16="http://schemas.microsoft.com/office/drawing/2014/main" id="{2C43B3AF-2DAB-4789-AAC2-055BF22D4786}"/>
+                <a16:creationId xmlns:a16="http://schemas.microsoft.com/office/drawing/2014/main" id="{55F02461-1881-43C2-B364-66B918668015}"/>
               </a:ext>
             </a:extLst>
           </p:cNvPr>
@@ -4785,12 +4941,7 @@
             <p:ph type="title"/>
           </p:nvPr>
         </p:nvSpPr>
-        <p:spPr>
-          <a:xfrm>
-            <a:off x="188422" y="165619"/>
-            <a:ext cx="12003578" cy="1325563"/>
-          </a:xfrm>
-        </p:spPr>
+        <p:spPr/>
         <p:txBody>
           <a:bodyPr/>
           <a:lstStyle/>
@@ -4801,7 +4952,7 @@
                   <a:srgbClr val="7030A0"/>
                 </a:solidFill>
               </a:rPr>
-              <a:t>6) assembly: Predict the genes from our assembly.</a:t>
+              <a:t>Pause the assembly training for something cool</a:t>
             </a:r>
           </a:p>
         </p:txBody>
@@ -4811,7 +4962,7 @@
           <p:cNvPr id="3" name="Content Placeholder 2">
             <a:extLst>
               <a:ext uri="{FF2B5EF4-FFF2-40B4-BE49-F238E27FC236}">
-                <a16:creationId xmlns:a16="http://schemas.microsoft.com/office/drawing/2014/main" id="{044C95C6-B6B0-4522-A3AD-F62B0463C045}"/>
+                <a16:creationId xmlns:a16="http://schemas.microsoft.com/office/drawing/2014/main" id="{7C3DF6A3-8066-4E75-85FB-09F47BE9F87B}"/>
               </a:ext>
             </a:extLst>
           </p:cNvPr>
@@ -4822,117 +4973,55 @@
             <p:ph idx="1"/>
           </p:nvPr>
         </p:nvSpPr>
-        <p:spPr>
-          <a:xfrm>
-            <a:off x="232611" y="1825625"/>
-            <a:ext cx="11662610" cy="4351338"/>
-          </a:xfrm>
-        </p:spPr>
-        <p:txBody>
-          <a:bodyPr>
-            <a:normAutofit/>
-          </a:bodyPr>
-          <a:lstStyle/>
-          <a:p>
-            <a:pPr marL="0" indent="0">
-              <a:buNone/>
-            </a:pPr>
-            <a:r>
-              <a:rPr lang="it-IT" dirty="0"/>
-              <a:t>Lets install Prokka to predict the bacterial genes:</a:t>
-            </a:r>
-          </a:p>
-          <a:p>
-            <a:pPr marL="0" indent="0">
-              <a:buNone/>
-            </a:pPr>
-            <a:r>
-              <a:rPr lang="it-IT" dirty="0"/>
-              <a:t>Create an env with prokka installed</a:t>
-            </a:r>
-          </a:p>
-          <a:p>
-            <a:pPr marL="0" indent="0">
-              <a:buNone/>
-            </a:pPr>
-            <a:r>
-              <a:rPr lang="it-IT" dirty="0">
-                <a:solidFill>
-                  <a:srgbClr val="0070C0"/>
-                </a:solidFill>
-              </a:rPr>
-              <a:t>        conda create -n prokkaENV prokka</a:t>
-            </a:r>
-          </a:p>
-          <a:p>
-            <a:pPr marL="0" indent="0">
-              <a:buNone/>
-            </a:pPr>
-            <a:r>
-              <a:rPr lang="it-IT" dirty="0">
-                <a:solidFill>
-                  <a:srgbClr val="0070C0"/>
-                </a:solidFill>
-              </a:rPr>
-              <a:t>        conda activate prokkaENV</a:t>
-            </a:r>
-          </a:p>
-        </p:txBody>
-      </p:sp>
-      <p:sp>
-        <p:nvSpPr>
-          <p:cNvPr id="4" name="TextBox 3">
-            <a:extLst>
-              <a:ext uri="{FF2B5EF4-FFF2-40B4-BE49-F238E27FC236}">
-                <a16:creationId xmlns:a16="http://schemas.microsoft.com/office/drawing/2014/main" id="{71306B38-5A8D-4473-A896-C39C2C9E9844}"/>
-              </a:ext>
-            </a:extLst>
-          </p:cNvPr>
-          <p:cNvSpPr txBox="1"/>
-          <p:nvPr/>
-        </p:nvSpPr>
-        <p:spPr>
-          <a:xfrm>
-            <a:off x="10350500" y="0"/>
-            <a:ext cx="1841500" cy="584775"/>
-          </a:xfrm>
-          <a:prstGeom prst="rect">
-            <a:avLst/>
-          </a:prstGeom>
-          <a:noFill/>
-        </p:spPr>
-        <p:txBody>
-          <a:bodyPr wrap="square" rtlCol="0">
-            <a:spAutoFit/>
-          </a:bodyPr>
-          <a:lstStyle/>
-          <a:p>
-            <a:r>
-              <a:rPr lang="en-GB" sz="3200" dirty="0">
+        <p:spPr/>
+        <p:txBody>
+          <a:bodyPr/>
+          <a:lstStyle/>
+          <a:p>
+            <a:r>
+              <a:rPr lang="en-GB" dirty="0"/>
+              <a:t>Ok, so we need to take a break here to introduce to you a package manager tool </a:t>
+            </a:r>
+          </a:p>
+          <a:p>
+            <a:r>
+              <a:rPr lang="en-GB" dirty="0" err="1"/>
+              <a:t>Conda</a:t>
+            </a:r>
+            <a:endParaRPr lang="en-GB" dirty="0"/>
+          </a:p>
+          <a:p>
+            <a:r>
+              <a:rPr lang="en-GB" dirty="0"/>
+              <a:t>Open the </a:t>
+            </a:r>
+            <a:r>
+              <a:rPr lang="en-GB" dirty="0" err="1"/>
+              <a:t>conda</a:t>
+            </a:r>
+            <a:r>
+              <a:rPr lang="en-GB" dirty="0"/>
+              <a:t> PowerPoint (</a:t>
+            </a:r>
+            <a:r>
+              <a:rPr lang="en-GB" dirty="0">
                 <a:solidFill>
                   <a:srgbClr val="FF0000"/>
                 </a:solidFill>
-                <a:highlight>
-                  <a:srgbClr val="FFFF00"/>
-                </a:highlight>
-              </a:rPr>
-              <a:t>ACTIVITY</a:t>
-            </a:r>
-            <a:endParaRPr lang="en-GB" sz="2800" dirty="0">
-              <a:solidFill>
-                <a:srgbClr val="FF0000"/>
-              </a:solidFill>
-              <a:highlight>
-                <a:srgbClr val="FFFF00"/>
-              </a:highlight>
-            </a:endParaRPr>
+              </a:rPr>
+              <a:t>7_Conda.pptx</a:t>
+            </a:r>
+            <a:r>
+              <a:rPr lang="en-GB" dirty="0"/>
+              <a:t>)</a:t>
+            </a:r>
           </a:p>
         </p:txBody>
       </p:sp>
     </p:spTree>
     <p:extLst>
       <p:ext uri="{BB962C8B-B14F-4D97-AF65-F5344CB8AC3E}">
-        <p14:creationId xmlns:p14="http://schemas.microsoft.com/office/powerpoint/2010/main" val="929082678"/>
+        <p14:creationId xmlns:p14="http://schemas.microsoft.com/office/powerpoint/2010/main" val="1007012389"/>
       </p:ext>
     </p:extLst>
   </p:cSld>
@@ -5029,17 +5118,16 @@
             </a:pPr>
             <a:r>
               <a:rPr lang="it-IT" dirty="0"/>
-              <a:t>Have a look at the shell to run prokka (</a:t>
-            </a:r>
-            <a:r>
-              <a:rPr lang="en-GB" dirty="0">
-                <a:hlinkClick r:id="rId2"/>
-              </a:rPr>
-              <a:t>https://github.com/tseemann/prokka</a:t>
-            </a:r>
+              <a:t>Lets install Prokka to predict the bacterial genes:</a:t>
+            </a:r>
+          </a:p>
+          <a:p>
+            <a:pPr marL="0" indent="0">
+              <a:buNone/>
+            </a:pPr>
             <a:r>
               <a:rPr lang="it-IT" dirty="0"/>
-              <a:t>):</a:t>
+              <a:t>Create an env with prokka installed</a:t>
             </a:r>
           </a:p>
           <a:p>
@@ -5052,195 +5140,20 @@
                   <a:srgbClr val="0070C0"/>
                 </a:solidFill>
               </a:rPr>
-              <a:t>        nano predict_genes.sh</a:t>
+              <a:t>        conda create -n prokkaENV prokka</a:t>
             </a:r>
           </a:p>
           <a:p>
             <a:pPr marL="0" indent="0">
               <a:buNone/>
             </a:pPr>
-            <a:endParaRPr lang="en-GB" dirty="0"/>
-          </a:p>
-          <a:p>
-            <a:pPr marL="0" indent="0">
-              <a:buNone/>
-            </a:pPr>
-            <a:r>
-              <a:rPr lang="en-GB" dirty="0"/>
-              <a:t>The command in the shell is </a:t>
-            </a:r>
-            <a:r>
-              <a:rPr lang="en-GB" dirty="0">
+            <a:r>
+              <a:rPr lang="it-IT" dirty="0">
                 <a:solidFill>
                   <a:srgbClr val="0070C0"/>
                 </a:solidFill>
               </a:rPr>
-              <a:t>: </a:t>
-            </a:r>
-            <a:r>
-              <a:rPr lang="en-GB" dirty="0" err="1">
-                <a:solidFill>
-                  <a:srgbClr val="0070C0"/>
-                </a:solidFill>
-              </a:rPr>
-              <a:t>prokka</a:t>
-            </a:r>
-            <a:r>
-              <a:rPr lang="en-GB" dirty="0">
-                <a:solidFill>
-                  <a:srgbClr val="0070C0"/>
-                </a:solidFill>
-              </a:rPr>
-              <a:t> --</a:t>
-            </a:r>
-            <a:r>
-              <a:rPr lang="en-GB" dirty="0" err="1">
-                <a:solidFill>
-                  <a:srgbClr val="0070C0"/>
-                </a:solidFill>
-              </a:rPr>
-              <a:t>cpu</a:t>
-            </a:r>
-            <a:r>
-              <a:rPr lang="en-GB" dirty="0">
-                <a:solidFill>
-                  <a:srgbClr val="0070C0"/>
-                </a:solidFill>
-              </a:rPr>
-              <a:t> 2 </a:t>
-            </a:r>
-            <a:r>
-              <a:rPr lang="en-GB" dirty="0" err="1">
-                <a:solidFill>
-                  <a:srgbClr val="0070C0"/>
-                </a:solidFill>
-              </a:rPr>
-              <a:t>contigs.fasta</a:t>
-            </a:r>
-            <a:endParaRPr lang="en-GB" dirty="0">
-              <a:solidFill>
-                <a:srgbClr val="0070C0"/>
-              </a:solidFill>
-            </a:endParaRPr>
-          </a:p>
-          <a:p>
-            <a:pPr marL="0" indent="0">
-              <a:buNone/>
-            </a:pPr>
-            <a:r>
-              <a:rPr lang="en-GB" dirty="0"/>
-              <a:t>After you have activated the </a:t>
-            </a:r>
-            <a:r>
-              <a:rPr lang="en-GB" dirty="0" err="1"/>
-              <a:t>env</a:t>
-            </a:r>
-            <a:r>
-              <a:rPr lang="en-GB" dirty="0"/>
-              <a:t>, </a:t>
-            </a:r>
-            <a:r>
-              <a:rPr lang="en-GB" dirty="0" err="1"/>
-              <a:t>qsub</a:t>
-            </a:r>
-            <a:r>
-              <a:rPr lang="en-GB" dirty="0"/>
-              <a:t> with the -V option to submit with </a:t>
-            </a:r>
-            <a:r>
-              <a:rPr lang="en-GB" dirty="0" err="1"/>
-              <a:t>prokka</a:t>
-            </a:r>
-            <a:endParaRPr lang="en-GB" dirty="0"/>
-          </a:p>
-          <a:p>
-            <a:pPr marL="0" indent="0">
-              <a:buNone/>
-            </a:pPr>
-            <a:r>
-              <a:rPr lang="en-GB" dirty="0">
-                <a:solidFill>
-                  <a:srgbClr val="0070C0"/>
-                </a:solidFill>
-              </a:rPr>
-              <a:t>      </a:t>
-            </a:r>
-            <a:r>
-              <a:rPr lang="en-GB" dirty="0" err="1">
-                <a:solidFill>
-                  <a:srgbClr val="0070C0"/>
-                </a:solidFill>
-              </a:rPr>
-              <a:t>conda</a:t>
-            </a:r>
-            <a:r>
-              <a:rPr lang="en-GB" dirty="0">
-                <a:solidFill>
-                  <a:srgbClr val="0070C0"/>
-                </a:solidFill>
-              </a:rPr>
-              <a:t> activate </a:t>
-            </a:r>
-            <a:r>
-              <a:rPr lang="it-IT" dirty="0">
-                <a:solidFill>
-                  <a:srgbClr val="0070C0"/>
-                </a:solidFill>
-              </a:rPr>
-              <a:t>prokkaENV</a:t>
-            </a:r>
-            <a:r>
-              <a:rPr lang="en-GB" dirty="0">
-                <a:solidFill>
-                  <a:srgbClr val="0070C0"/>
-                </a:solidFill>
-              </a:rPr>
-              <a:t> </a:t>
-            </a:r>
-          </a:p>
-          <a:p>
-            <a:pPr marL="0" indent="0">
-              <a:buNone/>
-            </a:pPr>
-            <a:r>
-              <a:rPr lang="en-GB" dirty="0">
-                <a:solidFill>
-                  <a:srgbClr val="0070C0"/>
-                </a:solidFill>
-              </a:rPr>
-              <a:t>      </a:t>
-            </a:r>
-            <a:r>
-              <a:rPr lang="en-GB" dirty="0" err="1">
-                <a:solidFill>
-                  <a:srgbClr val="0070C0"/>
-                </a:solidFill>
-              </a:rPr>
-              <a:t>qsub</a:t>
-            </a:r>
-            <a:r>
-              <a:rPr lang="en-GB" dirty="0">
-                <a:solidFill>
-                  <a:srgbClr val="0070C0"/>
-                </a:solidFill>
-              </a:rPr>
-              <a:t> -V -</a:t>
-            </a:r>
-            <a:r>
-              <a:rPr lang="en-GB" dirty="0" err="1">
-                <a:solidFill>
-                  <a:srgbClr val="0070C0"/>
-                </a:solidFill>
-              </a:rPr>
-              <a:t>pe</a:t>
-            </a:r>
-            <a:r>
-              <a:rPr lang="en-GB" dirty="0">
-                <a:solidFill>
-                  <a:srgbClr val="0070C0"/>
-                </a:solidFill>
-              </a:rPr>
-              <a:t> multi 2 predict_genes.sh</a:t>
+              <a:t>        conda activate prokkaENV</a:t>
             </a:r>
           </a:p>
         </p:txBody>
@@ -5250,7 +5163,7 @@
           <p:cNvPr id="4" name="TextBox 3">
             <a:extLst>
               <a:ext uri="{FF2B5EF4-FFF2-40B4-BE49-F238E27FC236}">
-                <a16:creationId xmlns:a16="http://schemas.microsoft.com/office/drawing/2014/main" id="{B839FC87-3D54-426B-97E5-C67DCF2B2DE7}"/>
+                <a16:creationId xmlns:a16="http://schemas.microsoft.com/office/drawing/2014/main" id="{71306B38-5A8D-4473-A896-C39C2C9E9844}"/>
               </a:ext>
             </a:extLst>
           </p:cNvPr>
@@ -5298,7 +5211,7 @@
     </p:spTree>
     <p:extLst>
       <p:ext uri="{BB962C8B-B14F-4D97-AF65-F5344CB8AC3E}">
-        <p14:creationId xmlns:p14="http://schemas.microsoft.com/office/powerpoint/2010/main" val="899294727"/>
+        <p14:creationId xmlns:p14="http://schemas.microsoft.com/office/powerpoint/2010/main" val="929082678"/>
       </p:ext>
     </p:extLst>
   </p:cSld>
@@ -5330,7 +5243,7 @@
           <p:cNvPr id="2" name="Title 1">
             <a:extLst>
               <a:ext uri="{FF2B5EF4-FFF2-40B4-BE49-F238E27FC236}">
-                <a16:creationId xmlns:a16="http://schemas.microsoft.com/office/drawing/2014/main" id="{4E1FC0BE-F14F-41BB-AA79-8A2D40C17783}"/>
+                <a16:creationId xmlns:a16="http://schemas.microsoft.com/office/drawing/2014/main" id="{2C43B3AF-2DAB-4789-AAC2-055BF22D4786}"/>
               </a:ext>
             </a:extLst>
           </p:cNvPr>
@@ -5343,8 +5256,8 @@
         </p:nvSpPr>
         <p:spPr>
           <a:xfrm>
-            <a:off x="289560" y="157306"/>
-            <a:ext cx="10515600" cy="1325563"/>
+            <a:off x="188422" y="165619"/>
+            <a:ext cx="12003578" cy="1325563"/>
           </a:xfrm>
         </p:spPr>
         <p:txBody>
@@ -5352,90 +5265,319 @@
           <a:lstStyle/>
           <a:p>
             <a:r>
+              <a:rPr lang="en-GB" dirty="0">
+                <a:solidFill>
+                  <a:srgbClr val="7030A0"/>
+                </a:solidFill>
+              </a:rPr>
+              <a:t>6) assembly: Predict the genes from our assembly.</a:t>
+            </a:r>
+          </a:p>
+        </p:txBody>
+      </p:sp>
+      <p:sp>
+        <p:nvSpPr>
+          <p:cNvPr id="3" name="Content Placeholder 2">
+            <a:extLst>
+              <a:ext uri="{FF2B5EF4-FFF2-40B4-BE49-F238E27FC236}">
+                <a16:creationId xmlns:a16="http://schemas.microsoft.com/office/drawing/2014/main" id="{044C95C6-B6B0-4522-A3AD-F62B0463C045}"/>
+              </a:ext>
+            </a:extLst>
+          </p:cNvPr>
+          <p:cNvSpPr>
+            <a:spLocks noGrp="1"/>
+          </p:cNvSpPr>
+          <p:nvPr>
+            <p:ph idx="1"/>
+          </p:nvPr>
+        </p:nvSpPr>
+        <p:spPr>
+          <a:xfrm>
+            <a:off x="232611" y="1825625"/>
+            <a:ext cx="11662610" cy="4351338"/>
+          </a:xfrm>
+        </p:spPr>
+        <p:txBody>
+          <a:bodyPr>
+            <a:normAutofit/>
+          </a:bodyPr>
+          <a:lstStyle/>
+          <a:p>
+            <a:pPr marL="0" indent="0">
+              <a:buNone/>
+            </a:pPr>
+            <a:r>
+              <a:rPr lang="it-IT" dirty="0"/>
+              <a:t>Have a look at the shell to run prokka (</a:t>
+            </a:r>
+            <a:r>
+              <a:rPr lang="en-GB" dirty="0">
+                <a:hlinkClick r:id="rId2"/>
+              </a:rPr>
+              <a:t>https://github.com/tseemann/prokka</a:t>
+            </a:r>
+            <a:r>
+              <a:rPr lang="it-IT" dirty="0"/>
+              <a:t>):</a:t>
+            </a:r>
+          </a:p>
+          <a:p>
+            <a:pPr marL="0" indent="0">
+              <a:buNone/>
+            </a:pPr>
+            <a:r>
+              <a:rPr lang="it-IT" dirty="0">
+                <a:solidFill>
+                  <a:srgbClr val="0070C0"/>
+                </a:solidFill>
+              </a:rPr>
+              <a:t>        nano predict_genes.sh</a:t>
+            </a:r>
+          </a:p>
+          <a:p>
+            <a:pPr marL="0" indent="0">
+              <a:buNone/>
+            </a:pPr>
+            <a:endParaRPr lang="en-GB" dirty="0"/>
+          </a:p>
+          <a:p>
+            <a:pPr marL="0" indent="0">
+              <a:buNone/>
+            </a:pPr>
+            <a:r>
+              <a:rPr lang="en-GB" dirty="0"/>
+              <a:t>The command in the shell is </a:t>
+            </a:r>
+            <a:r>
+              <a:rPr lang="en-GB" dirty="0">
+                <a:solidFill>
+                  <a:srgbClr val="0070C0"/>
+                </a:solidFill>
+              </a:rPr>
+              <a:t>: </a:t>
+            </a:r>
+            <a:r>
               <a:rPr lang="en-GB" dirty="0" err="1">
                 <a:solidFill>
-                  <a:srgbClr val="7030A0"/>
-                </a:solidFill>
-              </a:rPr>
-              <a:t>Prokka</a:t>
+                  <a:srgbClr val="0070C0"/>
+                </a:solidFill>
+              </a:rPr>
+              <a:t>prokka</a:t>
             </a:r>
             <a:r>
               <a:rPr lang="en-GB" dirty="0">
                 <a:solidFill>
-                  <a:srgbClr val="7030A0"/>
-                </a:solidFill>
-              </a:rPr>
-              <a:t> output</a:t>
-            </a:r>
-          </a:p>
-        </p:txBody>
-      </p:sp>
-      <p:sp>
-        <p:nvSpPr>
-          <p:cNvPr id="3" name="Content Placeholder 2">
-            <a:extLst>
-              <a:ext uri="{FF2B5EF4-FFF2-40B4-BE49-F238E27FC236}">
-                <a16:creationId xmlns:a16="http://schemas.microsoft.com/office/drawing/2014/main" id="{C9010BB6-15F2-45E5-80F4-B73AC9439517}"/>
-              </a:ext>
-            </a:extLst>
-          </p:cNvPr>
-          <p:cNvSpPr>
-            <a:spLocks noGrp="1"/>
-          </p:cNvSpPr>
-          <p:nvPr>
-            <p:ph idx="1"/>
-          </p:nvPr>
-        </p:nvSpPr>
-        <p:spPr>
-          <a:xfrm>
-            <a:off x="164869" y="1351799"/>
-            <a:ext cx="10515600" cy="4351338"/>
-          </a:xfrm>
-        </p:spPr>
-        <p:txBody>
-          <a:bodyPr/>
-          <a:lstStyle/>
-          <a:p>
+                  <a:srgbClr val="0070C0"/>
+                </a:solidFill>
+              </a:rPr>
+              <a:t> --</a:t>
+            </a:r>
+            <a:r>
+              <a:rPr lang="en-GB" dirty="0" err="1">
+                <a:solidFill>
+                  <a:srgbClr val="0070C0"/>
+                </a:solidFill>
+              </a:rPr>
+              <a:t>cpu</a:t>
+            </a:r>
+            <a:r>
+              <a:rPr lang="en-GB" dirty="0">
+                <a:solidFill>
+                  <a:srgbClr val="0070C0"/>
+                </a:solidFill>
+              </a:rPr>
+              <a:t> 2 </a:t>
+            </a:r>
+            <a:r>
+              <a:rPr lang="en-GB" dirty="0" err="1">
+                <a:solidFill>
+                  <a:srgbClr val="0070C0"/>
+                </a:solidFill>
+              </a:rPr>
+              <a:t>contigs.fasta</a:t>
+            </a:r>
+            <a:endParaRPr lang="en-GB" dirty="0">
+              <a:solidFill>
+                <a:srgbClr val="0070C0"/>
+              </a:solidFill>
+            </a:endParaRPr>
+          </a:p>
+          <a:p>
+            <a:pPr marL="0" indent="0">
+              <a:buNone/>
+            </a:pPr>
             <a:r>
               <a:rPr lang="en-GB" dirty="0"/>
-              <a:t>PROKKA_11122018.err  PROKKA_11122018.ffn  PROKKA_11122018.fsa  </a:t>
-            </a:r>
+              <a:t>After you have activated the </a:t>
+            </a:r>
+            <a:r>
+              <a:rPr lang="en-GB" dirty="0" err="1"/>
+              <a:t>env</a:t>
+            </a:r>
+            <a:r>
+              <a:rPr lang="en-GB" dirty="0"/>
+              <a:t>, </a:t>
+            </a:r>
+            <a:r>
+              <a:rPr lang="en-GB" dirty="0" err="1"/>
+              <a:t>qsub</a:t>
+            </a:r>
+            <a:r>
+              <a:rPr lang="en-GB" dirty="0"/>
+              <a:t> with the -V option to submit with </a:t>
+            </a:r>
+            <a:r>
+              <a:rPr lang="en-GB" dirty="0" err="1"/>
+              <a:t>prokka</a:t>
+            </a:r>
+            <a:endParaRPr lang="en-GB" dirty="0"/>
+          </a:p>
+          <a:p>
+            <a:pPr marL="0" indent="0">
+              <a:buNone/>
+            </a:pPr>
             <a:r>
               <a:rPr lang="en-GB" dirty="0">
+                <a:solidFill>
+                  <a:srgbClr val="0070C0"/>
+                </a:solidFill>
+              </a:rPr>
+              <a:t>      </a:t>
+            </a:r>
+            <a:r>
+              <a:rPr lang="en-GB" dirty="0" err="1">
+                <a:solidFill>
+                  <a:srgbClr val="0070C0"/>
+                </a:solidFill>
+              </a:rPr>
+              <a:t>conda</a:t>
+            </a:r>
+            <a:r>
+              <a:rPr lang="en-GB" dirty="0">
+                <a:solidFill>
+                  <a:srgbClr val="0070C0"/>
+                </a:solidFill>
+              </a:rPr>
+              <a:t> activate </a:t>
+            </a:r>
+            <a:r>
+              <a:rPr lang="it-IT" dirty="0">
+                <a:solidFill>
+                  <a:srgbClr val="0070C0"/>
+                </a:solidFill>
+              </a:rPr>
+              <a:t>prokkaENV</a:t>
+            </a:r>
+            <a:r>
+              <a:rPr lang="en-GB" dirty="0">
+                <a:solidFill>
+                  <a:srgbClr val="0070C0"/>
+                </a:solidFill>
+              </a:rPr>
+              <a:t> </a:t>
+            </a:r>
+          </a:p>
+          <a:p>
+            <a:pPr marL="0" indent="0">
+              <a:buNone/>
+            </a:pPr>
+            <a:r>
+              <a:rPr lang="en-GB" dirty="0">
+                <a:solidFill>
+                  <a:srgbClr val="0070C0"/>
+                </a:solidFill>
+              </a:rPr>
+              <a:t>      </a:t>
+            </a:r>
+            <a:r>
+              <a:rPr lang="en-GB" dirty="0" err="1">
+                <a:solidFill>
+                  <a:srgbClr val="0070C0"/>
+                </a:solidFill>
+              </a:rPr>
+              <a:t>qsub</a:t>
+            </a:r>
+            <a:r>
+              <a:rPr lang="en-GB" dirty="0">
+                <a:solidFill>
+                  <a:srgbClr val="0070C0"/>
+                </a:solidFill>
+              </a:rPr>
+              <a:t> -V -</a:t>
+            </a:r>
+            <a:r>
+              <a:rPr lang="en-GB" dirty="0" err="1">
+                <a:solidFill>
+                  <a:srgbClr val="0070C0"/>
+                </a:solidFill>
+              </a:rPr>
+              <a:t>pe</a:t>
+            </a:r>
+            <a:r>
+              <a:rPr lang="en-GB" dirty="0">
+                <a:solidFill>
+                  <a:srgbClr val="0070C0"/>
+                </a:solidFill>
+              </a:rPr>
+              <a:t> multi 2 predict_genes.sh</a:t>
+            </a:r>
+          </a:p>
+        </p:txBody>
+      </p:sp>
+      <p:sp>
+        <p:nvSpPr>
+          <p:cNvPr id="4" name="TextBox 3">
+            <a:extLst>
+              <a:ext uri="{FF2B5EF4-FFF2-40B4-BE49-F238E27FC236}">
+                <a16:creationId xmlns:a16="http://schemas.microsoft.com/office/drawing/2014/main" id="{B839FC87-3D54-426B-97E5-C67DCF2B2DE7}"/>
+              </a:ext>
+            </a:extLst>
+          </p:cNvPr>
+          <p:cNvSpPr txBox="1"/>
+          <p:nvPr/>
+        </p:nvSpPr>
+        <p:spPr>
+          <a:xfrm>
+            <a:off x="10350500" y="0"/>
+            <a:ext cx="1841500" cy="584775"/>
+          </a:xfrm>
+          <a:prstGeom prst="rect">
+            <a:avLst/>
+          </a:prstGeom>
+          <a:noFill/>
+        </p:spPr>
+        <p:txBody>
+          <a:bodyPr wrap="square" rtlCol="0">
+            <a:spAutoFit/>
+          </a:bodyPr>
+          <a:lstStyle/>
+          <a:p>
+            <a:r>
+              <a:rPr lang="en-GB" sz="3200" dirty="0">
+                <a:solidFill>
+                  <a:srgbClr val="FF0000"/>
+                </a:solidFill>
                 <a:highlight>
                   <a:srgbClr val="FFFF00"/>
                 </a:highlight>
               </a:rPr>
-              <a:t>PROKKA_11122018.gff  </a:t>
-            </a:r>
-            <a:r>
-              <a:rPr lang="en-GB" dirty="0"/>
-              <a:t>PROKKA_11122018.sqn  PROKKA_11122018.tsv</a:t>
-            </a:r>
-          </a:p>
-          <a:p>
-            <a:r>
-              <a:rPr lang="en-GB" dirty="0">
-                <a:highlight>
-                  <a:srgbClr val="FFFF00"/>
-                </a:highlight>
-              </a:rPr>
-              <a:t>PROKKA_11122018.faa  PROKKA_11122018.fna  </a:t>
-            </a:r>
-            <a:r>
-              <a:rPr lang="en-GB" dirty="0"/>
-              <a:t>PROKKA_11122018.gbk  PROKKA_11122018.log  PROKKA_11122018.tbl  PROKKA_11122018.txt</a:t>
-            </a:r>
-          </a:p>
-          <a:p>
-            <a:endParaRPr lang="en-GB" dirty="0"/>
+              <a:t>ACTIVITY</a:t>
+            </a:r>
+            <a:endParaRPr lang="en-GB" sz="2800" dirty="0">
+              <a:solidFill>
+                <a:srgbClr val="FF0000"/>
+              </a:solidFill>
+              <a:highlight>
+                <a:srgbClr val="FFFF00"/>
+              </a:highlight>
+            </a:endParaRPr>
           </a:p>
         </p:txBody>
       </p:sp>
     </p:spTree>
     <p:extLst>
       <p:ext uri="{BB962C8B-B14F-4D97-AF65-F5344CB8AC3E}">
-        <p14:creationId xmlns:p14="http://schemas.microsoft.com/office/powerpoint/2010/main" val="1471244480"/>
+        <p14:creationId xmlns:p14="http://schemas.microsoft.com/office/powerpoint/2010/main" val="899294727"/>
       </p:ext>
     </p:extLst>
   </p:cSld>
@@ -5467,7 +5609,7 @@
           <p:cNvPr id="2" name="Title 1">
             <a:extLst>
               <a:ext uri="{FF2B5EF4-FFF2-40B4-BE49-F238E27FC236}">
-                <a16:creationId xmlns:a16="http://schemas.microsoft.com/office/drawing/2014/main" id="{9DB186D9-2728-4E1B-A6BF-B9A55B0B1C7C}"/>
+                <a16:creationId xmlns:a16="http://schemas.microsoft.com/office/drawing/2014/main" id="{4E1FC0BE-F14F-41BB-AA79-8A2D40C17783}"/>
               </a:ext>
             </a:extLst>
           </p:cNvPr>
@@ -5480,8 +5622,8 @@
         </p:nvSpPr>
         <p:spPr>
           <a:xfrm>
-            <a:off x="-25173" y="15324"/>
-            <a:ext cx="11811000" cy="1325563"/>
+            <a:off x="289560" y="157306"/>
+            <a:ext cx="10515600" cy="1325563"/>
           </a:xfrm>
         </p:spPr>
         <p:txBody>
@@ -5489,282 +5631,90 @@
           <a:lstStyle/>
           <a:p>
             <a:r>
+              <a:rPr lang="en-GB" dirty="0" err="1">
+                <a:solidFill>
+                  <a:srgbClr val="7030A0"/>
+                </a:solidFill>
+              </a:rPr>
+              <a:t>Prokka</a:t>
+            </a:r>
+            <a:r>
               <a:rPr lang="en-GB" dirty="0">
                 <a:solidFill>
                   <a:srgbClr val="7030A0"/>
                 </a:solidFill>
               </a:rPr>
-              <a:t>6) assembly: BLAST a </a:t>
-            </a:r>
-            <a:r>
-              <a:rPr lang="en-GB" dirty="0" err="1">
-                <a:solidFill>
-                  <a:srgbClr val="7030A0"/>
-                </a:solidFill>
-              </a:rPr>
-              <a:t>seq</a:t>
+              <a:t> output</a:t>
+            </a:r>
+          </a:p>
+        </p:txBody>
+      </p:sp>
+      <p:sp>
+        <p:nvSpPr>
+          <p:cNvPr id="3" name="Content Placeholder 2">
+            <a:extLst>
+              <a:ext uri="{FF2B5EF4-FFF2-40B4-BE49-F238E27FC236}">
+                <a16:creationId xmlns:a16="http://schemas.microsoft.com/office/drawing/2014/main" id="{C9010BB6-15F2-45E5-80F4-B73AC9439517}"/>
+              </a:ext>
+            </a:extLst>
+          </p:cNvPr>
+          <p:cNvSpPr>
+            <a:spLocks noGrp="1"/>
+          </p:cNvSpPr>
+          <p:nvPr>
+            <p:ph idx="1"/>
+          </p:nvPr>
+        </p:nvSpPr>
+        <p:spPr>
+          <a:xfrm>
+            <a:off x="164869" y="1351799"/>
+            <a:ext cx="10515600" cy="4351338"/>
+          </a:xfrm>
+        </p:spPr>
+        <p:txBody>
+          <a:bodyPr/>
+          <a:lstStyle/>
+          <a:p>
+            <a:r>
+              <a:rPr lang="en-GB" dirty="0"/>
+              <a:t>PROKKA_11122018.err  PROKKA_11122018.ffn  PROKKA_11122018.fsa  </a:t>
             </a:r>
             <a:r>
               <a:rPr lang="en-GB" dirty="0">
-                <a:solidFill>
-                  <a:srgbClr val="7030A0"/>
-                </a:solidFill>
-              </a:rPr>
-              <a:t> against GenBank </a:t>
-            </a:r>
-            <a:r>
-              <a:rPr lang="en-GB" dirty="0" err="1">
-                <a:solidFill>
-                  <a:srgbClr val="7030A0"/>
-                </a:solidFill>
-              </a:rPr>
-              <a:t>nt</a:t>
-            </a:r>
-            <a:endParaRPr lang="en-GB" dirty="0">
-              <a:solidFill>
-                <a:srgbClr val="7030A0"/>
-              </a:solidFill>
-            </a:endParaRPr>
-          </a:p>
-        </p:txBody>
-      </p:sp>
-      <p:sp>
-        <p:nvSpPr>
-          <p:cNvPr id="3" name="Content Placeholder 2">
-            <a:extLst>
-              <a:ext uri="{FF2B5EF4-FFF2-40B4-BE49-F238E27FC236}">
-                <a16:creationId xmlns:a16="http://schemas.microsoft.com/office/drawing/2014/main" id="{E04E7D57-5675-4CE3-BA47-A46D07926F10}"/>
-              </a:ext>
-            </a:extLst>
-          </p:cNvPr>
-          <p:cNvSpPr>
-            <a:spLocks noGrp="1"/>
-          </p:cNvSpPr>
-          <p:nvPr>
-            <p:ph idx="1"/>
-          </p:nvPr>
-        </p:nvSpPr>
-        <p:spPr>
-          <a:xfrm>
-            <a:off x="152400" y="1253331"/>
-            <a:ext cx="10515600" cy="4351338"/>
-          </a:xfrm>
-        </p:spPr>
-        <p:txBody>
-          <a:bodyPr>
-            <a:normAutofit fontScale="92500" lnSpcReduction="10000"/>
-          </a:bodyPr>
-          <a:lstStyle/>
-          <a:p>
-            <a:r>
-              <a:rPr lang="en-GB" dirty="0"/>
-              <a:t>Blast is not fast.</a:t>
-            </a:r>
-          </a:p>
-          <a:p>
-            <a:r>
-              <a:rPr lang="en-GB" dirty="0" err="1"/>
-              <a:t>Blastn</a:t>
-            </a:r>
-            <a:r>
-              <a:rPr lang="en-GB" dirty="0"/>
-              <a:t>  - nucleotide versus </a:t>
-            </a:r>
-            <a:r>
-              <a:rPr lang="en-GB" dirty="0" err="1"/>
-              <a:t>nt</a:t>
-            </a:r>
-            <a:endParaRPr lang="en-GB" dirty="0"/>
-          </a:p>
-          <a:p>
-            <a:r>
-              <a:rPr lang="en-GB" dirty="0">
-                <a:hlinkClick r:id="rId2"/>
-              </a:rPr>
-              <a:t>https://blast.ncbi.nlm.nih.gov/Blast.cgi</a:t>
-            </a:r>
-            <a:endParaRPr lang="en-GB" dirty="0"/>
-          </a:p>
-          <a:p>
-            <a:r>
-              <a:rPr lang="en-GB" dirty="0"/>
-              <a:t>Look at this website for different BLAST tools. And output formats</a:t>
-            </a:r>
-          </a:p>
-          <a:p>
-            <a:endParaRPr lang="en-GB" dirty="0"/>
-          </a:p>
-          <a:p>
-            <a:pPr marL="0" indent="0">
-              <a:buNone/>
-            </a:pPr>
-            <a:r>
-              <a:rPr lang="en-GB" dirty="0" err="1">
-                <a:solidFill>
-                  <a:srgbClr val="0070C0"/>
-                </a:solidFill>
-              </a:rPr>
-              <a:t>blastn</a:t>
-            </a:r>
-            <a:r>
-              <a:rPr lang="en-GB" dirty="0">
-                <a:solidFill>
-                  <a:srgbClr val="0070C0"/>
-                </a:solidFill>
-              </a:rPr>
-              <a:t> -help</a:t>
-            </a:r>
-          </a:p>
-          <a:p>
-            <a:pPr marL="0" indent="0">
-              <a:buNone/>
-            </a:pPr>
-            <a:endParaRPr lang="en-GB" dirty="0">
-              <a:solidFill>
-                <a:srgbClr val="002060"/>
-              </a:solidFill>
-            </a:endParaRPr>
-          </a:p>
-          <a:p>
-            <a:pPr marL="0" indent="0">
-              <a:buNone/>
-            </a:pPr>
-            <a:r>
-              <a:rPr lang="en-GB" dirty="0">
-                <a:solidFill>
-                  <a:srgbClr val="002060"/>
-                </a:solidFill>
-              </a:rPr>
-              <a:t>If you search against a Protein database: </a:t>
-            </a:r>
-            <a:r>
-              <a:rPr lang="en-GB" dirty="0">
-                <a:solidFill>
-                  <a:srgbClr val="0070C0"/>
-                </a:solidFill>
-              </a:rPr>
-              <a:t>diamond-blast</a:t>
-            </a:r>
-            <a:r>
-              <a:rPr lang="en-GB" dirty="0">
-                <a:solidFill>
-                  <a:srgbClr val="002060"/>
-                </a:solidFill>
-              </a:rPr>
-              <a:t> is the king. ~30,000 X faster than </a:t>
-            </a:r>
-            <a:r>
-              <a:rPr lang="en-GB" dirty="0" err="1">
-                <a:solidFill>
-                  <a:srgbClr val="002060"/>
-                </a:solidFill>
-              </a:rPr>
-              <a:t>BLASTp</a:t>
-            </a:r>
-            <a:r>
-              <a:rPr lang="en-GB" dirty="0">
-                <a:solidFill>
-                  <a:srgbClr val="002060"/>
-                </a:solidFill>
-              </a:rPr>
-              <a:t> You can install this through </a:t>
-            </a:r>
-            <a:r>
-              <a:rPr lang="en-GB" dirty="0" err="1">
-                <a:solidFill>
-                  <a:srgbClr val="002060"/>
-                </a:solidFill>
-              </a:rPr>
-              <a:t>conda</a:t>
-            </a:r>
-            <a:r>
-              <a:rPr lang="en-GB" dirty="0">
-                <a:solidFill>
-                  <a:srgbClr val="002060"/>
-                </a:solidFill>
-              </a:rPr>
-              <a:t>. (</a:t>
-            </a:r>
-            <a:r>
-              <a:rPr lang="en-GB" dirty="0">
-                <a:solidFill>
-                  <a:srgbClr val="002060"/>
-                </a:solidFill>
-                <a:hlinkClick r:id="rId3"/>
-              </a:rPr>
-              <a:t>https://github.com/bbuchfink/diamond</a:t>
-            </a:r>
-            <a:r>
-              <a:rPr lang="en-GB" dirty="0">
-                <a:solidFill>
-                  <a:srgbClr val="002060"/>
-                </a:solidFill>
-              </a:rPr>
-              <a:t>)  </a:t>
-            </a:r>
-          </a:p>
-          <a:p>
-            <a:endParaRPr lang="en-GB" dirty="0"/>
-          </a:p>
-          <a:p>
-            <a:endParaRPr lang="en-GB" dirty="0"/>
-          </a:p>
-        </p:txBody>
-      </p:sp>
-      <p:sp>
-        <p:nvSpPr>
-          <p:cNvPr id="4" name="TextBox 3">
-            <a:extLst>
-              <a:ext uri="{FF2B5EF4-FFF2-40B4-BE49-F238E27FC236}">
-                <a16:creationId xmlns:a16="http://schemas.microsoft.com/office/drawing/2014/main" id="{12873710-8CC5-4FDE-90CD-8B505186C670}"/>
-              </a:ext>
-            </a:extLst>
-          </p:cNvPr>
-          <p:cNvSpPr txBox="1"/>
-          <p:nvPr/>
-        </p:nvSpPr>
-        <p:spPr>
-          <a:xfrm>
-            <a:off x="10350500" y="0"/>
-            <a:ext cx="1841500" cy="584775"/>
-          </a:xfrm>
-          <a:prstGeom prst="rect">
-            <a:avLst/>
-          </a:prstGeom>
-          <a:noFill/>
-        </p:spPr>
-        <p:txBody>
-          <a:bodyPr wrap="square" rtlCol="0">
-            <a:spAutoFit/>
-          </a:bodyPr>
-          <a:lstStyle/>
-          <a:p>
-            <a:r>
-              <a:rPr lang="en-GB" sz="3200" dirty="0">
-                <a:solidFill>
-                  <a:srgbClr val="FF0000"/>
-                </a:solidFill>
                 <a:highlight>
                   <a:srgbClr val="FFFF00"/>
                 </a:highlight>
               </a:rPr>
-              <a:t>ACTIVITY</a:t>
-            </a:r>
-            <a:endParaRPr lang="en-GB" sz="2800" dirty="0">
-              <a:solidFill>
-                <a:srgbClr val="FF0000"/>
-              </a:solidFill>
-              <a:highlight>
-                <a:srgbClr val="FFFF00"/>
-              </a:highlight>
-            </a:endParaRPr>
+              <a:t>PROKKA_11122018.gff  </a:t>
+            </a:r>
+            <a:r>
+              <a:rPr lang="en-GB" dirty="0"/>
+              <a:t>PROKKA_11122018.sqn  PROKKA_11122018.tsv</a:t>
+            </a:r>
+          </a:p>
+          <a:p>
+            <a:r>
+              <a:rPr lang="en-GB" dirty="0">
+                <a:highlight>
+                  <a:srgbClr val="FFFF00"/>
+                </a:highlight>
+              </a:rPr>
+              <a:t>PROKKA_11122018.faa  PROKKA_11122018.fna  </a:t>
+            </a:r>
+            <a:r>
+              <a:rPr lang="en-GB" dirty="0"/>
+              <a:t>PROKKA_11122018.gbk  PROKKA_11122018.log  PROKKA_11122018.tbl  PROKKA_11122018.txt</a:t>
+            </a:r>
+          </a:p>
+          <a:p>
+            <a:endParaRPr lang="en-GB" dirty="0"/>
           </a:p>
         </p:txBody>
       </p:sp>
     </p:spTree>
     <p:extLst>
       <p:ext uri="{BB962C8B-B14F-4D97-AF65-F5344CB8AC3E}">
-        <p14:creationId xmlns:p14="http://schemas.microsoft.com/office/powerpoint/2010/main" val="3101719156"/>
+        <p14:creationId xmlns:p14="http://schemas.microsoft.com/office/powerpoint/2010/main" val="1471244480"/>
       </p:ext>
     </p:extLst>
   </p:cSld>
@@ -5875,12 +5825,14 @@
         </p:nvSpPr>
         <p:spPr>
           <a:xfrm>
-            <a:off x="77586" y="1246849"/>
+            <a:off x="152400" y="1253331"/>
             <a:ext cx="10515600" cy="4351338"/>
           </a:xfrm>
         </p:spPr>
         <p:txBody>
-          <a:bodyPr/>
+          <a:bodyPr>
+            <a:normAutofit fontScale="92500" lnSpcReduction="10000"/>
+          </a:bodyPr>
           <a:lstStyle/>
           <a:p>
             <a:r>
@@ -5905,28 +5857,33 @@
           </a:p>
           <a:p>
             <a:r>
-              <a:rPr lang="en-GB" sz="1800" dirty="0">
+              <a:rPr lang="en-GB" dirty="0">
                 <a:hlinkClick r:id="rId2"/>
               </a:rPr>
               <a:t>https://blast.ncbi.nlm.nih.gov/Blast.cgi</a:t>
             </a:r>
-            <a:endParaRPr lang="en-GB" sz="1800" dirty="0"/>
+            <a:endParaRPr lang="en-GB" dirty="0"/>
+          </a:p>
+          <a:p>
+            <a:r>
+              <a:rPr lang="en-GB" dirty="0"/>
+              <a:t>Look at this website for different BLAST tools. And output formats</a:t>
+            </a:r>
+          </a:p>
+          <a:p>
+            <a:endParaRPr lang="en-GB" dirty="0"/>
           </a:p>
           <a:p>
             <a:pPr marL="0" indent="0">
               <a:buNone/>
             </a:pPr>
             <a:r>
-              <a:rPr lang="en-GB" dirty="0"/>
-              <a:t>       </a:t>
-            </a:r>
-            <a:r>
               <a:rPr lang="en-GB" dirty="0" err="1">
                 <a:solidFill>
                   <a:srgbClr val="0070C0"/>
                 </a:solidFill>
               </a:rPr>
-              <a:t>nano</a:t>
+              <a:t>blastn</a:t>
             </a:r>
             <a:r>
               <a:rPr lang="en-GB" dirty="0">
@@ -5934,8 +5891,99 @@
                   <a:srgbClr val="0070C0"/>
                 </a:solidFill>
               </a:rPr>
-              <a:t> ./shell_scripts/blast.sh</a:t>
-            </a:r>
+              <a:t> -help</a:t>
+            </a:r>
+          </a:p>
+          <a:p>
+            <a:pPr marL="0" indent="0">
+              <a:buNone/>
+            </a:pPr>
+            <a:endParaRPr lang="en-GB" dirty="0">
+              <a:solidFill>
+                <a:srgbClr val="002060"/>
+              </a:solidFill>
+            </a:endParaRPr>
+          </a:p>
+          <a:p>
+            <a:pPr marL="0" indent="0">
+              <a:buNone/>
+            </a:pPr>
+            <a:r>
+              <a:rPr lang="en-GB" dirty="0">
+                <a:solidFill>
+                  <a:srgbClr val="002060"/>
+                </a:solidFill>
+              </a:rPr>
+              <a:t>If you search against a Protein database: </a:t>
+            </a:r>
+            <a:r>
+              <a:rPr lang="en-GB" dirty="0">
+                <a:solidFill>
+                  <a:srgbClr val="0070C0"/>
+                </a:solidFill>
+              </a:rPr>
+              <a:t>diamond-blast</a:t>
+            </a:r>
+            <a:r>
+              <a:rPr lang="en-GB" dirty="0">
+                <a:solidFill>
+                  <a:srgbClr val="002060"/>
+                </a:solidFill>
+              </a:rPr>
+              <a:t> is the king. ~30,000 X faster than </a:t>
+            </a:r>
+            <a:r>
+              <a:rPr lang="en-GB" dirty="0" err="1">
+                <a:solidFill>
+                  <a:srgbClr val="002060"/>
+                </a:solidFill>
+              </a:rPr>
+              <a:t>BLASTp</a:t>
+            </a:r>
+            <a:r>
+              <a:rPr lang="en-GB" dirty="0">
+                <a:solidFill>
+                  <a:srgbClr val="002060"/>
+                </a:solidFill>
+              </a:rPr>
+              <a:t> You can install this through </a:t>
+            </a:r>
+            <a:r>
+              <a:rPr lang="en-GB" dirty="0" err="1">
+                <a:solidFill>
+                  <a:srgbClr val="002060"/>
+                </a:solidFill>
+              </a:rPr>
+              <a:t>conda</a:t>
+            </a:r>
+            <a:r>
+              <a:rPr lang="en-GB" dirty="0">
+                <a:solidFill>
+                  <a:srgbClr val="002060"/>
+                </a:solidFill>
+              </a:rPr>
+              <a:t>. (</a:t>
+            </a:r>
+            <a:r>
+              <a:rPr lang="en-GB" dirty="0">
+                <a:solidFill>
+                  <a:srgbClr val="002060"/>
+                </a:solidFill>
+                <a:hlinkClick r:id="rId3"/>
+              </a:rPr>
+              <a:t>https://github.com/bbuchfink/diamond</a:t>
+            </a:r>
+            <a:r>
+              <a:rPr lang="en-GB" dirty="0">
+                <a:solidFill>
+                  <a:srgbClr val="002060"/>
+                </a:solidFill>
+              </a:rPr>
+              <a:t>)  </a:t>
+            </a:r>
+          </a:p>
+          <a:p>
+            <a:endParaRPr lang="en-GB" dirty="0"/>
           </a:p>
           <a:p>
             <a:endParaRPr lang="en-GB" dirty="0"/>
@@ -5992,155 +6040,10 @@
           </a:p>
         </p:txBody>
       </p:sp>
-      <p:pic>
-        <p:nvPicPr>
-          <p:cNvPr id="5" name="Picture 4">
-            <a:extLst>
-              <a:ext uri="{FF2B5EF4-FFF2-40B4-BE49-F238E27FC236}">
-                <a16:creationId xmlns:a16="http://schemas.microsoft.com/office/drawing/2014/main" id="{FE8E2186-C7EE-4ED1-98DE-FB925DC072F0}"/>
-              </a:ext>
-            </a:extLst>
-          </p:cNvPr>
-          <p:cNvPicPr>
-            <a:picLocks noChangeAspect="1"/>
-          </p:cNvPicPr>
-          <p:nvPr/>
-        </p:nvPicPr>
-        <p:blipFill rotWithShape="1">
-          <a:blip r:embed="rId3">
-            <a:extLst>
-              <a:ext uri="{28A0092B-C50C-407E-A947-70E740481C1C}">
-                <a14:useLocalDpi xmlns:a14="http://schemas.microsoft.com/office/drawing/2010/main" val="0"/>
-              </a:ext>
-            </a:extLst>
-          </a:blip>
-          <a:srcRect/>
-          <a:stretch/>
-        </p:blipFill>
-        <p:spPr>
-          <a:xfrm>
-            <a:off x="6096000" y="2677999"/>
-            <a:ext cx="6096000" cy="4164677"/>
-          </a:xfrm>
-          <a:prstGeom prst="rect">
-            <a:avLst/>
-          </a:prstGeom>
-        </p:spPr>
-      </p:pic>
-      <p:sp>
-        <p:nvSpPr>
-          <p:cNvPr id="6" name="TextBox 5">
-            <a:extLst>
-              <a:ext uri="{FF2B5EF4-FFF2-40B4-BE49-F238E27FC236}">
-                <a16:creationId xmlns:a16="http://schemas.microsoft.com/office/drawing/2014/main" id="{F3A36EDA-EFDE-4826-9A5C-563B5EBD103E}"/>
-              </a:ext>
-            </a:extLst>
-          </p:cNvPr>
-          <p:cNvSpPr txBox="1"/>
-          <p:nvPr/>
-        </p:nvSpPr>
-        <p:spPr>
-          <a:xfrm>
-            <a:off x="252298" y="3387622"/>
-            <a:ext cx="3982818" cy="1569660"/>
-          </a:xfrm>
-          <a:prstGeom prst="rect">
-            <a:avLst/>
-          </a:prstGeom>
-          <a:noFill/>
-        </p:spPr>
-        <p:txBody>
-          <a:bodyPr wrap="square" rtlCol="0">
-            <a:spAutoFit/>
-          </a:bodyPr>
-          <a:lstStyle/>
-          <a:p>
-            <a:r>
-              <a:rPr lang="en-GB" sz="2400" b="1" dirty="0"/>
-              <a:t>Blast database location</a:t>
-            </a:r>
-          </a:p>
-          <a:p>
-            <a:r>
-              <a:rPr lang="en-GB" sz="2400" dirty="0" err="1"/>
-              <a:t>GeneBank</a:t>
-            </a:r>
-            <a:r>
-              <a:rPr lang="en-GB" sz="2400" dirty="0"/>
-              <a:t>: </a:t>
-            </a:r>
-            <a:r>
-              <a:rPr lang="en-GB" sz="2400" dirty="0" err="1"/>
-              <a:t>nr</a:t>
-            </a:r>
-            <a:r>
-              <a:rPr lang="en-GB" sz="2400" dirty="0"/>
-              <a:t>, </a:t>
-            </a:r>
-            <a:r>
-              <a:rPr lang="en-GB" sz="2400" dirty="0" err="1"/>
-              <a:t>nt</a:t>
-            </a:r>
-            <a:r>
-              <a:rPr lang="en-GB" sz="2400" dirty="0"/>
-              <a:t>, </a:t>
-            </a:r>
-            <a:r>
-              <a:rPr lang="en-GB" sz="2400" dirty="0" err="1"/>
-              <a:t>swissprot</a:t>
-            </a:r>
-            <a:r>
-              <a:rPr lang="en-GB" sz="2400" dirty="0"/>
-              <a:t>, human and these as Diamond databases</a:t>
-            </a:r>
-          </a:p>
-        </p:txBody>
-      </p:sp>
-      <p:cxnSp>
-        <p:nvCxnSpPr>
-          <p:cNvPr id="8" name="Straight Arrow Connector 7">
-            <a:extLst>
-              <a:ext uri="{FF2B5EF4-FFF2-40B4-BE49-F238E27FC236}">
-                <a16:creationId xmlns:a16="http://schemas.microsoft.com/office/drawing/2014/main" id="{DAB0A647-C22B-426F-85EE-1D73191E28E5}"/>
-              </a:ext>
-            </a:extLst>
-          </p:cNvPr>
-          <p:cNvCxnSpPr>
-            <a:cxnSpLocks/>
-          </p:cNvCxnSpPr>
-          <p:nvPr/>
-        </p:nvCxnSpPr>
-        <p:spPr>
-          <a:xfrm>
-            <a:off x="3388376" y="3719652"/>
-            <a:ext cx="2627413" cy="1301527"/>
-          </a:xfrm>
-          <a:prstGeom prst="straightConnector1">
-            <a:avLst/>
-          </a:prstGeom>
-          <a:ln>
-            <a:tailEnd type="triangle"/>
-          </a:ln>
-        </p:spPr>
-        <p:style>
-          <a:lnRef idx="1">
-            <a:schemeClr val="accent1"/>
-          </a:lnRef>
-          <a:fillRef idx="0">
-            <a:schemeClr val="accent1"/>
-          </a:fillRef>
-          <a:effectRef idx="0">
-            <a:schemeClr val="accent1"/>
-          </a:effectRef>
-          <a:fontRef idx="minor">
-            <a:schemeClr val="tx1"/>
-          </a:fontRef>
-        </p:style>
-      </p:cxnSp>
     </p:spTree>
     <p:extLst>
       <p:ext uri="{BB962C8B-B14F-4D97-AF65-F5344CB8AC3E}">
-        <p14:creationId xmlns:p14="http://schemas.microsoft.com/office/powerpoint/2010/main" val="2767308826"/>
+        <p14:creationId xmlns:p14="http://schemas.microsoft.com/office/powerpoint/2010/main" val="3101719156"/>
       </p:ext>
     </p:extLst>
   </p:cSld>
@@ -6408,6 +6311,382 @@
           </a:p>
           <a:p>
             <a:r>
+              <a:rPr lang="en-GB" sz="1800" dirty="0">
+                <a:hlinkClick r:id="rId2"/>
+              </a:rPr>
+              <a:t>https://blast.ncbi.nlm.nih.gov/Blast.cgi</a:t>
+            </a:r>
+            <a:endParaRPr lang="en-GB" sz="1800" dirty="0"/>
+          </a:p>
+          <a:p>
+            <a:pPr marL="0" indent="0">
+              <a:buNone/>
+            </a:pPr>
+            <a:r>
+              <a:rPr lang="en-GB" dirty="0"/>
+              <a:t>       </a:t>
+            </a:r>
+            <a:r>
+              <a:rPr lang="en-GB" dirty="0" err="1">
+                <a:solidFill>
+                  <a:srgbClr val="0070C0"/>
+                </a:solidFill>
+              </a:rPr>
+              <a:t>nano</a:t>
+            </a:r>
+            <a:r>
+              <a:rPr lang="en-GB" dirty="0">
+                <a:solidFill>
+                  <a:srgbClr val="0070C0"/>
+                </a:solidFill>
+              </a:rPr>
+              <a:t> ./shell_scripts/blast.sh</a:t>
+            </a:r>
+          </a:p>
+          <a:p>
+            <a:endParaRPr lang="en-GB" dirty="0"/>
+          </a:p>
+        </p:txBody>
+      </p:sp>
+      <p:sp>
+        <p:nvSpPr>
+          <p:cNvPr id="4" name="TextBox 3">
+            <a:extLst>
+              <a:ext uri="{FF2B5EF4-FFF2-40B4-BE49-F238E27FC236}">
+                <a16:creationId xmlns:a16="http://schemas.microsoft.com/office/drawing/2014/main" id="{12873710-8CC5-4FDE-90CD-8B505186C670}"/>
+              </a:ext>
+            </a:extLst>
+          </p:cNvPr>
+          <p:cNvSpPr txBox="1"/>
+          <p:nvPr/>
+        </p:nvSpPr>
+        <p:spPr>
+          <a:xfrm>
+            <a:off x="10350500" y="0"/>
+            <a:ext cx="1841500" cy="584775"/>
+          </a:xfrm>
+          <a:prstGeom prst="rect">
+            <a:avLst/>
+          </a:prstGeom>
+          <a:noFill/>
+        </p:spPr>
+        <p:txBody>
+          <a:bodyPr wrap="square" rtlCol="0">
+            <a:spAutoFit/>
+          </a:bodyPr>
+          <a:lstStyle/>
+          <a:p>
+            <a:r>
+              <a:rPr lang="en-GB" sz="3200" dirty="0">
+                <a:solidFill>
+                  <a:srgbClr val="FF0000"/>
+                </a:solidFill>
+                <a:highlight>
+                  <a:srgbClr val="FFFF00"/>
+                </a:highlight>
+              </a:rPr>
+              <a:t>ACTIVITY</a:t>
+            </a:r>
+            <a:endParaRPr lang="en-GB" sz="2800" dirty="0">
+              <a:solidFill>
+                <a:srgbClr val="FF0000"/>
+              </a:solidFill>
+              <a:highlight>
+                <a:srgbClr val="FFFF00"/>
+              </a:highlight>
+            </a:endParaRPr>
+          </a:p>
+        </p:txBody>
+      </p:sp>
+      <p:pic>
+        <p:nvPicPr>
+          <p:cNvPr id="5" name="Picture 4">
+            <a:extLst>
+              <a:ext uri="{FF2B5EF4-FFF2-40B4-BE49-F238E27FC236}">
+                <a16:creationId xmlns:a16="http://schemas.microsoft.com/office/drawing/2014/main" id="{FE8E2186-C7EE-4ED1-98DE-FB925DC072F0}"/>
+              </a:ext>
+            </a:extLst>
+          </p:cNvPr>
+          <p:cNvPicPr>
+            <a:picLocks noChangeAspect="1"/>
+          </p:cNvPicPr>
+          <p:nvPr/>
+        </p:nvPicPr>
+        <p:blipFill rotWithShape="1">
+          <a:blip r:embed="rId3">
+            <a:extLst>
+              <a:ext uri="{28A0092B-C50C-407E-A947-70E740481C1C}">
+                <a14:useLocalDpi xmlns:a14="http://schemas.microsoft.com/office/drawing/2010/main" val="0"/>
+              </a:ext>
+            </a:extLst>
+          </a:blip>
+          <a:srcRect/>
+          <a:stretch/>
+        </p:blipFill>
+        <p:spPr>
+          <a:xfrm>
+            <a:off x="6096000" y="2677999"/>
+            <a:ext cx="6096000" cy="4164677"/>
+          </a:xfrm>
+          <a:prstGeom prst="rect">
+            <a:avLst/>
+          </a:prstGeom>
+        </p:spPr>
+      </p:pic>
+      <p:sp>
+        <p:nvSpPr>
+          <p:cNvPr id="6" name="TextBox 5">
+            <a:extLst>
+              <a:ext uri="{FF2B5EF4-FFF2-40B4-BE49-F238E27FC236}">
+                <a16:creationId xmlns:a16="http://schemas.microsoft.com/office/drawing/2014/main" id="{F3A36EDA-EFDE-4826-9A5C-563B5EBD103E}"/>
+              </a:ext>
+            </a:extLst>
+          </p:cNvPr>
+          <p:cNvSpPr txBox="1"/>
+          <p:nvPr/>
+        </p:nvSpPr>
+        <p:spPr>
+          <a:xfrm>
+            <a:off x="252298" y="3387622"/>
+            <a:ext cx="3982818" cy="1569660"/>
+          </a:xfrm>
+          <a:prstGeom prst="rect">
+            <a:avLst/>
+          </a:prstGeom>
+          <a:noFill/>
+        </p:spPr>
+        <p:txBody>
+          <a:bodyPr wrap="square" rtlCol="0">
+            <a:spAutoFit/>
+          </a:bodyPr>
+          <a:lstStyle/>
+          <a:p>
+            <a:r>
+              <a:rPr lang="en-GB" sz="2400" b="1" dirty="0"/>
+              <a:t>Blast database location</a:t>
+            </a:r>
+          </a:p>
+          <a:p>
+            <a:r>
+              <a:rPr lang="en-GB" sz="2400" dirty="0" err="1"/>
+              <a:t>GeneBank</a:t>
+            </a:r>
+            <a:r>
+              <a:rPr lang="en-GB" sz="2400" dirty="0"/>
+              <a:t>: </a:t>
+            </a:r>
+            <a:r>
+              <a:rPr lang="en-GB" sz="2400" dirty="0" err="1"/>
+              <a:t>nr</a:t>
+            </a:r>
+            <a:r>
+              <a:rPr lang="en-GB" sz="2400" dirty="0"/>
+              <a:t>, </a:t>
+            </a:r>
+            <a:r>
+              <a:rPr lang="en-GB" sz="2400" dirty="0" err="1"/>
+              <a:t>nt</a:t>
+            </a:r>
+            <a:r>
+              <a:rPr lang="en-GB" sz="2400" dirty="0"/>
+              <a:t>, </a:t>
+            </a:r>
+            <a:r>
+              <a:rPr lang="en-GB" sz="2400" dirty="0" err="1"/>
+              <a:t>swissprot</a:t>
+            </a:r>
+            <a:r>
+              <a:rPr lang="en-GB" sz="2400" dirty="0"/>
+              <a:t>, human and these as Diamond databases</a:t>
+            </a:r>
+          </a:p>
+        </p:txBody>
+      </p:sp>
+      <p:cxnSp>
+        <p:nvCxnSpPr>
+          <p:cNvPr id="8" name="Straight Arrow Connector 7">
+            <a:extLst>
+              <a:ext uri="{FF2B5EF4-FFF2-40B4-BE49-F238E27FC236}">
+                <a16:creationId xmlns:a16="http://schemas.microsoft.com/office/drawing/2014/main" id="{DAB0A647-C22B-426F-85EE-1D73191E28E5}"/>
+              </a:ext>
+            </a:extLst>
+          </p:cNvPr>
+          <p:cNvCxnSpPr>
+            <a:cxnSpLocks/>
+          </p:cNvCxnSpPr>
+          <p:nvPr/>
+        </p:nvCxnSpPr>
+        <p:spPr>
+          <a:xfrm>
+            <a:off x="3388376" y="3719652"/>
+            <a:ext cx="2627413" cy="1301527"/>
+          </a:xfrm>
+          <a:prstGeom prst="straightConnector1">
+            <a:avLst/>
+          </a:prstGeom>
+          <a:ln>
+            <a:tailEnd type="triangle"/>
+          </a:ln>
+        </p:spPr>
+        <p:style>
+          <a:lnRef idx="1">
+            <a:schemeClr val="accent1"/>
+          </a:lnRef>
+          <a:fillRef idx="0">
+            <a:schemeClr val="accent1"/>
+          </a:fillRef>
+          <a:effectRef idx="0">
+            <a:schemeClr val="accent1"/>
+          </a:effectRef>
+          <a:fontRef idx="minor">
+            <a:schemeClr val="tx1"/>
+          </a:fontRef>
+        </p:style>
+      </p:cxnSp>
+    </p:spTree>
+    <p:extLst>
+      <p:ext uri="{BB962C8B-B14F-4D97-AF65-F5344CB8AC3E}">
+        <p14:creationId xmlns:p14="http://schemas.microsoft.com/office/powerpoint/2010/main" val="2767308826"/>
+      </p:ext>
+    </p:extLst>
+  </p:cSld>
+  <p:clrMapOvr>
+    <a:masterClrMapping/>
+  </p:clrMapOvr>
+</p:sld>
+</file>
+
+<file path=ppt/slides/slide21.xml><?xml version="1.0" encoding="utf-8"?>
+<p:sld xmlns:a="http://schemas.openxmlformats.org/drawingml/2006/main" xmlns:r="http://schemas.openxmlformats.org/officeDocument/2006/relationships" xmlns:p="http://schemas.openxmlformats.org/presentationml/2006/main">
+  <p:cSld>
+    <p:spTree>
+      <p:nvGrpSpPr>
+        <p:cNvPr id="1" name=""/>
+        <p:cNvGrpSpPr/>
+        <p:nvPr/>
+      </p:nvGrpSpPr>
+      <p:grpSpPr>
+        <a:xfrm>
+          <a:off x="0" y="0"/>
+          <a:ext cx="0" cy="0"/>
+          <a:chOff x="0" y="0"/>
+          <a:chExt cx="0" cy="0"/>
+        </a:xfrm>
+      </p:grpSpPr>
+      <p:sp>
+        <p:nvSpPr>
+          <p:cNvPr id="2" name="Title 1">
+            <a:extLst>
+              <a:ext uri="{FF2B5EF4-FFF2-40B4-BE49-F238E27FC236}">
+                <a16:creationId xmlns:a16="http://schemas.microsoft.com/office/drawing/2014/main" id="{9DB186D9-2728-4E1B-A6BF-B9A55B0B1C7C}"/>
+              </a:ext>
+            </a:extLst>
+          </p:cNvPr>
+          <p:cNvSpPr>
+            <a:spLocks noGrp="1"/>
+          </p:cNvSpPr>
+          <p:nvPr>
+            <p:ph type="title"/>
+          </p:nvPr>
+        </p:nvSpPr>
+        <p:spPr>
+          <a:xfrm>
+            <a:off x="-25173" y="15324"/>
+            <a:ext cx="11811000" cy="1325563"/>
+          </a:xfrm>
+        </p:spPr>
+        <p:txBody>
+          <a:bodyPr/>
+          <a:lstStyle/>
+          <a:p>
+            <a:r>
+              <a:rPr lang="en-GB" dirty="0">
+                <a:solidFill>
+                  <a:srgbClr val="7030A0"/>
+                </a:solidFill>
+              </a:rPr>
+              <a:t>6) assembly: BLAST a </a:t>
+            </a:r>
+            <a:r>
+              <a:rPr lang="en-GB" dirty="0" err="1">
+                <a:solidFill>
+                  <a:srgbClr val="7030A0"/>
+                </a:solidFill>
+              </a:rPr>
+              <a:t>seq</a:t>
+            </a:r>
+            <a:r>
+              <a:rPr lang="en-GB" dirty="0">
+                <a:solidFill>
+                  <a:srgbClr val="7030A0"/>
+                </a:solidFill>
+              </a:rPr>
+              <a:t> against GenBank </a:t>
+            </a:r>
+            <a:r>
+              <a:rPr lang="en-GB" dirty="0" err="1">
+                <a:solidFill>
+                  <a:srgbClr val="7030A0"/>
+                </a:solidFill>
+              </a:rPr>
+              <a:t>nt</a:t>
+            </a:r>
+            <a:endParaRPr lang="en-GB" dirty="0">
+              <a:solidFill>
+                <a:srgbClr val="7030A0"/>
+              </a:solidFill>
+            </a:endParaRPr>
+          </a:p>
+        </p:txBody>
+      </p:sp>
+      <p:sp>
+        <p:nvSpPr>
+          <p:cNvPr id="3" name="Content Placeholder 2">
+            <a:extLst>
+              <a:ext uri="{FF2B5EF4-FFF2-40B4-BE49-F238E27FC236}">
+                <a16:creationId xmlns:a16="http://schemas.microsoft.com/office/drawing/2014/main" id="{E04E7D57-5675-4CE3-BA47-A46D07926F10}"/>
+              </a:ext>
+            </a:extLst>
+          </p:cNvPr>
+          <p:cNvSpPr>
+            <a:spLocks noGrp="1"/>
+          </p:cNvSpPr>
+          <p:nvPr>
+            <p:ph idx="1"/>
+          </p:nvPr>
+        </p:nvSpPr>
+        <p:spPr>
+          <a:xfrm>
+            <a:off x="77586" y="1246849"/>
+            <a:ext cx="10515600" cy="4351338"/>
+          </a:xfrm>
+        </p:spPr>
+        <p:txBody>
+          <a:bodyPr/>
+          <a:lstStyle/>
+          <a:p>
+            <a:r>
+              <a:rPr lang="en-GB" dirty="0"/>
+              <a:t>Blast is not fast.</a:t>
+            </a:r>
+          </a:p>
+          <a:p>
+            <a:r>
+              <a:rPr lang="en-GB" dirty="0" err="1"/>
+              <a:t>Blastn</a:t>
+            </a:r>
+            <a:r>
+              <a:rPr lang="en-GB" dirty="0"/>
+              <a:t>  - nucleotide versus </a:t>
+            </a:r>
+            <a:r>
+              <a:rPr lang="en-GB" dirty="0" err="1"/>
+              <a:t>nt</a:t>
+            </a:r>
+            <a:endParaRPr lang="en-GB" dirty="0"/>
+          </a:p>
+          <a:p>
+            <a:r>
               <a:rPr lang="en-GB" dirty="0">
                 <a:hlinkClick r:id="rId2"/>
               </a:rPr>
@@ -6731,7 +7010,7 @@
 </p:sld>
 </file>
 
-<file path=ppt/slides/slide21.xml><?xml version="1.0" encoding="utf-8"?>
+<file path=ppt/slides/slide22.xml><?xml version="1.0" encoding="utf-8"?>
 <p:sld xmlns:a="http://schemas.openxmlformats.org/drawingml/2006/main" xmlns:r="http://schemas.openxmlformats.org/officeDocument/2006/relationships" xmlns:p="http://schemas.openxmlformats.org/presentationml/2006/main">
   <p:cSld>
     <p:spTree>
@@ -8385,7 +8664,26 @@
                   <a:srgbClr val="0070C0"/>
                 </a:solidFill>
               </a:rPr>
-              <a:t>java -jar /shelf/training/Trimmomatic-0.38/trimmomatic-0.38.jar PE -summary trim_summary.txt -threads 2 -phred33  ./reads/subsampled_R1.fastq.gz  ./reads/subsampled_R2.fastq.gz subsampled_R1_paired.fastq.gz subsampled_R1_unpaired.fastq.gz subsampled_R2_paired.fastq.gz subsampled_R2_unpaired.fastq.gz ILLUMINACLIP:/shelf/training/Trimmomatic-0.38/adapters/TruSeq3-PE.fa:2:30:10 LEADING:3 TRAILING:3 SLIDINGWINDOW:4:15 MINLEN:45 </a:t>
+              <a:t>java -jar /shelf/training/Trimmomatic-0.38/trimmomatic-0.38.jar PE -summary trim_summary.txt -threads 2 -phred33  ./reads/subsampled_R1.fastq.gz  ./reads/subsampled_R2.fastq.gz subsampled_R1_paired.fastq.gz subsampled_R1_unpaired.fastq.gz subsampled_R2_paired.fastq.gz subsampled_R2_unpaired.fastq.gz ILLUMINACLIP:/shelf/training/Trimmomatic-0.38/adapters/TruSeq3-PE.fa:2:30:10 LEADING:3 TRAILING:3 SLIDINGWINDOW:4:</a:t>
+            </a:r>
+            <a:r>
+              <a:rPr lang="en-GB" sz="1800" dirty="0">
+                <a:solidFill>
+                  <a:srgbClr val="0070C0"/>
+                </a:solidFill>
+                <a:highlight>
+                  <a:srgbClr val="FFFF00"/>
+                </a:highlight>
+              </a:rPr>
+              <a:t>15 </a:t>
+            </a:r>
+            <a:r>
+              <a:rPr lang="en-GB" sz="1800" dirty="0">
+                <a:solidFill>
+                  <a:srgbClr val="0070C0"/>
+                </a:solidFill>
+              </a:rPr>
+              <a:t>MINLEN:45 </a:t>
             </a:r>
             <a:endParaRPr lang="en-GB" sz="2000" dirty="0"/>
           </a:p>
@@ -8514,6 +8812,80 @@
             <a:r>
               <a:rPr lang="en-GB" dirty="0"/>
               <a:t>*Note in the shell script line lines are split up with \ character</a:t>
+            </a:r>
+          </a:p>
+        </p:txBody>
+      </p:sp>
+      <p:cxnSp>
+        <p:nvCxnSpPr>
+          <p:cNvPr id="8" name="Straight Arrow Connector 7">
+            <a:extLst>
+              <a:ext uri="{FF2B5EF4-FFF2-40B4-BE49-F238E27FC236}">
+                <a16:creationId xmlns:a16="http://schemas.microsoft.com/office/drawing/2014/main" id="{E668B465-5106-4A9A-BFD5-A8B7C873EC87}"/>
+              </a:ext>
+            </a:extLst>
+          </p:cNvPr>
+          <p:cNvCxnSpPr/>
+          <p:nvPr/>
+        </p:nvCxnSpPr>
+        <p:spPr>
+          <a:xfrm flipH="1">
+            <a:off x="1606858" y="5424256"/>
+            <a:ext cx="843379" cy="186431"/>
+          </a:xfrm>
+          <a:prstGeom prst="straightConnector1">
+            <a:avLst/>
+          </a:prstGeom>
+          <a:ln>
+            <a:tailEnd type="triangle"/>
+          </a:ln>
+        </p:spPr>
+        <p:style>
+          <a:lnRef idx="1">
+            <a:schemeClr val="accent1"/>
+          </a:lnRef>
+          <a:fillRef idx="0">
+            <a:schemeClr val="accent1"/>
+          </a:fillRef>
+          <a:effectRef idx="0">
+            <a:schemeClr val="accent1"/>
+          </a:effectRef>
+          <a:fontRef idx="minor">
+            <a:schemeClr val="tx1"/>
+          </a:fontRef>
+        </p:style>
+      </p:cxnSp>
+      <p:sp>
+        <p:nvSpPr>
+          <p:cNvPr id="9" name="TextBox 8">
+            <a:extLst>
+              <a:ext uri="{FF2B5EF4-FFF2-40B4-BE49-F238E27FC236}">
+                <a16:creationId xmlns:a16="http://schemas.microsoft.com/office/drawing/2014/main" id="{03F61941-02F1-47A8-B3ED-4C8D08B2D74D}"/>
+              </a:ext>
+            </a:extLst>
+          </p:cNvPr>
+          <p:cNvSpPr txBox="1"/>
+          <p:nvPr/>
+        </p:nvSpPr>
+        <p:spPr>
+          <a:xfrm>
+            <a:off x="1100831" y="5726097"/>
+            <a:ext cx="2148396" cy="369332"/>
+          </a:xfrm>
+          <a:prstGeom prst="rect">
+            <a:avLst/>
+          </a:prstGeom>
+          <a:noFill/>
+        </p:spPr>
+        <p:txBody>
+          <a:bodyPr wrap="square" rtlCol="0">
+            <a:spAutoFit/>
+          </a:bodyPr>
+          <a:lstStyle/>
+          <a:p>
+            <a:r>
+              <a:rPr lang="en-GB" dirty="0"/>
+              <a:t>Min Q value</a:t>
             </a:r>
           </a:p>
         </p:txBody>

--- a/cluster_course/powerpoint/6_assembly.pptx
+++ b/cluster_course/powerpoint/6_assembly.pptx
@@ -18,15 +18,14 @@
     <p:sldId id="271" r:id="rId12"/>
     <p:sldId id="304" r:id="rId13"/>
     <p:sldId id="303" r:id="rId14"/>
-    <p:sldId id="341" r:id="rId15"/>
-    <p:sldId id="327" r:id="rId16"/>
-    <p:sldId id="321" r:id="rId17"/>
-    <p:sldId id="334" r:id="rId18"/>
-    <p:sldId id="332" r:id="rId19"/>
-    <p:sldId id="329" r:id="rId20"/>
-    <p:sldId id="335" r:id="rId21"/>
-    <p:sldId id="338" r:id="rId22"/>
-    <p:sldId id="340" r:id="rId23"/>
+    <p:sldId id="327" r:id="rId15"/>
+    <p:sldId id="321" r:id="rId16"/>
+    <p:sldId id="334" r:id="rId17"/>
+    <p:sldId id="332" r:id="rId18"/>
+    <p:sldId id="329" r:id="rId19"/>
+    <p:sldId id="335" r:id="rId20"/>
+    <p:sldId id="338" r:id="rId21"/>
+    <p:sldId id="340" r:id="rId22"/>
   </p:sldIdLst>
   <p:sldSz cx="12192000" cy="6858000"/>
   <p:notesSz cx="6858000" cy="9144000"/>
@@ -4699,7 +4698,7 @@
           <p:cNvPr id="2" name="Title 1">
             <a:extLst>
               <a:ext uri="{FF2B5EF4-FFF2-40B4-BE49-F238E27FC236}">
-                <a16:creationId xmlns:a16="http://schemas.microsoft.com/office/drawing/2014/main" id="{3D09269E-BF25-4289-A434-F94125EC3239}"/>
+                <a16:creationId xmlns:a16="http://schemas.microsoft.com/office/drawing/2014/main" id="{55F02461-1881-43C2-B364-66B918668015}"/>
               </a:ext>
             </a:extLst>
           </p:cNvPr>
@@ -4710,24 +4709,18 @@
             <p:ph type="title"/>
           </p:nvPr>
         </p:nvSpPr>
-        <p:spPr>
-          <a:xfrm>
-            <a:off x="457200" y="-219075"/>
-            <a:ext cx="10515600" cy="1325563"/>
-          </a:xfrm>
-        </p:spPr>
+        <p:spPr/>
         <p:txBody>
           <a:bodyPr/>
           <a:lstStyle/>
           <a:p>
-            <a:pPr algn="ctr"/>
             <a:r>
               <a:rPr lang="en-GB" dirty="0">
                 <a:solidFill>
                   <a:srgbClr val="7030A0"/>
                 </a:solidFill>
               </a:rPr>
-              <a:t>6) assembly: Velvet assembly, N50? </a:t>
+              <a:t>Pause the assembly training for something cool</a:t>
             </a:r>
           </a:p>
         </p:txBody>
@@ -4737,7 +4730,7 @@
           <p:cNvPr id="3" name="Content Placeholder 2">
             <a:extLst>
               <a:ext uri="{FF2B5EF4-FFF2-40B4-BE49-F238E27FC236}">
-                <a16:creationId xmlns:a16="http://schemas.microsoft.com/office/drawing/2014/main" id="{27D2B713-FAB9-4FA6-9634-CBA2C3D0A60A}"/>
+                <a16:creationId xmlns:a16="http://schemas.microsoft.com/office/drawing/2014/main" id="{7C3DF6A3-8066-4E75-85FB-09F47BE9F87B}"/>
               </a:ext>
             </a:extLst>
           </p:cNvPr>
@@ -4748,157 +4741,55 @@
             <p:ph idx="1"/>
           </p:nvPr>
         </p:nvSpPr>
-        <p:spPr>
-          <a:xfrm>
-            <a:off x="600075" y="1325562"/>
-            <a:ext cx="10515600" cy="5151437"/>
-          </a:xfrm>
-        </p:spPr>
-        <p:txBody>
-          <a:bodyPr>
-            <a:normAutofit/>
-          </a:bodyPr>
-          <a:lstStyle/>
-          <a:p>
-            <a:pPr marL="0" indent="0">
-              <a:buNone/>
-            </a:pPr>
+        <p:spPr/>
+        <p:txBody>
+          <a:bodyPr/>
+          <a:lstStyle/>
+          <a:p>
             <a:r>
               <a:rPr lang="en-GB" dirty="0"/>
-              <a:t>Activity:</a:t>
-            </a:r>
-          </a:p>
-          <a:p>
-            <a:pPr marL="0" indent="0">
-              <a:buNone/>
-            </a:pPr>
-            <a:r>
-              <a:rPr lang="en-GB" sz="3200" dirty="0"/>
-              <a:t>write a single shell script that does all the following tasks and emails you when it is done:</a:t>
-            </a:r>
-          </a:p>
-          <a:p>
-            <a:pPr marL="514350" indent="-514350">
-              <a:buFont typeface="+mj-lt"/>
-              <a:buAutoNum type="arabicPeriod"/>
-            </a:pPr>
-            <a:r>
-              <a:rPr lang="en-GB" sz="3200" dirty="0"/>
-              <a:t>trims the raw reads at a strict Q30 and keeps only read with a min </a:t>
-            </a:r>
-            <a:r>
-              <a:rPr lang="en-GB" sz="3200" dirty="0" err="1"/>
-              <a:t>len</a:t>
-            </a:r>
-            <a:r>
-              <a:rPr lang="en-GB" sz="3200" dirty="0"/>
-              <a:t> of 147bp</a:t>
-            </a:r>
-            <a:endParaRPr lang="en-GB" sz="3200" u="sng" dirty="0"/>
-          </a:p>
-          <a:p>
-            <a:pPr marL="514350" indent="-514350">
-              <a:buFont typeface="+mj-lt"/>
-              <a:buAutoNum type="arabicPeriod"/>
-            </a:pPr>
-            <a:r>
-              <a:rPr lang="en-GB" sz="3200" dirty="0"/>
-              <a:t>Assemble these Q30 reads with a long </a:t>
-            </a:r>
-            <a:r>
-              <a:rPr lang="en-GB" sz="3200" dirty="0" err="1"/>
-              <a:t>kmer</a:t>
-            </a:r>
-            <a:r>
-              <a:rPr lang="en-GB" sz="3200" dirty="0"/>
-              <a:t>. You choose. </a:t>
-            </a:r>
-          </a:p>
-          <a:p>
-            <a:pPr marL="514350" indent="-514350">
-              <a:buFont typeface="+mj-lt"/>
-              <a:buAutoNum type="arabicPeriod"/>
-            </a:pPr>
-            <a:r>
-              <a:rPr lang="en-GB" sz="3200" dirty="0"/>
-              <a:t>Produce assembly stats using the </a:t>
-            </a:r>
-            <a:r>
-              <a:rPr lang="en-GB" sz="3200" dirty="0" err="1"/>
-              <a:t>perl</a:t>
-            </a:r>
-            <a:r>
-              <a:rPr lang="en-GB" sz="3200" dirty="0"/>
-              <a:t> script, and compares the result to your </a:t>
-            </a:r>
-            <a:r>
-              <a:rPr lang="en-GB" sz="3200"/>
-              <a:t>original assemblies. </a:t>
-            </a:r>
-          </a:p>
-          <a:p>
-            <a:pPr marL="514350" indent="-514350">
-              <a:buFont typeface="+mj-lt"/>
-              <a:buAutoNum type="arabicPeriod"/>
-            </a:pPr>
-            <a:endParaRPr lang="en-GB" sz="3200" dirty="0"/>
-          </a:p>
-        </p:txBody>
-      </p:sp>
-      <p:sp>
-        <p:nvSpPr>
-          <p:cNvPr id="4" name="TextBox 3">
-            <a:extLst>
-              <a:ext uri="{FF2B5EF4-FFF2-40B4-BE49-F238E27FC236}">
-                <a16:creationId xmlns:a16="http://schemas.microsoft.com/office/drawing/2014/main" id="{DFBE4F20-11CC-4269-95B7-96C7F661E1EB}"/>
-              </a:ext>
-            </a:extLst>
-          </p:cNvPr>
-          <p:cNvSpPr txBox="1"/>
-          <p:nvPr/>
-        </p:nvSpPr>
-        <p:spPr>
-          <a:xfrm>
-            <a:off x="10350500" y="0"/>
-            <a:ext cx="1841500" cy="584775"/>
-          </a:xfrm>
-          <a:prstGeom prst="rect">
-            <a:avLst/>
-          </a:prstGeom>
-          <a:noFill/>
-        </p:spPr>
-        <p:txBody>
-          <a:bodyPr wrap="square" rtlCol="0">
-            <a:spAutoFit/>
-          </a:bodyPr>
-          <a:lstStyle/>
-          <a:p>
-            <a:r>
-              <a:rPr lang="en-GB" sz="3200" dirty="0">
+              <a:t>Ok, so we need to take a break here to introduce to you a package manager tool </a:t>
+            </a:r>
+          </a:p>
+          <a:p>
+            <a:r>
+              <a:rPr lang="en-GB" dirty="0" err="1"/>
+              <a:t>Conda</a:t>
+            </a:r>
+            <a:endParaRPr lang="en-GB" dirty="0"/>
+          </a:p>
+          <a:p>
+            <a:r>
+              <a:rPr lang="en-GB" dirty="0"/>
+              <a:t>Open the </a:t>
+            </a:r>
+            <a:r>
+              <a:rPr lang="en-GB" dirty="0" err="1"/>
+              <a:t>conda</a:t>
+            </a:r>
+            <a:r>
+              <a:rPr lang="en-GB" dirty="0"/>
+              <a:t> PowerPoint (</a:t>
+            </a:r>
+            <a:r>
+              <a:rPr lang="en-GB" dirty="0">
                 <a:solidFill>
                   <a:srgbClr val="FF0000"/>
                 </a:solidFill>
-                <a:highlight>
-                  <a:srgbClr val="FFFF00"/>
-                </a:highlight>
-              </a:rPr>
-              <a:t>ACTIVITY</a:t>
-            </a:r>
-            <a:endParaRPr lang="en-GB" sz="2800" dirty="0">
-              <a:solidFill>
-                <a:srgbClr val="FF0000"/>
-              </a:solidFill>
-              <a:highlight>
-                <a:srgbClr val="FFFF00"/>
-              </a:highlight>
-            </a:endParaRPr>
+              </a:rPr>
+              <a:t>7_Conda.pptx</a:t>
+            </a:r>
+            <a:r>
+              <a:rPr lang="en-GB" dirty="0"/>
+              <a:t>)</a:t>
+            </a:r>
           </a:p>
         </p:txBody>
       </p:sp>
     </p:spTree>
     <p:extLst>
       <p:ext uri="{BB962C8B-B14F-4D97-AF65-F5344CB8AC3E}">
-        <p14:creationId xmlns:p14="http://schemas.microsoft.com/office/powerpoint/2010/main" val="858641711"/>
+        <p14:creationId xmlns:p14="http://schemas.microsoft.com/office/powerpoint/2010/main" val="1007012389"/>
       </p:ext>
     </p:extLst>
   </p:cSld>
@@ -4930,7 +4821,7 @@
           <p:cNvPr id="2" name="Title 1">
             <a:extLst>
               <a:ext uri="{FF2B5EF4-FFF2-40B4-BE49-F238E27FC236}">
-                <a16:creationId xmlns:a16="http://schemas.microsoft.com/office/drawing/2014/main" id="{55F02461-1881-43C2-B364-66B918668015}"/>
+                <a16:creationId xmlns:a16="http://schemas.microsoft.com/office/drawing/2014/main" id="{2C43B3AF-2DAB-4789-AAC2-055BF22D4786}"/>
               </a:ext>
             </a:extLst>
           </p:cNvPr>
@@ -4941,7 +4832,12 @@
             <p:ph type="title"/>
           </p:nvPr>
         </p:nvSpPr>
-        <p:spPr/>
+        <p:spPr>
+          <a:xfrm>
+            <a:off x="188422" y="165619"/>
+            <a:ext cx="12003578" cy="1325563"/>
+          </a:xfrm>
+        </p:spPr>
         <p:txBody>
           <a:bodyPr/>
           <a:lstStyle/>
@@ -4952,7 +4848,7 @@
                   <a:srgbClr val="7030A0"/>
                 </a:solidFill>
               </a:rPr>
-              <a:t>Pause the assembly training for something cool</a:t>
+              <a:t>6) assembly: Predict the genes from our assembly.</a:t>
             </a:r>
           </a:p>
         </p:txBody>
@@ -4962,7 +4858,7 @@
           <p:cNvPr id="3" name="Content Placeholder 2">
             <a:extLst>
               <a:ext uri="{FF2B5EF4-FFF2-40B4-BE49-F238E27FC236}">
-                <a16:creationId xmlns:a16="http://schemas.microsoft.com/office/drawing/2014/main" id="{7C3DF6A3-8066-4E75-85FB-09F47BE9F87B}"/>
+                <a16:creationId xmlns:a16="http://schemas.microsoft.com/office/drawing/2014/main" id="{044C95C6-B6B0-4522-A3AD-F62B0463C045}"/>
               </a:ext>
             </a:extLst>
           </p:cNvPr>
@@ -4973,55 +4869,117 @@
             <p:ph idx="1"/>
           </p:nvPr>
         </p:nvSpPr>
-        <p:spPr/>
-        <p:txBody>
-          <a:bodyPr/>
-          <a:lstStyle/>
-          <a:p>
-            <a:r>
-              <a:rPr lang="en-GB" dirty="0"/>
-              <a:t>Ok, so we need to take a break here to introduce to you a package manager tool </a:t>
-            </a:r>
-          </a:p>
-          <a:p>
-            <a:r>
-              <a:rPr lang="en-GB" dirty="0" err="1"/>
-              <a:t>Conda</a:t>
-            </a:r>
-            <a:endParaRPr lang="en-GB" dirty="0"/>
-          </a:p>
-          <a:p>
-            <a:r>
-              <a:rPr lang="en-GB" dirty="0"/>
-              <a:t>Open the </a:t>
-            </a:r>
-            <a:r>
-              <a:rPr lang="en-GB" dirty="0" err="1"/>
-              <a:t>conda</a:t>
-            </a:r>
-            <a:r>
-              <a:rPr lang="en-GB" dirty="0"/>
-              <a:t> PowerPoint (</a:t>
-            </a:r>
-            <a:r>
-              <a:rPr lang="en-GB" dirty="0">
+        <p:spPr>
+          <a:xfrm>
+            <a:off x="232611" y="1825625"/>
+            <a:ext cx="11662610" cy="4351338"/>
+          </a:xfrm>
+        </p:spPr>
+        <p:txBody>
+          <a:bodyPr>
+            <a:normAutofit/>
+          </a:bodyPr>
+          <a:lstStyle/>
+          <a:p>
+            <a:pPr marL="0" indent="0">
+              <a:buNone/>
+            </a:pPr>
+            <a:r>
+              <a:rPr lang="it-IT" dirty="0"/>
+              <a:t>Lets install Prokka to predict the bacterial genes:</a:t>
+            </a:r>
+          </a:p>
+          <a:p>
+            <a:pPr marL="0" indent="0">
+              <a:buNone/>
+            </a:pPr>
+            <a:r>
+              <a:rPr lang="it-IT" dirty="0"/>
+              <a:t>Create an env with prokka installed</a:t>
+            </a:r>
+          </a:p>
+          <a:p>
+            <a:pPr marL="0" indent="0">
+              <a:buNone/>
+            </a:pPr>
+            <a:r>
+              <a:rPr lang="it-IT" dirty="0">
+                <a:solidFill>
+                  <a:srgbClr val="0070C0"/>
+                </a:solidFill>
+              </a:rPr>
+              <a:t>        conda create -n prokkaENV prokka</a:t>
+            </a:r>
+          </a:p>
+          <a:p>
+            <a:pPr marL="0" indent="0">
+              <a:buNone/>
+            </a:pPr>
+            <a:r>
+              <a:rPr lang="it-IT" dirty="0">
+                <a:solidFill>
+                  <a:srgbClr val="0070C0"/>
+                </a:solidFill>
+              </a:rPr>
+              <a:t>        conda activate prokkaENV</a:t>
+            </a:r>
+          </a:p>
+        </p:txBody>
+      </p:sp>
+      <p:sp>
+        <p:nvSpPr>
+          <p:cNvPr id="4" name="TextBox 3">
+            <a:extLst>
+              <a:ext uri="{FF2B5EF4-FFF2-40B4-BE49-F238E27FC236}">
+                <a16:creationId xmlns:a16="http://schemas.microsoft.com/office/drawing/2014/main" id="{71306B38-5A8D-4473-A896-C39C2C9E9844}"/>
+              </a:ext>
+            </a:extLst>
+          </p:cNvPr>
+          <p:cNvSpPr txBox="1"/>
+          <p:nvPr/>
+        </p:nvSpPr>
+        <p:spPr>
+          <a:xfrm>
+            <a:off x="10350500" y="0"/>
+            <a:ext cx="1841500" cy="584775"/>
+          </a:xfrm>
+          <a:prstGeom prst="rect">
+            <a:avLst/>
+          </a:prstGeom>
+          <a:noFill/>
+        </p:spPr>
+        <p:txBody>
+          <a:bodyPr wrap="square" rtlCol="0">
+            <a:spAutoFit/>
+          </a:bodyPr>
+          <a:lstStyle/>
+          <a:p>
+            <a:r>
+              <a:rPr lang="en-GB" sz="3200" dirty="0">
                 <a:solidFill>
                   <a:srgbClr val="FF0000"/>
                 </a:solidFill>
-              </a:rPr>
-              <a:t>7_Conda.pptx</a:t>
-            </a:r>
-            <a:r>
-              <a:rPr lang="en-GB" dirty="0"/>
-              <a:t>)</a:t>
-            </a:r>
+                <a:highlight>
+                  <a:srgbClr val="FFFF00"/>
+                </a:highlight>
+              </a:rPr>
+              <a:t>ACTIVITY</a:t>
+            </a:r>
+            <a:endParaRPr lang="en-GB" sz="2800" dirty="0">
+              <a:solidFill>
+                <a:srgbClr val="FF0000"/>
+              </a:solidFill>
+              <a:highlight>
+                <a:srgbClr val="FFFF00"/>
+              </a:highlight>
+            </a:endParaRPr>
           </a:p>
         </p:txBody>
       </p:sp>
     </p:spTree>
     <p:extLst>
       <p:ext uri="{BB962C8B-B14F-4D97-AF65-F5344CB8AC3E}">
-        <p14:creationId xmlns:p14="http://schemas.microsoft.com/office/powerpoint/2010/main" val="1007012389"/>
+        <p14:creationId xmlns:p14="http://schemas.microsoft.com/office/powerpoint/2010/main" val="929082678"/>
       </p:ext>
     </p:extLst>
   </p:cSld>
@@ -5118,7 +5076,17 @@
             </a:pPr>
             <a:r>
               <a:rPr lang="it-IT" dirty="0"/>
-              <a:t>Lets install Prokka to predict the bacterial genes:</a:t>
+              <a:t>Have a look at the shell to run prokka (</a:t>
+            </a:r>
+            <a:r>
+              <a:rPr lang="en-GB" dirty="0">
+                <a:hlinkClick r:id="rId2"/>
+              </a:rPr>
+              <a:t>https://github.com/tseemann/prokka</a:t>
+            </a:r>
+            <a:r>
+              <a:rPr lang="it-IT" dirty="0"/>
+              <a:t>):</a:t>
             </a:r>
           </a:p>
           <a:p>
@@ -5126,21 +5094,155 @@
               <a:buNone/>
             </a:pPr>
             <a:r>
-              <a:rPr lang="it-IT" dirty="0"/>
-              <a:t>Create an env with prokka installed</a:t>
+              <a:rPr lang="it-IT" dirty="0">
+                <a:solidFill>
+                  <a:srgbClr val="0070C0"/>
+                </a:solidFill>
+              </a:rPr>
+              <a:t>        nano predict_genes.sh</a:t>
             </a:r>
           </a:p>
           <a:p>
             <a:pPr marL="0" indent="0">
               <a:buNone/>
             </a:pPr>
+            <a:endParaRPr lang="en-GB" dirty="0"/>
+          </a:p>
+          <a:p>
+            <a:pPr marL="0" indent="0">
+              <a:buNone/>
+            </a:pPr>
+            <a:r>
+              <a:rPr lang="en-GB" dirty="0"/>
+              <a:t>The command in the shell is </a:t>
+            </a:r>
+            <a:r>
+              <a:rPr lang="en-GB" dirty="0">
+                <a:solidFill>
+                  <a:srgbClr val="0070C0"/>
+                </a:solidFill>
+              </a:rPr>
+              <a:t>: </a:t>
+            </a:r>
+            <a:r>
+              <a:rPr lang="en-GB" dirty="0" err="1">
+                <a:solidFill>
+                  <a:srgbClr val="0070C0"/>
+                </a:solidFill>
+              </a:rPr>
+              <a:t>prokka</a:t>
+            </a:r>
+            <a:r>
+              <a:rPr lang="en-GB" dirty="0">
+                <a:solidFill>
+                  <a:srgbClr val="0070C0"/>
+                </a:solidFill>
+              </a:rPr>
+              <a:t> --</a:t>
+            </a:r>
+            <a:r>
+              <a:rPr lang="en-GB" dirty="0" err="1">
+                <a:solidFill>
+                  <a:srgbClr val="0070C0"/>
+                </a:solidFill>
+              </a:rPr>
+              <a:t>cpu</a:t>
+            </a:r>
+            <a:r>
+              <a:rPr lang="en-GB" dirty="0">
+                <a:solidFill>
+                  <a:srgbClr val="0070C0"/>
+                </a:solidFill>
+              </a:rPr>
+              <a:t> 2 </a:t>
+            </a:r>
+            <a:r>
+              <a:rPr lang="en-GB" dirty="0" err="1">
+                <a:solidFill>
+                  <a:srgbClr val="0070C0"/>
+                </a:solidFill>
+              </a:rPr>
+              <a:t>contigs.fasta</a:t>
+            </a:r>
+            <a:endParaRPr lang="en-GB" dirty="0">
+              <a:solidFill>
+                <a:srgbClr val="0070C0"/>
+              </a:solidFill>
+            </a:endParaRPr>
+          </a:p>
+          <a:p>
+            <a:pPr marL="0" indent="0">
+              <a:buNone/>
+            </a:pPr>
+            <a:r>
+              <a:rPr lang="en-GB" dirty="0"/>
+              <a:t>After you have activated the </a:t>
+            </a:r>
+            <a:r>
+              <a:rPr lang="en-GB" dirty="0" err="1"/>
+              <a:t>env</a:t>
+            </a:r>
+            <a:r>
+              <a:rPr lang="en-GB" dirty="0"/>
+              <a:t>, </a:t>
+            </a:r>
+            <a:r>
+              <a:rPr lang="en-GB" dirty="0" err="1"/>
+              <a:t>qsub</a:t>
+            </a:r>
+            <a:r>
+              <a:rPr lang="en-GB" dirty="0"/>
+              <a:t> with the -V option to submit with </a:t>
+            </a:r>
+            <a:r>
+              <a:rPr lang="en-GB" dirty="0" err="1"/>
+              <a:t>prokka</a:t>
+            </a:r>
+            <a:endParaRPr lang="en-GB" dirty="0"/>
+          </a:p>
+          <a:p>
+            <a:pPr marL="0" indent="0">
+              <a:buNone/>
+            </a:pPr>
+            <a:r>
+              <a:rPr lang="en-GB" dirty="0">
+                <a:solidFill>
+                  <a:srgbClr val="0070C0"/>
+                </a:solidFill>
+              </a:rPr>
+              <a:t>      </a:t>
+            </a:r>
+            <a:r>
+              <a:rPr lang="en-GB" dirty="0" err="1">
+                <a:solidFill>
+                  <a:srgbClr val="0070C0"/>
+                </a:solidFill>
+              </a:rPr>
+              <a:t>conda</a:t>
+            </a:r>
+            <a:r>
+              <a:rPr lang="en-GB" dirty="0">
+                <a:solidFill>
+                  <a:srgbClr val="0070C0"/>
+                </a:solidFill>
+              </a:rPr>
+              <a:t> activate </a:t>
+            </a:r>
             <a:r>
               <a:rPr lang="it-IT" dirty="0">
                 <a:solidFill>
                   <a:srgbClr val="0070C0"/>
                 </a:solidFill>
               </a:rPr>
-              <a:t>        conda create -n prokkaENV prokka</a:t>
+              <a:t>prokkaENV</a:t>
+            </a:r>
+            <a:r>
+              <a:rPr lang="en-GB" dirty="0">
+                <a:solidFill>
+                  <a:srgbClr val="0070C0"/>
+                </a:solidFill>
+              </a:rPr>
+              <a:t> </a:t>
             </a:r>
           </a:p>
           <a:p>
@@ -5148,12 +5250,44 @@
               <a:buNone/>
             </a:pPr>
             <a:r>
-              <a:rPr lang="it-IT" dirty="0">
+              <a:rPr lang="en-GB" dirty="0">
                 <a:solidFill>
                   <a:srgbClr val="0070C0"/>
                 </a:solidFill>
               </a:rPr>
-              <a:t>        conda activate prokkaENV</a:t>
+              <a:t>      </a:t>
+            </a:r>
+            <a:r>
+              <a:rPr lang="en-GB" dirty="0" err="1">
+                <a:solidFill>
+                  <a:srgbClr val="0070C0"/>
+                </a:solidFill>
+              </a:rPr>
+              <a:t>qsub</a:t>
+            </a:r>
+            <a:r>
+              <a:rPr lang="en-GB" dirty="0">
+                <a:solidFill>
+                  <a:srgbClr val="0070C0"/>
+                </a:solidFill>
+              </a:rPr>
+              <a:t> -V -</a:t>
+            </a:r>
+            <a:r>
+              <a:rPr lang="en-GB" dirty="0" err="1">
+                <a:solidFill>
+                  <a:srgbClr val="0070C0"/>
+                </a:solidFill>
+              </a:rPr>
+              <a:t>pe</a:t>
+            </a:r>
+            <a:r>
+              <a:rPr lang="en-GB" dirty="0">
+                <a:solidFill>
+                  <a:srgbClr val="0070C0"/>
+                </a:solidFill>
+              </a:rPr>
+              <a:t> multi 2 predict_genes.sh</a:t>
             </a:r>
           </a:p>
         </p:txBody>
@@ -5163,7 +5297,7 @@
           <p:cNvPr id="4" name="TextBox 3">
             <a:extLst>
               <a:ext uri="{FF2B5EF4-FFF2-40B4-BE49-F238E27FC236}">
-                <a16:creationId xmlns:a16="http://schemas.microsoft.com/office/drawing/2014/main" id="{71306B38-5A8D-4473-A896-C39C2C9E9844}"/>
+                <a16:creationId xmlns:a16="http://schemas.microsoft.com/office/drawing/2014/main" id="{B839FC87-3D54-426B-97E5-C67DCF2B2DE7}"/>
               </a:ext>
             </a:extLst>
           </p:cNvPr>
@@ -5211,7 +5345,7 @@
     </p:spTree>
     <p:extLst>
       <p:ext uri="{BB962C8B-B14F-4D97-AF65-F5344CB8AC3E}">
-        <p14:creationId xmlns:p14="http://schemas.microsoft.com/office/powerpoint/2010/main" val="929082678"/>
+        <p14:creationId xmlns:p14="http://schemas.microsoft.com/office/powerpoint/2010/main" val="899294727"/>
       </p:ext>
     </p:extLst>
   </p:cSld>
@@ -5243,7 +5377,7 @@
           <p:cNvPr id="2" name="Title 1">
             <a:extLst>
               <a:ext uri="{FF2B5EF4-FFF2-40B4-BE49-F238E27FC236}">
-                <a16:creationId xmlns:a16="http://schemas.microsoft.com/office/drawing/2014/main" id="{2C43B3AF-2DAB-4789-AAC2-055BF22D4786}"/>
+                <a16:creationId xmlns:a16="http://schemas.microsoft.com/office/drawing/2014/main" id="{4E1FC0BE-F14F-41BB-AA79-8A2D40C17783}"/>
               </a:ext>
             </a:extLst>
           </p:cNvPr>
@@ -5256,8 +5390,8 @@
         </p:nvSpPr>
         <p:spPr>
           <a:xfrm>
-            <a:off x="188422" y="165619"/>
-            <a:ext cx="12003578" cy="1325563"/>
+            <a:off x="289560" y="157306"/>
+            <a:ext cx="10515600" cy="1325563"/>
           </a:xfrm>
         </p:spPr>
         <p:txBody>
@@ -5265,12 +5399,20 @@
           <a:lstStyle/>
           <a:p>
             <a:r>
+              <a:rPr lang="en-GB" dirty="0" err="1">
+                <a:solidFill>
+                  <a:srgbClr val="7030A0"/>
+                </a:solidFill>
+              </a:rPr>
+              <a:t>Prokka</a:t>
+            </a:r>
+            <a:r>
               <a:rPr lang="en-GB" dirty="0">
                 <a:solidFill>
                   <a:srgbClr val="7030A0"/>
                 </a:solidFill>
               </a:rPr>
-              <a:t>6) assembly: Predict the genes from our assembly.</a:t>
+              <a:t> output</a:t>
             </a:r>
           </a:p>
         </p:txBody>
@@ -5280,7 +5422,7 @@
           <p:cNvPr id="3" name="Content Placeholder 2">
             <a:extLst>
               <a:ext uri="{FF2B5EF4-FFF2-40B4-BE49-F238E27FC236}">
-                <a16:creationId xmlns:a16="http://schemas.microsoft.com/office/drawing/2014/main" id="{044C95C6-B6B0-4522-A3AD-F62B0463C045}"/>
+                <a16:creationId xmlns:a16="http://schemas.microsoft.com/office/drawing/2014/main" id="{C9010BB6-15F2-45E5-80F4-B73AC9439517}"/>
               </a:ext>
             </a:extLst>
           </p:cNvPr>
@@ -5293,291 +5435,54 @@
         </p:nvSpPr>
         <p:spPr>
           <a:xfrm>
-            <a:off x="232611" y="1825625"/>
-            <a:ext cx="11662610" cy="4351338"/>
-          </a:xfrm>
-        </p:spPr>
-        <p:txBody>
-          <a:bodyPr>
-            <a:normAutofit/>
-          </a:bodyPr>
-          <a:lstStyle/>
-          <a:p>
-            <a:pPr marL="0" indent="0">
-              <a:buNone/>
-            </a:pPr>
-            <a:r>
-              <a:rPr lang="it-IT" dirty="0"/>
-              <a:t>Have a look at the shell to run prokka (</a:t>
+            <a:off x="164869" y="1351799"/>
+            <a:ext cx="10515600" cy="4351338"/>
+          </a:xfrm>
+        </p:spPr>
+        <p:txBody>
+          <a:bodyPr/>
+          <a:lstStyle/>
+          <a:p>
+            <a:r>
+              <a:rPr lang="en-GB" dirty="0"/>
+              <a:t>PROKKA_11122018.err  PROKKA_11122018.ffn  PROKKA_11122018.fsa  </a:t>
             </a:r>
             <a:r>
               <a:rPr lang="en-GB" dirty="0">
-                <a:hlinkClick r:id="rId2"/>
-              </a:rPr>
-              <a:t>https://github.com/tseemann/prokka</a:t>
-            </a:r>
-            <a:r>
-              <a:rPr lang="it-IT" dirty="0"/>
-              <a:t>):</a:t>
-            </a:r>
-          </a:p>
-          <a:p>
-            <a:pPr marL="0" indent="0">
-              <a:buNone/>
-            </a:pPr>
-            <a:r>
-              <a:rPr lang="it-IT" dirty="0">
-                <a:solidFill>
-                  <a:srgbClr val="0070C0"/>
-                </a:solidFill>
-              </a:rPr>
-              <a:t>        nano predict_genes.sh</a:t>
-            </a:r>
-          </a:p>
-          <a:p>
-            <a:pPr marL="0" indent="0">
-              <a:buNone/>
-            </a:pPr>
-            <a:endParaRPr lang="en-GB" dirty="0"/>
-          </a:p>
-          <a:p>
-            <a:pPr marL="0" indent="0">
-              <a:buNone/>
-            </a:pPr>
-            <a:r>
-              <a:rPr lang="en-GB" dirty="0"/>
-              <a:t>The command in the shell is </a:t>
-            </a:r>
-            <a:r>
-              <a:rPr lang="en-GB" dirty="0">
-                <a:solidFill>
-                  <a:srgbClr val="0070C0"/>
-                </a:solidFill>
-              </a:rPr>
-              <a:t>: </a:t>
-            </a:r>
-            <a:r>
-              <a:rPr lang="en-GB" dirty="0" err="1">
-                <a:solidFill>
-                  <a:srgbClr val="0070C0"/>
-                </a:solidFill>
-              </a:rPr>
-              <a:t>prokka</a:t>
-            </a:r>
-            <a:r>
-              <a:rPr lang="en-GB" dirty="0">
-                <a:solidFill>
-                  <a:srgbClr val="0070C0"/>
-                </a:solidFill>
-              </a:rPr>
-              <a:t> --</a:t>
-            </a:r>
-            <a:r>
-              <a:rPr lang="en-GB" dirty="0" err="1">
-                <a:solidFill>
-                  <a:srgbClr val="0070C0"/>
-                </a:solidFill>
-              </a:rPr>
-              <a:t>cpu</a:t>
-            </a:r>
-            <a:r>
-              <a:rPr lang="en-GB" dirty="0">
-                <a:solidFill>
-                  <a:srgbClr val="0070C0"/>
-                </a:solidFill>
-              </a:rPr>
-              <a:t> 2 </a:t>
-            </a:r>
-            <a:r>
-              <a:rPr lang="en-GB" dirty="0" err="1">
-                <a:solidFill>
-                  <a:srgbClr val="0070C0"/>
-                </a:solidFill>
-              </a:rPr>
-              <a:t>contigs.fasta</a:t>
-            </a:r>
-            <a:endParaRPr lang="en-GB" dirty="0">
-              <a:solidFill>
-                <a:srgbClr val="0070C0"/>
-              </a:solidFill>
-            </a:endParaRPr>
-          </a:p>
-          <a:p>
-            <a:pPr marL="0" indent="0">
-              <a:buNone/>
-            </a:pPr>
-            <a:r>
-              <a:rPr lang="en-GB" dirty="0"/>
-              <a:t>After you have activated the </a:t>
-            </a:r>
-            <a:r>
-              <a:rPr lang="en-GB" dirty="0" err="1"/>
-              <a:t>env</a:t>
-            </a:r>
-            <a:r>
-              <a:rPr lang="en-GB" dirty="0"/>
-              <a:t>, </a:t>
-            </a:r>
-            <a:r>
-              <a:rPr lang="en-GB" dirty="0" err="1"/>
-              <a:t>qsub</a:t>
-            </a:r>
-            <a:r>
-              <a:rPr lang="en-GB" dirty="0"/>
-              <a:t> with the -V option to submit with </a:t>
-            </a:r>
-            <a:r>
-              <a:rPr lang="en-GB" dirty="0" err="1"/>
-              <a:t>prokka</a:t>
-            </a:r>
-            <a:endParaRPr lang="en-GB" dirty="0"/>
-          </a:p>
-          <a:p>
-            <a:pPr marL="0" indent="0">
-              <a:buNone/>
-            </a:pPr>
-            <a:r>
-              <a:rPr lang="en-GB" dirty="0">
-                <a:solidFill>
-                  <a:srgbClr val="0070C0"/>
-                </a:solidFill>
-              </a:rPr>
-              <a:t>      </a:t>
-            </a:r>
-            <a:r>
-              <a:rPr lang="en-GB" dirty="0" err="1">
-                <a:solidFill>
-                  <a:srgbClr val="0070C0"/>
-                </a:solidFill>
-              </a:rPr>
-              <a:t>conda</a:t>
-            </a:r>
-            <a:r>
-              <a:rPr lang="en-GB" dirty="0">
-                <a:solidFill>
-                  <a:srgbClr val="0070C0"/>
-                </a:solidFill>
-              </a:rPr>
-              <a:t> activate </a:t>
-            </a:r>
-            <a:r>
-              <a:rPr lang="it-IT" dirty="0">
-                <a:solidFill>
-                  <a:srgbClr val="0070C0"/>
-                </a:solidFill>
-              </a:rPr>
-              <a:t>prokkaENV</a:t>
-            </a:r>
-            <a:r>
-              <a:rPr lang="en-GB" dirty="0">
-                <a:solidFill>
-                  <a:srgbClr val="0070C0"/>
-                </a:solidFill>
-              </a:rPr>
-              <a:t> </a:t>
-            </a:r>
-          </a:p>
-          <a:p>
-            <a:pPr marL="0" indent="0">
-              <a:buNone/>
-            </a:pPr>
-            <a:r>
-              <a:rPr lang="en-GB" dirty="0">
-                <a:solidFill>
-                  <a:srgbClr val="0070C0"/>
-                </a:solidFill>
-              </a:rPr>
-              <a:t>      </a:t>
-            </a:r>
-            <a:r>
-              <a:rPr lang="en-GB" dirty="0" err="1">
-                <a:solidFill>
-                  <a:srgbClr val="0070C0"/>
-                </a:solidFill>
-              </a:rPr>
-              <a:t>qsub</a:t>
-            </a:r>
-            <a:r>
-              <a:rPr lang="en-GB" dirty="0">
-                <a:solidFill>
-                  <a:srgbClr val="0070C0"/>
-                </a:solidFill>
-              </a:rPr>
-              <a:t> -V -</a:t>
-            </a:r>
-            <a:r>
-              <a:rPr lang="en-GB" dirty="0" err="1">
-                <a:solidFill>
-                  <a:srgbClr val="0070C0"/>
-                </a:solidFill>
-              </a:rPr>
-              <a:t>pe</a:t>
-            </a:r>
-            <a:r>
-              <a:rPr lang="en-GB" dirty="0">
-                <a:solidFill>
-                  <a:srgbClr val="0070C0"/>
-                </a:solidFill>
-              </a:rPr>
-              <a:t> multi 2 predict_genes.sh</a:t>
-            </a:r>
-          </a:p>
-        </p:txBody>
-      </p:sp>
-      <p:sp>
-        <p:nvSpPr>
-          <p:cNvPr id="4" name="TextBox 3">
-            <a:extLst>
-              <a:ext uri="{FF2B5EF4-FFF2-40B4-BE49-F238E27FC236}">
-                <a16:creationId xmlns:a16="http://schemas.microsoft.com/office/drawing/2014/main" id="{B839FC87-3D54-426B-97E5-C67DCF2B2DE7}"/>
-              </a:ext>
-            </a:extLst>
-          </p:cNvPr>
-          <p:cNvSpPr txBox="1"/>
-          <p:nvPr/>
-        </p:nvSpPr>
-        <p:spPr>
-          <a:xfrm>
-            <a:off x="10350500" y="0"/>
-            <a:ext cx="1841500" cy="584775"/>
-          </a:xfrm>
-          <a:prstGeom prst="rect">
-            <a:avLst/>
-          </a:prstGeom>
-          <a:noFill/>
-        </p:spPr>
-        <p:txBody>
-          <a:bodyPr wrap="square" rtlCol="0">
-            <a:spAutoFit/>
-          </a:bodyPr>
-          <a:lstStyle/>
-          <a:p>
-            <a:r>
-              <a:rPr lang="en-GB" sz="3200" dirty="0">
-                <a:solidFill>
-                  <a:srgbClr val="FF0000"/>
-                </a:solidFill>
                 <a:highlight>
                   <a:srgbClr val="FFFF00"/>
                 </a:highlight>
               </a:rPr>
-              <a:t>ACTIVITY</a:t>
-            </a:r>
-            <a:endParaRPr lang="en-GB" sz="2800" dirty="0">
-              <a:solidFill>
-                <a:srgbClr val="FF0000"/>
-              </a:solidFill>
-              <a:highlight>
-                <a:srgbClr val="FFFF00"/>
-              </a:highlight>
-            </a:endParaRPr>
+              <a:t>PROKKA_11122018.gff  </a:t>
+            </a:r>
+            <a:r>
+              <a:rPr lang="en-GB" dirty="0"/>
+              <a:t>PROKKA_11122018.sqn  PROKKA_11122018.tsv</a:t>
+            </a:r>
+          </a:p>
+          <a:p>
+            <a:r>
+              <a:rPr lang="en-GB" dirty="0">
+                <a:highlight>
+                  <a:srgbClr val="FFFF00"/>
+                </a:highlight>
+              </a:rPr>
+              <a:t>PROKKA_11122018.faa  PROKKA_11122018.fna  </a:t>
+            </a:r>
+            <a:r>
+              <a:rPr lang="en-GB" dirty="0"/>
+              <a:t>PROKKA_11122018.gbk  PROKKA_11122018.log  PROKKA_11122018.tbl  PROKKA_11122018.txt</a:t>
+            </a:r>
+          </a:p>
+          <a:p>
+            <a:endParaRPr lang="en-GB" dirty="0"/>
           </a:p>
         </p:txBody>
       </p:sp>
     </p:spTree>
     <p:extLst>
       <p:ext uri="{BB962C8B-B14F-4D97-AF65-F5344CB8AC3E}">
-        <p14:creationId xmlns:p14="http://schemas.microsoft.com/office/powerpoint/2010/main" val="899294727"/>
+        <p14:creationId xmlns:p14="http://schemas.microsoft.com/office/powerpoint/2010/main" val="1471244480"/>
       </p:ext>
     </p:extLst>
   </p:cSld>
@@ -5609,7 +5514,7 @@
           <p:cNvPr id="2" name="Title 1">
             <a:extLst>
               <a:ext uri="{FF2B5EF4-FFF2-40B4-BE49-F238E27FC236}">
-                <a16:creationId xmlns:a16="http://schemas.microsoft.com/office/drawing/2014/main" id="{4E1FC0BE-F14F-41BB-AA79-8A2D40C17783}"/>
+                <a16:creationId xmlns:a16="http://schemas.microsoft.com/office/drawing/2014/main" id="{9DB186D9-2728-4E1B-A6BF-B9A55B0B1C7C}"/>
               </a:ext>
             </a:extLst>
           </p:cNvPr>
@@ -5622,8 +5527,8 @@
         </p:nvSpPr>
         <p:spPr>
           <a:xfrm>
-            <a:off x="289560" y="157306"/>
-            <a:ext cx="10515600" cy="1325563"/>
+            <a:off x="-25173" y="15324"/>
+            <a:ext cx="11811000" cy="1325563"/>
           </a:xfrm>
         </p:spPr>
         <p:txBody>
@@ -5631,12 +5536,20 @@
           <a:lstStyle/>
           <a:p>
             <a:r>
+              <a:rPr lang="en-GB" dirty="0">
+                <a:solidFill>
+                  <a:srgbClr val="7030A0"/>
+                </a:solidFill>
+              </a:rPr>
+              <a:t>6) assembly: BLAST a </a:t>
+            </a:r>
+            <a:r>
               <a:rPr lang="en-GB" dirty="0" err="1">
                 <a:solidFill>
                   <a:srgbClr val="7030A0"/>
                 </a:solidFill>
               </a:rPr>
-              <a:t>Prokka</a:t>
+              <a:t>seq</a:t>
             </a:r>
             <a:r>
               <a:rPr lang="en-GB" dirty="0">
@@ -5644,8 +5557,21 @@
                   <a:srgbClr val="7030A0"/>
                 </a:solidFill>
               </a:rPr>
-              <a:t> output</a:t>
-            </a:r>
+              <a:t> against GenBank </a:t>
+            </a:r>
+            <a:r>
+              <a:rPr lang="en-GB" dirty="0" err="1">
+                <a:solidFill>
+                  <a:srgbClr val="7030A0"/>
+                </a:solidFill>
+              </a:rPr>
+              <a:t>nt</a:t>
+            </a:r>
+            <a:endParaRPr lang="en-GB" dirty="0">
+              <a:solidFill>
+                <a:srgbClr val="7030A0"/>
+              </a:solidFill>
+            </a:endParaRPr>
           </a:p>
         </p:txBody>
       </p:sp>
@@ -5654,7 +5580,7 @@
           <p:cNvPr id="3" name="Content Placeholder 2">
             <a:extLst>
               <a:ext uri="{FF2B5EF4-FFF2-40B4-BE49-F238E27FC236}">
-                <a16:creationId xmlns:a16="http://schemas.microsoft.com/office/drawing/2014/main" id="{C9010BB6-15F2-45E5-80F4-B73AC9439517}"/>
+                <a16:creationId xmlns:a16="http://schemas.microsoft.com/office/drawing/2014/main" id="{E04E7D57-5675-4CE3-BA47-A46D07926F10}"/>
               </a:ext>
             </a:extLst>
           </p:cNvPr>
@@ -5667,54 +5593,225 @@
         </p:nvSpPr>
         <p:spPr>
           <a:xfrm>
-            <a:off x="164869" y="1351799"/>
+            <a:off x="152400" y="1253331"/>
             <a:ext cx="10515600" cy="4351338"/>
           </a:xfrm>
         </p:spPr>
         <p:txBody>
-          <a:bodyPr/>
+          <a:bodyPr>
+            <a:normAutofit fontScale="92500" lnSpcReduction="10000"/>
+          </a:bodyPr>
           <a:lstStyle/>
           <a:p>
             <a:r>
               <a:rPr lang="en-GB" dirty="0"/>
-              <a:t>PROKKA_11122018.err  PROKKA_11122018.ffn  PROKKA_11122018.fsa  </a:t>
-            </a:r>
+              <a:t>Blast is not fast.</a:t>
+            </a:r>
+          </a:p>
+          <a:p>
+            <a:r>
+              <a:rPr lang="en-GB" dirty="0" err="1"/>
+              <a:t>Blastn</a:t>
+            </a:r>
+            <a:r>
+              <a:rPr lang="en-GB" dirty="0"/>
+              <a:t>  - nucleotide versus </a:t>
+            </a:r>
+            <a:r>
+              <a:rPr lang="en-GB" dirty="0" err="1"/>
+              <a:t>nt</a:t>
+            </a:r>
+            <a:endParaRPr lang="en-GB" dirty="0"/>
+          </a:p>
+          <a:p>
             <a:r>
               <a:rPr lang="en-GB" dirty="0">
+                <a:hlinkClick r:id="rId2"/>
+              </a:rPr>
+              <a:t>https://blast.ncbi.nlm.nih.gov/Blast.cgi</a:t>
+            </a:r>
+            <a:endParaRPr lang="en-GB" dirty="0"/>
+          </a:p>
+          <a:p>
+            <a:r>
+              <a:rPr lang="en-GB" dirty="0"/>
+              <a:t>Look at this website for different BLAST tools. And output formats</a:t>
+            </a:r>
+          </a:p>
+          <a:p>
+            <a:endParaRPr lang="en-GB" dirty="0"/>
+          </a:p>
+          <a:p>
+            <a:pPr marL="0" indent="0">
+              <a:buNone/>
+            </a:pPr>
+            <a:r>
+              <a:rPr lang="en-GB" dirty="0" err="1">
+                <a:solidFill>
+                  <a:srgbClr val="0070C0"/>
+                </a:solidFill>
+              </a:rPr>
+              <a:t>blastn</a:t>
+            </a:r>
+            <a:r>
+              <a:rPr lang="en-GB" dirty="0">
+                <a:solidFill>
+                  <a:srgbClr val="0070C0"/>
+                </a:solidFill>
+              </a:rPr>
+              <a:t> -help</a:t>
+            </a:r>
+          </a:p>
+          <a:p>
+            <a:pPr marL="0" indent="0">
+              <a:buNone/>
+            </a:pPr>
+            <a:endParaRPr lang="en-GB" dirty="0">
+              <a:solidFill>
+                <a:srgbClr val="002060"/>
+              </a:solidFill>
+            </a:endParaRPr>
+          </a:p>
+          <a:p>
+            <a:pPr marL="0" indent="0">
+              <a:buNone/>
+            </a:pPr>
+            <a:r>
+              <a:rPr lang="en-GB" dirty="0">
+                <a:solidFill>
+                  <a:srgbClr val="002060"/>
+                </a:solidFill>
+              </a:rPr>
+              <a:t>If you search against a Protein database: </a:t>
+            </a:r>
+            <a:r>
+              <a:rPr lang="en-GB" dirty="0">
+                <a:solidFill>
+                  <a:srgbClr val="0070C0"/>
+                </a:solidFill>
+              </a:rPr>
+              <a:t>diamond-blast</a:t>
+            </a:r>
+            <a:r>
+              <a:rPr lang="en-GB" dirty="0">
+                <a:solidFill>
+                  <a:srgbClr val="002060"/>
+                </a:solidFill>
+              </a:rPr>
+              <a:t> is the king. ~30,000 X faster than </a:t>
+            </a:r>
+            <a:r>
+              <a:rPr lang="en-GB" dirty="0" err="1">
+                <a:solidFill>
+                  <a:srgbClr val="002060"/>
+                </a:solidFill>
+              </a:rPr>
+              <a:t>BLASTp</a:t>
+            </a:r>
+            <a:r>
+              <a:rPr lang="en-GB" dirty="0">
+                <a:solidFill>
+                  <a:srgbClr val="002060"/>
+                </a:solidFill>
+              </a:rPr>
+              <a:t> You can install this through </a:t>
+            </a:r>
+            <a:r>
+              <a:rPr lang="en-GB" dirty="0" err="1">
+                <a:solidFill>
+                  <a:srgbClr val="002060"/>
+                </a:solidFill>
+              </a:rPr>
+              <a:t>conda</a:t>
+            </a:r>
+            <a:r>
+              <a:rPr lang="en-GB" dirty="0">
+                <a:solidFill>
+                  <a:srgbClr val="002060"/>
+                </a:solidFill>
+              </a:rPr>
+              <a:t>. (</a:t>
+            </a:r>
+            <a:r>
+              <a:rPr lang="en-GB" dirty="0">
+                <a:solidFill>
+                  <a:srgbClr val="002060"/>
+                </a:solidFill>
+                <a:hlinkClick r:id="rId3"/>
+              </a:rPr>
+              <a:t>https://github.com/bbuchfink/diamond</a:t>
+            </a:r>
+            <a:r>
+              <a:rPr lang="en-GB" dirty="0">
+                <a:solidFill>
+                  <a:srgbClr val="002060"/>
+                </a:solidFill>
+              </a:rPr>
+              <a:t>)  </a:t>
+            </a:r>
+          </a:p>
+          <a:p>
+            <a:endParaRPr lang="en-GB" dirty="0"/>
+          </a:p>
+          <a:p>
+            <a:endParaRPr lang="en-GB" dirty="0"/>
+          </a:p>
+        </p:txBody>
+      </p:sp>
+      <p:sp>
+        <p:nvSpPr>
+          <p:cNvPr id="4" name="TextBox 3">
+            <a:extLst>
+              <a:ext uri="{FF2B5EF4-FFF2-40B4-BE49-F238E27FC236}">
+                <a16:creationId xmlns:a16="http://schemas.microsoft.com/office/drawing/2014/main" id="{12873710-8CC5-4FDE-90CD-8B505186C670}"/>
+              </a:ext>
+            </a:extLst>
+          </p:cNvPr>
+          <p:cNvSpPr txBox="1"/>
+          <p:nvPr/>
+        </p:nvSpPr>
+        <p:spPr>
+          <a:xfrm>
+            <a:off x="10350500" y="0"/>
+            <a:ext cx="1841500" cy="584775"/>
+          </a:xfrm>
+          <a:prstGeom prst="rect">
+            <a:avLst/>
+          </a:prstGeom>
+          <a:noFill/>
+        </p:spPr>
+        <p:txBody>
+          <a:bodyPr wrap="square" rtlCol="0">
+            <a:spAutoFit/>
+          </a:bodyPr>
+          <a:lstStyle/>
+          <a:p>
+            <a:r>
+              <a:rPr lang="en-GB" sz="3200" dirty="0">
+                <a:solidFill>
+                  <a:srgbClr val="FF0000"/>
+                </a:solidFill>
                 <a:highlight>
                   <a:srgbClr val="FFFF00"/>
                 </a:highlight>
               </a:rPr>
-              <a:t>PROKKA_11122018.gff  </a:t>
-            </a:r>
-            <a:r>
-              <a:rPr lang="en-GB" dirty="0"/>
-              <a:t>PROKKA_11122018.sqn  PROKKA_11122018.tsv</a:t>
-            </a:r>
-          </a:p>
-          <a:p>
-            <a:r>
-              <a:rPr lang="en-GB" dirty="0">
-                <a:highlight>
-                  <a:srgbClr val="FFFF00"/>
-                </a:highlight>
-              </a:rPr>
-              <a:t>PROKKA_11122018.faa  PROKKA_11122018.fna  </a:t>
-            </a:r>
-            <a:r>
-              <a:rPr lang="en-GB" dirty="0"/>
-              <a:t>PROKKA_11122018.gbk  PROKKA_11122018.log  PROKKA_11122018.tbl  PROKKA_11122018.txt</a:t>
-            </a:r>
-          </a:p>
-          <a:p>
-            <a:endParaRPr lang="en-GB" dirty="0"/>
+              <a:t>ACTIVITY</a:t>
+            </a:r>
+            <a:endParaRPr lang="en-GB" sz="2800" dirty="0">
+              <a:solidFill>
+                <a:srgbClr val="FF0000"/>
+              </a:solidFill>
+              <a:highlight>
+                <a:srgbClr val="FFFF00"/>
+              </a:highlight>
+            </a:endParaRPr>
           </a:p>
         </p:txBody>
       </p:sp>
     </p:spTree>
     <p:extLst>
       <p:ext uri="{BB962C8B-B14F-4D97-AF65-F5344CB8AC3E}">
-        <p14:creationId xmlns:p14="http://schemas.microsoft.com/office/powerpoint/2010/main" val="1471244480"/>
+        <p14:creationId xmlns:p14="http://schemas.microsoft.com/office/powerpoint/2010/main" val="3101719156"/>
       </p:ext>
     </p:extLst>
   </p:cSld>
@@ -5825,14 +5922,12 @@
         </p:nvSpPr>
         <p:spPr>
           <a:xfrm>
-            <a:off x="152400" y="1253331"/>
+            <a:off x="77586" y="1246849"/>
             <a:ext cx="10515600" cy="4351338"/>
           </a:xfrm>
         </p:spPr>
         <p:txBody>
-          <a:bodyPr>
-            <a:normAutofit fontScale="92500" lnSpcReduction="10000"/>
-          </a:bodyPr>
+          <a:bodyPr/>
           <a:lstStyle/>
           <a:p>
             <a:r>
@@ -5857,133 +5952,37 @@
           </a:p>
           <a:p>
             <a:r>
+              <a:rPr lang="en-GB" sz="1800" dirty="0">
+                <a:hlinkClick r:id="rId2"/>
+              </a:rPr>
+              <a:t>https://blast.ncbi.nlm.nih.gov/Blast.cgi</a:t>
+            </a:r>
+            <a:endParaRPr lang="en-GB" sz="1800" dirty="0"/>
+          </a:p>
+          <a:p>
+            <a:pPr marL="0" indent="0">
+              <a:buNone/>
+            </a:pPr>
+            <a:r>
+              <a:rPr lang="en-GB" dirty="0"/>
+              <a:t>       </a:t>
+            </a:r>
+            <a:r>
+              <a:rPr lang="en-GB" dirty="0" err="1">
+                <a:solidFill>
+                  <a:srgbClr val="0070C0"/>
+                </a:solidFill>
+              </a:rPr>
+              <a:t>nano</a:t>
+            </a:r>
+            <a:r>
               <a:rPr lang="en-GB" dirty="0">
-                <a:hlinkClick r:id="rId2"/>
-              </a:rPr>
-              <a:t>https://blast.ncbi.nlm.nih.gov/Blast.cgi</a:t>
-            </a:r>
-            <a:endParaRPr lang="en-GB" dirty="0"/>
-          </a:p>
-          <a:p>
-            <a:r>
-              <a:rPr lang="en-GB" dirty="0"/>
-              <a:t>Look at this website for different BLAST tools. And output formats</a:t>
-            </a:r>
-          </a:p>
-          <a:p>
-            <a:endParaRPr lang="en-GB" dirty="0"/>
-          </a:p>
-          <a:p>
-            <a:pPr marL="0" indent="0">
-              <a:buNone/>
-            </a:pPr>
-            <a:r>
-              <a:rPr lang="en-GB" dirty="0" err="1">
                 <a:solidFill>
                   <a:srgbClr val="0070C0"/>
                 </a:solidFill>
               </a:rPr>
-              <a:t>blastn</a:t>
-            </a:r>
-            <a:r>
-              <a:rPr lang="en-GB" dirty="0">
-                <a:solidFill>
-                  <a:srgbClr val="0070C0"/>
-                </a:solidFill>
-              </a:rPr>
-              <a:t> -help</a:t>
-            </a:r>
-          </a:p>
-          <a:p>
-            <a:pPr marL="0" indent="0">
-              <a:buNone/>
-            </a:pPr>
-            <a:endParaRPr lang="en-GB" dirty="0">
-              <a:solidFill>
-                <a:srgbClr val="002060"/>
-              </a:solidFill>
-            </a:endParaRPr>
-          </a:p>
-          <a:p>
-            <a:pPr marL="0" indent="0">
-              <a:buNone/>
-            </a:pPr>
-            <a:r>
-              <a:rPr lang="en-GB" dirty="0">
-                <a:solidFill>
-                  <a:srgbClr val="002060"/>
-                </a:solidFill>
-              </a:rPr>
-              <a:t>If you search against a Protein database: </a:t>
-            </a:r>
-            <a:r>
-              <a:rPr lang="en-GB" dirty="0">
-                <a:solidFill>
-                  <a:srgbClr val="0070C0"/>
-                </a:solidFill>
-              </a:rPr>
-              <a:t>diamond-blast</a:t>
-            </a:r>
-            <a:r>
-              <a:rPr lang="en-GB" dirty="0">
-                <a:solidFill>
-                  <a:srgbClr val="002060"/>
-                </a:solidFill>
-              </a:rPr>
-              <a:t> is the king. ~30,000 X faster than </a:t>
-            </a:r>
-            <a:r>
-              <a:rPr lang="en-GB" dirty="0" err="1">
-                <a:solidFill>
-                  <a:srgbClr val="002060"/>
-                </a:solidFill>
-              </a:rPr>
-              <a:t>BLASTp</a:t>
-            </a:r>
-            <a:r>
-              <a:rPr lang="en-GB" dirty="0">
-                <a:solidFill>
-                  <a:srgbClr val="002060"/>
-                </a:solidFill>
-              </a:rPr>
-              <a:t> You can install this through </a:t>
-            </a:r>
-            <a:r>
-              <a:rPr lang="en-GB" dirty="0" err="1">
-                <a:solidFill>
-                  <a:srgbClr val="002060"/>
-                </a:solidFill>
-              </a:rPr>
-              <a:t>conda</a:t>
-            </a:r>
-            <a:r>
-              <a:rPr lang="en-GB" dirty="0">
-                <a:solidFill>
-                  <a:srgbClr val="002060"/>
-                </a:solidFill>
-              </a:rPr>
-              <a:t>. (</a:t>
-            </a:r>
-            <a:r>
-              <a:rPr lang="en-GB" dirty="0">
-                <a:solidFill>
-                  <a:srgbClr val="002060"/>
-                </a:solidFill>
-                <a:hlinkClick r:id="rId3"/>
-              </a:rPr>
-              <a:t>https://github.com/bbuchfink/diamond</a:t>
-            </a:r>
-            <a:r>
-              <a:rPr lang="en-GB" dirty="0">
-                <a:solidFill>
-                  <a:srgbClr val="002060"/>
-                </a:solidFill>
-              </a:rPr>
-              <a:t>)  </a:t>
-            </a:r>
-          </a:p>
-          <a:p>
-            <a:endParaRPr lang="en-GB" dirty="0"/>
+              <a:t> ./shell_scripts/blast.sh</a:t>
+            </a:r>
           </a:p>
           <a:p>
             <a:endParaRPr lang="en-GB" dirty="0"/>
@@ -6040,10 +6039,155 @@
           </a:p>
         </p:txBody>
       </p:sp>
+      <p:pic>
+        <p:nvPicPr>
+          <p:cNvPr id="5" name="Picture 4">
+            <a:extLst>
+              <a:ext uri="{FF2B5EF4-FFF2-40B4-BE49-F238E27FC236}">
+                <a16:creationId xmlns:a16="http://schemas.microsoft.com/office/drawing/2014/main" id="{FE8E2186-C7EE-4ED1-98DE-FB925DC072F0}"/>
+              </a:ext>
+            </a:extLst>
+          </p:cNvPr>
+          <p:cNvPicPr>
+            <a:picLocks noChangeAspect="1"/>
+          </p:cNvPicPr>
+          <p:nvPr/>
+        </p:nvPicPr>
+        <p:blipFill rotWithShape="1">
+          <a:blip r:embed="rId3">
+            <a:extLst>
+              <a:ext uri="{28A0092B-C50C-407E-A947-70E740481C1C}">
+                <a14:useLocalDpi xmlns:a14="http://schemas.microsoft.com/office/drawing/2010/main" val="0"/>
+              </a:ext>
+            </a:extLst>
+          </a:blip>
+          <a:srcRect/>
+          <a:stretch/>
+        </p:blipFill>
+        <p:spPr>
+          <a:xfrm>
+            <a:off x="6096000" y="2677999"/>
+            <a:ext cx="6096000" cy="4164677"/>
+          </a:xfrm>
+          <a:prstGeom prst="rect">
+            <a:avLst/>
+          </a:prstGeom>
+        </p:spPr>
+      </p:pic>
+      <p:sp>
+        <p:nvSpPr>
+          <p:cNvPr id="6" name="TextBox 5">
+            <a:extLst>
+              <a:ext uri="{FF2B5EF4-FFF2-40B4-BE49-F238E27FC236}">
+                <a16:creationId xmlns:a16="http://schemas.microsoft.com/office/drawing/2014/main" id="{F3A36EDA-EFDE-4826-9A5C-563B5EBD103E}"/>
+              </a:ext>
+            </a:extLst>
+          </p:cNvPr>
+          <p:cNvSpPr txBox="1"/>
+          <p:nvPr/>
+        </p:nvSpPr>
+        <p:spPr>
+          <a:xfrm>
+            <a:off x="252298" y="3387622"/>
+            <a:ext cx="3982818" cy="1569660"/>
+          </a:xfrm>
+          <a:prstGeom prst="rect">
+            <a:avLst/>
+          </a:prstGeom>
+          <a:noFill/>
+        </p:spPr>
+        <p:txBody>
+          <a:bodyPr wrap="square" rtlCol="0">
+            <a:spAutoFit/>
+          </a:bodyPr>
+          <a:lstStyle/>
+          <a:p>
+            <a:r>
+              <a:rPr lang="en-GB" sz="2400" b="1" dirty="0"/>
+              <a:t>Blast database location</a:t>
+            </a:r>
+          </a:p>
+          <a:p>
+            <a:r>
+              <a:rPr lang="en-GB" sz="2400" dirty="0" err="1"/>
+              <a:t>GeneBank</a:t>
+            </a:r>
+            <a:r>
+              <a:rPr lang="en-GB" sz="2400" dirty="0"/>
+              <a:t>: </a:t>
+            </a:r>
+            <a:r>
+              <a:rPr lang="en-GB" sz="2400" dirty="0" err="1"/>
+              <a:t>nr</a:t>
+            </a:r>
+            <a:r>
+              <a:rPr lang="en-GB" sz="2400" dirty="0"/>
+              <a:t>, </a:t>
+            </a:r>
+            <a:r>
+              <a:rPr lang="en-GB" sz="2400" dirty="0" err="1"/>
+              <a:t>nt</a:t>
+            </a:r>
+            <a:r>
+              <a:rPr lang="en-GB" sz="2400" dirty="0"/>
+              <a:t>, </a:t>
+            </a:r>
+            <a:r>
+              <a:rPr lang="en-GB" sz="2400" dirty="0" err="1"/>
+              <a:t>swissprot</a:t>
+            </a:r>
+            <a:r>
+              <a:rPr lang="en-GB" sz="2400" dirty="0"/>
+              <a:t>, human and these as Diamond databases</a:t>
+            </a:r>
+          </a:p>
+        </p:txBody>
+      </p:sp>
+      <p:cxnSp>
+        <p:nvCxnSpPr>
+          <p:cNvPr id="8" name="Straight Arrow Connector 7">
+            <a:extLst>
+              <a:ext uri="{FF2B5EF4-FFF2-40B4-BE49-F238E27FC236}">
+                <a16:creationId xmlns:a16="http://schemas.microsoft.com/office/drawing/2014/main" id="{DAB0A647-C22B-426F-85EE-1D73191E28E5}"/>
+              </a:ext>
+            </a:extLst>
+          </p:cNvPr>
+          <p:cNvCxnSpPr>
+            <a:cxnSpLocks/>
+          </p:cNvCxnSpPr>
+          <p:nvPr/>
+        </p:nvCxnSpPr>
+        <p:spPr>
+          <a:xfrm>
+            <a:off x="3388376" y="3719652"/>
+            <a:ext cx="2627413" cy="1301527"/>
+          </a:xfrm>
+          <a:prstGeom prst="straightConnector1">
+            <a:avLst/>
+          </a:prstGeom>
+          <a:ln>
+            <a:tailEnd type="triangle"/>
+          </a:ln>
+        </p:spPr>
+        <p:style>
+          <a:lnRef idx="1">
+            <a:schemeClr val="accent1"/>
+          </a:lnRef>
+          <a:fillRef idx="0">
+            <a:schemeClr val="accent1"/>
+          </a:fillRef>
+          <a:effectRef idx="0">
+            <a:schemeClr val="accent1"/>
+          </a:effectRef>
+          <a:fontRef idx="minor">
+            <a:schemeClr val="tx1"/>
+          </a:fontRef>
+        </p:style>
+      </p:cxnSp>
     </p:spTree>
     <p:extLst>
       <p:ext uri="{BB962C8B-B14F-4D97-AF65-F5344CB8AC3E}">
-        <p14:creationId xmlns:p14="http://schemas.microsoft.com/office/powerpoint/2010/main" val="3101719156"/>
+        <p14:creationId xmlns:p14="http://schemas.microsoft.com/office/powerpoint/2010/main" val="2767308826"/>
       </p:ext>
     </p:extLst>
   </p:cSld>
@@ -6311,382 +6455,6 @@
           </a:p>
           <a:p>
             <a:r>
-              <a:rPr lang="en-GB" sz="1800" dirty="0">
-                <a:hlinkClick r:id="rId2"/>
-              </a:rPr>
-              <a:t>https://blast.ncbi.nlm.nih.gov/Blast.cgi</a:t>
-            </a:r>
-            <a:endParaRPr lang="en-GB" sz="1800" dirty="0"/>
-          </a:p>
-          <a:p>
-            <a:pPr marL="0" indent="0">
-              <a:buNone/>
-            </a:pPr>
-            <a:r>
-              <a:rPr lang="en-GB" dirty="0"/>
-              <a:t>       </a:t>
-            </a:r>
-            <a:r>
-              <a:rPr lang="en-GB" dirty="0" err="1">
-                <a:solidFill>
-                  <a:srgbClr val="0070C0"/>
-                </a:solidFill>
-              </a:rPr>
-              <a:t>nano</a:t>
-            </a:r>
-            <a:r>
-              <a:rPr lang="en-GB" dirty="0">
-                <a:solidFill>
-                  <a:srgbClr val="0070C0"/>
-                </a:solidFill>
-              </a:rPr>
-              <a:t> ./shell_scripts/blast.sh</a:t>
-            </a:r>
-          </a:p>
-          <a:p>
-            <a:endParaRPr lang="en-GB" dirty="0"/>
-          </a:p>
-        </p:txBody>
-      </p:sp>
-      <p:sp>
-        <p:nvSpPr>
-          <p:cNvPr id="4" name="TextBox 3">
-            <a:extLst>
-              <a:ext uri="{FF2B5EF4-FFF2-40B4-BE49-F238E27FC236}">
-                <a16:creationId xmlns:a16="http://schemas.microsoft.com/office/drawing/2014/main" id="{12873710-8CC5-4FDE-90CD-8B505186C670}"/>
-              </a:ext>
-            </a:extLst>
-          </p:cNvPr>
-          <p:cNvSpPr txBox="1"/>
-          <p:nvPr/>
-        </p:nvSpPr>
-        <p:spPr>
-          <a:xfrm>
-            <a:off x="10350500" y="0"/>
-            <a:ext cx="1841500" cy="584775"/>
-          </a:xfrm>
-          <a:prstGeom prst="rect">
-            <a:avLst/>
-          </a:prstGeom>
-          <a:noFill/>
-        </p:spPr>
-        <p:txBody>
-          <a:bodyPr wrap="square" rtlCol="0">
-            <a:spAutoFit/>
-          </a:bodyPr>
-          <a:lstStyle/>
-          <a:p>
-            <a:r>
-              <a:rPr lang="en-GB" sz="3200" dirty="0">
-                <a:solidFill>
-                  <a:srgbClr val="FF0000"/>
-                </a:solidFill>
-                <a:highlight>
-                  <a:srgbClr val="FFFF00"/>
-                </a:highlight>
-              </a:rPr>
-              <a:t>ACTIVITY</a:t>
-            </a:r>
-            <a:endParaRPr lang="en-GB" sz="2800" dirty="0">
-              <a:solidFill>
-                <a:srgbClr val="FF0000"/>
-              </a:solidFill>
-              <a:highlight>
-                <a:srgbClr val="FFFF00"/>
-              </a:highlight>
-            </a:endParaRPr>
-          </a:p>
-        </p:txBody>
-      </p:sp>
-      <p:pic>
-        <p:nvPicPr>
-          <p:cNvPr id="5" name="Picture 4">
-            <a:extLst>
-              <a:ext uri="{FF2B5EF4-FFF2-40B4-BE49-F238E27FC236}">
-                <a16:creationId xmlns:a16="http://schemas.microsoft.com/office/drawing/2014/main" id="{FE8E2186-C7EE-4ED1-98DE-FB925DC072F0}"/>
-              </a:ext>
-            </a:extLst>
-          </p:cNvPr>
-          <p:cNvPicPr>
-            <a:picLocks noChangeAspect="1"/>
-          </p:cNvPicPr>
-          <p:nvPr/>
-        </p:nvPicPr>
-        <p:blipFill rotWithShape="1">
-          <a:blip r:embed="rId3">
-            <a:extLst>
-              <a:ext uri="{28A0092B-C50C-407E-A947-70E740481C1C}">
-                <a14:useLocalDpi xmlns:a14="http://schemas.microsoft.com/office/drawing/2010/main" val="0"/>
-              </a:ext>
-            </a:extLst>
-          </a:blip>
-          <a:srcRect/>
-          <a:stretch/>
-        </p:blipFill>
-        <p:spPr>
-          <a:xfrm>
-            <a:off x="6096000" y="2677999"/>
-            <a:ext cx="6096000" cy="4164677"/>
-          </a:xfrm>
-          <a:prstGeom prst="rect">
-            <a:avLst/>
-          </a:prstGeom>
-        </p:spPr>
-      </p:pic>
-      <p:sp>
-        <p:nvSpPr>
-          <p:cNvPr id="6" name="TextBox 5">
-            <a:extLst>
-              <a:ext uri="{FF2B5EF4-FFF2-40B4-BE49-F238E27FC236}">
-                <a16:creationId xmlns:a16="http://schemas.microsoft.com/office/drawing/2014/main" id="{F3A36EDA-EFDE-4826-9A5C-563B5EBD103E}"/>
-              </a:ext>
-            </a:extLst>
-          </p:cNvPr>
-          <p:cNvSpPr txBox="1"/>
-          <p:nvPr/>
-        </p:nvSpPr>
-        <p:spPr>
-          <a:xfrm>
-            <a:off x="252298" y="3387622"/>
-            <a:ext cx="3982818" cy="1569660"/>
-          </a:xfrm>
-          <a:prstGeom prst="rect">
-            <a:avLst/>
-          </a:prstGeom>
-          <a:noFill/>
-        </p:spPr>
-        <p:txBody>
-          <a:bodyPr wrap="square" rtlCol="0">
-            <a:spAutoFit/>
-          </a:bodyPr>
-          <a:lstStyle/>
-          <a:p>
-            <a:r>
-              <a:rPr lang="en-GB" sz="2400" b="1" dirty="0"/>
-              <a:t>Blast database location</a:t>
-            </a:r>
-          </a:p>
-          <a:p>
-            <a:r>
-              <a:rPr lang="en-GB" sz="2400" dirty="0" err="1"/>
-              <a:t>GeneBank</a:t>
-            </a:r>
-            <a:r>
-              <a:rPr lang="en-GB" sz="2400" dirty="0"/>
-              <a:t>: </a:t>
-            </a:r>
-            <a:r>
-              <a:rPr lang="en-GB" sz="2400" dirty="0" err="1"/>
-              <a:t>nr</a:t>
-            </a:r>
-            <a:r>
-              <a:rPr lang="en-GB" sz="2400" dirty="0"/>
-              <a:t>, </a:t>
-            </a:r>
-            <a:r>
-              <a:rPr lang="en-GB" sz="2400" dirty="0" err="1"/>
-              <a:t>nt</a:t>
-            </a:r>
-            <a:r>
-              <a:rPr lang="en-GB" sz="2400" dirty="0"/>
-              <a:t>, </a:t>
-            </a:r>
-            <a:r>
-              <a:rPr lang="en-GB" sz="2400" dirty="0" err="1"/>
-              <a:t>swissprot</a:t>
-            </a:r>
-            <a:r>
-              <a:rPr lang="en-GB" sz="2400" dirty="0"/>
-              <a:t>, human and these as Diamond databases</a:t>
-            </a:r>
-          </a:p>
-        </p:txBody>
-      </p:sp>
-      <p:cxnSp>
-        <p:nvCxnSpPr>
-          <p:cNvPr id="8" name="Straight Arrow Connector 7">
-            <a:extLst>
-              <a:ext uri="{FF2B5EF4-FFF2-40B4-BE49-F238E27FC236}">
-                <a16:creationId xmlns:a16="http://schemas.microsoft.com/office/drawing/2014/main" id="{DAB0A647-C22B-426F-85EE-1D73191E28E5}"/>
-              </a:ext>
-            </a:extLst>
-          </p:cNvPr>
-          <p:cNvCxnSpPr>
-            <a:cxnSpLocks/>
-          </p:cNvCxnSpPr>
-          <p:nvPr/>
-        </p:nvCxnSpPr>
-        <p:spPr>
-          <a:xfrm>
-            <a:off x="3388376" y="3719652"/>
-            <a:ext cx="2627413" cy="1301527"/>
-          </a:xfrm>
-          <a:prstGeom prst="straightConnector1">
-            <a:avLst/>
-          </a:prstGeom>
-          <a:ln>
-            <a:tailEnd type="triangle"/>
-          </a:ln>
-        </p:spPr>
-        <p:style>
-          <a:lnRef idx="1">
-            <a:schemeClr val="accent1"/>
-          </a:lnRef>
-          <a:fillRef idx="0">
-            <a:schemeClr val="accent1"/>
-          </a:fillRef>
-          <a:effectRef idx="0">
-            <a:schemeClr val="accent1"/>
-          </a:effectRef>
-          <a:fontRef idx="minor">
-            <a:schemeClr val="tx1"/>
-          </a:fontRef>
-        </p:style>
-      </p:cxnSp>
-    </p:spTree>
-    <p:extLst>
-      <p:ext uri="{BB962C8B-B14F-4D97-AF65-F5344CB8AC3E}">
-        <p14:creationId xmlns:p14="http://schemas.microsoft.com/office/powerpoint/2010/main" val="2767308826"/>
-      </p:ext>
-    </p:extLst>
-  </p:cSld>
-  <p:clrMapOvr>
-    <a:masterClrMapping/>
-  </p:clrMapOvr>
-</p:sld>
-</file>
-
-<file path=ppt/slides/slide21.xml><?xml version="1.0" encoding="utf-8"?>
-<p:sld xmlns:a="http://schemas.openxmlformats.org/drawingml/2006/main" xmlns:r="http://schemas.openxmlformats.org/officeDocument/2006/relationships" xmlns:p="http://schemas.openxmlformats.org/presentationml/2006/main">
-  <p:cSld>
-    <p:spTree>
-      <p:nvGrpSpPr>
-        <p:cNvPr id="1" name=""/>
-        <p:cNvGrpSpPr/>
-        <p:nvPr/>
-      </p:nvGrpSpPr>
-      <p:grpSpPr>
-        <a:xfrm>
-          <a:off x="0" y="0"/>
-          <a:ext cx="0" cy="0"/>
-          <a:chOff x="0" y="0"/>
-          <a:chExt cx="0" cy="0"/>
-        </a:xfrm>
-      </p:grpSpPr>
-      <p:sp>
-        <p:nvSpPr>
-          <p:cNvPr id="2" name="Title 1">
-            <a:extLst>
-              <a:ext uri="{FF2B5EF4-FFF2-40B4-BE49-F238E27FC236}">
-                <a16:creationId xmlns:a16="http://schemas.microsoft.com/office/drawing/2014/main" id="{9DB186D9-2728-4E1B-A6BF-B9A55B0B1C7C}"/>
-              </a:ext>
-            </a:extLst>
-          </p:cNvPr>
-          <p:cNvSpPr>
-            <a:spLocks noGrp="1"/>
-          </p:cNvSpPr>
-          <p:nvPr>
-            <p:ph type="title"/>
-          </p:nvPr>
-        </p:nvSpPr>
-        <p:spPr>
-          <a:xfrm>
-            <a:off x="-25173" y="15324"/>
-            <a:ext cx="11811000" cy="1325563"/>
-          </a:xfrm>
-        </p:spPr>
-        <p:txBody>
-          <a:bodyPr/>
-          <a:lstStyle/>
-          <a:p>
-            <a:r>
-              <a:rPr lang="en-GB" dirty="0">
-                <a:solidFill>
-                  <a:srgbClr val="7030A0"/>
-                </a:solidFill>
-              </a:rPr>
-              <a:t>6) assembly: BLAST a </a:t>
-            </a:r>
-            <a:r>
-              <a:rPr lang="en-GB" dirty="0" err="1">
-                <a:solidFill>
-                  <a:srgbClr val="7030A0"/>
-                </a:solidFill>
-              </a:rPr>
-              <a:t>seq</a:t>
-            </a:r>
-            <a:r>
-              <a:rPr lang="en-GB" dirty="0">
-                <a:solidFill>
-                  <a:srgbClr val="7030A0"/>
-                </a:solidFill>
-              </a:rPr>
-              <a:t> against GenBank </a:t>
-            </a:r>
-            <a:r>
-              <a:rPr lang="en-GB" dirty="0" err="1">
-                <a:solidFill>
-                  <a:srgbClr val="7030A0"/>
-                </a:solidFill>
-              </a:rPr>
-              <a:t>nt</a:t>
-            </a:r>
-            <a:endParaRPr lang="en-GB" dirty="0">
-              <a:solidFill>
-                <a:srgbClr val="7030A0"/>
-              </a:solidFill>
-            </a:endParaRPr>
-          </a:p>
-        </p:txBody>
-      </p:sp>
-      <p:sp>
-        <p:nvSpPr>
-          <p:cNvPr id="3" name="Content Placeholder 2">
-            <a:extLst>
-              <a:ext uri="{FF2B5EF4-FFF2-40B4-BE49-F238E27FC236}">
-                <a16:creationId xmlns:a16="http://schemas.microsoft.com/office/drawing/2014/main" id="{E04E7D57-5675-4CE3-BA47-A46D07926F10}"/>
-              </a:ext>
-            </a:extLst>
-          </p:cNvPr>
-          <p:cNvSpPr>
-            <a:spLocks noGrp="1"/>
-          </p:cNvSpPr>
-          <p:nvPr>
-            <p:ph idx="1"/>
-          </p:nvPr>
-        </p:nvSpPr>
-        <p:spPr>
-          <a:xfrm>
-            <a:off x="77586" y="1246849"/>
-            <a:ext cx="10515600" cy="4351338"/>
-          </a:xfrm>
-        </p:spPr>
-        <p:txBody>
-          <a:bodyPr/>
-          <a:lstStyle/>
-          <a:p>
-            <a:r>
-              <a:rPr lang="en-GB" dirty="0"/>
-              <a:t>Blast is not fast.</a:t>
-            </a:r>
-          </a:p>
-          <a:p>
-            <a:r>
-              <a:rPr lang="en-GB" dirty="0" err="1"/>
-              <a:t>Blastn</a:t>
-            </a:r>
-            <a:r>
-              <a:rPr lang="en-GB" dirty="0"/>
-              <a:t>  - nucleotide versus </a:t>
-            </a:r>
-            <a:r>
-              <a:rPr lang="en-GB" dirty="0" err="1"/>
-              <a:t>nt</a:t>
-            </a:r>
-            <a:endParaRPr lang="en-GB" dirty="0"/>
-          </a:p>
-          <a:p>
-            <a:r>
               <a:rPr lang="en-GB" dirty="0">
                 <a:hlinkClick r:id="rId2"/>
               </a:rPr>
@@ -7010,7 +6778,7 @@
 </p:sld>
 </file>
 
-<file path=ppt/slides/slide22.xml><?xml version="1.0" encoding="utf-8"?>
+<file path=ppt/slides/slide21.xml><?xml version="1.0" encoding="utf-8"?>
 <p:sld xmlns:a="http://schemas.openxmlformats.org/drawingml/2006/main" xmlns:r="http://schemas.openxmlformats.org/officeDocument/2006/relationships" xmlns:p="http://schemas.openxmlformats.org/presentationml/2006/main">
   <p:cSld>
     <p:spTree>

--- a/cluster_course/powerpoint/6_assembly.pptx
+++ b/cluster_course/powerpoint/6_assembly.pptx
@@ -26,6 +26,7 @@
     <p:sldId id="335" r:id="rId20"/>
     <p:sldId id="338" r:id="rId21"/>
     <p:sldId id="340" r:id="rId22"/>
+    <p:sldId id="341" r:id="rId23"/>
   </p:sldIdLst>
   <p:sldSz cx="12192000" cy="6858000"/>
   <p:notesSz cx="6858000" cy="9144000"/>
@@ -281,7 +282,7 @@
           <a:p>
             <a:fld id="{D5B3EF36-47C2-4AA3-A387-F39AC0889363}" type="datetimeFigureOut">
               <a:rPr lang="en-GB" smtClean="0"/>
-              <a:t>30/10/2019</a:t>
+              <a:t>01/11/2019</a:t>
             </a:fld>
             <a:endParaRPr lang="en-GB"/>
           </a:p>
@@ -481,7 +482,7 @@
           <a:p>
             <a:fld id="{D5B3EF36-47C2-4AA3-A387-F39AC0889363}" type="datetimeFigureOut">
               <a:rPr lang="en-GB" smtClean="0"/>
-              <a:t>30/10/2019</a:t>
+              <a:t>01/11/2019</a:t>
             </a:fld>
             <a:endParaRPr lang="en-GB"/>
           </a:p>
@@ -691,7 +692,7 @@
           <a:p>
             <a:fld id="{D5B3EF36-47C2-4AA3-A387-F39AC0889363}" type="datetimeFigureOut">
               <a:rPr lang="en-GB" smtClean="0"/>
-              <a:t>30/10/2019</a:t>
+              <a:t>01/11/2019</a:t>
             </a:fld>
             <a:endParaRPr lang="en-GB"/>
           </a:p>
@@ -891,7 +892,7 @@
           <a:p>
             <a:fld id="{D5B3EF36-47C2-4AA3-A387-F39AC0889363}" type="datetimeFigureOut">
               <a:rPr lang="en-GB" smtClean="0"/>
-              <a:t>30/10/2019</a:t>
+              <a:t>01/11/2019</a:t>
             </a:fld>
             <a:endParaRPr lang="en-GB"/>
           </a:p>
@@ -1167,7 +1168,7 @@
           <a:p>
             <a:fld id="{D5B3EF36-47C2-4AA3-A387-F39AC0889363}" type="datetimeFigureOut">
               <a:rPr lang="en-GB" smtClean="0"/>
-              <a:t>30/10/2019</a:t>
+              <a:t>01/11/2019</a:t>
             </a:fld>
             <a:endParaRPr lang="en-GB"/>
           </a:p>
@@ -1435,7 +1436,7 @@
           <a:p>
             <a:fld id="{D5B3EF36-47C2-4AA3-A387-F39AC0889363}" type="datetimeFigureOut">
               <a:rPr lang="en-GB" smtClean="0"/>
-              <a:t>30/10/2019</a:t>
+              <a:t>01/11/2019</a:t>
             </a:fld>
             <a:endParaRPr lang="en-GB"/>
           </a:p>
@@ -1850,7 +1851,7 @@
           <a:p>
             <a:fld id="{D5B3EF36-47C2-4AA3-A387-F39AC0889363}" type="datetimeFigureOut">
               <a:rPr lang="en-GB" smtClean="0"/>
-              <a:t>30/10/2019</a:t>
+              <a:t>01/11/2019</a:t>
             </a:fld>
             <a:endParaRPr lang="en-GB"/>
           </a:p>
@@ -1992,7 +1993,7 @@
           <a:p>
             <a:fld id="{D5B3EF36-47C2-4AA3-A387-F39AC0889363}" type="datetimeFigureOut">
               <a:rPr lang="en-GB" smtClean="0"/>
-              <a:t>30/10/2019</a:t>
+              <a:t>01/11/2019</a:t>
             </a:fld>
             <a:endParaRPr lang="en-GB"/>
           </a:p>
@@ -2105,7 +2106,7 @@
           <a:p>
             <a:fld id="{D5B3EF36-47C2-4AA3-A387-F39AC0889363}" type="datetimeFigureOut">
               <a:rPr lang="en-GB" smtClean="0"/>
-              <a:t>30/10/2019</a:t>
+              <a:t>01/11/2019</a:t>
             </a:fld>
             <a:endParaRPr lang="en-GB"/>
           </a:p>
@@ -2418,7 +2419,7 @@
           <a:p>
             <a:fld id="{D5B3EF36-47C2-4AA3-A387-F39AC0889363}" type="datetimeFigureOut">
               <a:rPr lang="en-GB" smtClean="0"/>
-              <a:t>30/10/2019</a:t>
+              <a:t>01/11/2019</a:t>
             </a:fld>
             <a:endParaRPr lang="en-GB"/>
           </a:p>
@@ -2707,7 +2708,7 @@
           <a:p>
             <a:fld id="{D5B3EF36-47C2-4AA3-A387-F39AC0889363}" type="datetimeFigureOut">
               <a:rPr lang="en-GB" smtClean="0"/>
-              <a:t>30/10/2019</a:t>
+              <a:t>01/11/2019</a:t>
             </a:fld>
             <a:endParaRPr lang="en-GB"/>
           </a:p>
@@ -2950,7 +2951,7 @@
           <a:p>
             <a:fld id="{D5B3EF36-47C2-4AA3-A387-F39AC0889363}" type="datetimeFigureOut">
               <a:rPr lang="en-GB" smtClean="0"/>
-              <a:t>30/10/2019</a:t>
+              <a:t>01/11/2019</a:t>
             </a:fld>
             <a:endParaRPr lang="en-GB"/>
           </a:p>
@@ -7092,6 +7093,515 @@
 </p:sld>
 </file>
 
+<file path=ppt/slides/slide22.xml><?xml version="1.0" encoding="utf-8"?>
+<p:sld xmlns:a="http://schemas.openxmlformats.org/drawingml/2006/main" xmlns:r="http://schemas.openxmlformats.org/officeDocument/2006/relationships" xmlns:p="http://schemas.openxmlformats.org/presentationml/2006/main">
+  <p:cSld>
+    <p:spTree>
+      <p:nvGrpSpPr>
+        <p:cNvPr id="1" name=""/>
+        <p:cNvGrpSpPr/>
+        <p:nvPr/>
+      </p:nvGrpSpPr>
+      <p:grpSpPr>
+        <a:xfrm>
+          <a:off x="0" y="0"/>
+          <a:ext cx="0" cy="0"/>
+          <a:chOff x="0" y="0"/>
+          <a:chExt cx="0" cy="0"/>
+        </a:xfrm>
+      </p:grpSpPr>
+      <p:sp>
+        <p:nvSpPr>
+          <p:cNvPr id="2" name="Title 1">
+            <a:extLst>
+              <a:ext uri="{FF2B5EF4-FFF2-40B4-BE49-F238E27FC236}">
+                <a16:creationId xmlns:a16="http://schemas.microsoft.com/office/drawing/2014/main" id="{9DB186D9-2728-4E1B-A6BF-B9A55B0B1C7C}"/>
+              </a:ext>
+            </a:extLst>
+          </p:cNvPr>
+          <p:cNvSpPr>
+            <a:spLocks noGrp="1"/>
+          </p:cNvSpPr>
+          <p:nvPr>
+            <p:ph type="title"/>
+          </p:nvPr>
+        </p:nvSpPr>
+        <p:spPr>
+          <a:xfrm>
+            <a:off x="-25173" y="15324"/>
+            <a:ext cx="11811000" cy="1325563"/>
+          </a:xfrm>
+        </p:spPr>
+        <p:txBody>
+          <a:bodyPr/>
+          <a:lstStyle/>
+          <a:p>
+            <a:r>
+              <a:rPr lang="en-GB" dirty="0">
+                <a:solidFill>
+                  <a:srgbClr val="7030A0"/>
+                </a:solidFill>
+              </a:rPr>
+              <a:t>6) assembly: BLAST a </a:t>
+            </a:r>
+            <a:r>
+              <a:rPr lang="en-GB" dirty="0" err="1">
+                <a:solidFill>
+                  <a:srgbClr val="7030A0"/>
+                </a:solidFill>
+              </a:rPr>
+              <a:t>seq</a:t>
+            </a:r>
+            <a:r>
+              <a:rPr lang="en-GB" dirty="0">
+                <a:solidFill>
+                  <a:srgbClr val="7030A0"/>
+                </a:solidFill>
+              </a:rPr>
+              <a:t> against GenBank </a:t>
+            </a:r>
+            <a:r>
+              <a:rPr lang="en-GB" dirty="0" err="1">
+                <a:solidFill>
+                  <a:srgbClr val="7030A0"/>
+                </a:solidFill>
+              </a:rPr>
+              <a:t>nt</a:t>
+            </a:r>
+            <a:endParaRPr lang="en-GB" dirty="0">
+              <a:solidFill>
+                <a:srgbClr val="7030A0"/>
+              </a:solidFill>
+            </a:endParaRPr>
+          </a:p>
+        </p:txBody>
+      </p:sp>
+      <p:sp>
+        <p:nvSpPr>
+          <p:cNvPr id="3" name="Content Placeholder 2">
+            <a:extLst>
+              <a:ext uri="{FF2B5EF4-FFF2-40B4-BE49-F238E27FC236}">
+                <a16:creationId xmlns:a16="http://schemas.microsoft.com/office/drawing/2014/main" id="{E04E7D57-5675-4CE3-BA47-A46D07926F10}"/>
+              </a:ext>
+            </a:extLst>
+          </p:cNvPr>
+          <p:cNvSpPr>
+            <a:spLocks noGrp="1"/>
+          </p:cNvSpPr>
+          <p:nvPr>
+            <p:ph idx="1"/>
+          </p:nvPr>
+        </p:nvSpPr>
+        <p:spPr>
+          <a:xfrm>
+            <a:off x="12700" y="1132549"/>
+            <a:ext cx="12166600" cy="4351338"/>
+          </a:xfrm>
+        </p:spPr>
+        <p:txBody>
+          <a:bodyPr>
+            <a:normAutofit/>
+          </a:bodyPr>
+          <a:lstStyle/>
+          <a:p>
+            <a:pPr marL="0" indent="0">
+              <a:buNone/>
+            </a:pPr>
+            <a:r>
+              <a:rPr lang="en-GB" u="sng" dirty="0"/>
+              <a:t>Change the output format:</a:t>
+            </a:r>
+          </a:p>
+          <a:p>
+            <a:pPr marL="0" indent="0">
+              <a:buNone/>
+            </a:pPr>
+            <a:r>
+              <a:rPr lang="en-GB" dirty="0" err="1">
+                <a:solidFill>
+                  <a:srgbClr val="0070C0"/>
+                </a:solidFill>
+              </a:rPr>
+              <a:t>blastn</a:t>
+            </a:r>
+            <a:r>
+              <a:rPr lang="en-GB" dirty="0">
+                <a:solidFill>
+                  <a:srgbClr val="0070C0"/>
+                </a:solidFill>
+              </a:rPr>
+              <a:t> -task </a:t>
+            </a:r>
+            <a:r>
+              <a:rPr lang="en-GB" dirty="0" err="1">
+                <a:solidFill>
+                  <a:srgbClr val="0070C0"/>
+                </a:solidFill>
+              </a:rPr>
+              <a:t>megablast</a:t>
+            </a:r>
+            <a:r>
+              <a:rPr lang="en-GB" dirty="0">
+                <a:solidFill>
+                  <a:srgbClr val="0070C0"/>
+                </a:solidFill>
+              </a:rPr>
+              <a:t> -query first_10_lines.txtt -</a:t>
+            </a:r>
+            <a:r>
+              <a:rPr lang="en-GB" dirty="0" err="1">
+                <a:solidFill>
+                  <a:srgbClr val="0070C0"/>
+                </a:solidFill>
+              </a:rPr>
+              <a:t>db</a:t>
+            </a:r>
+            <a:r>
+              <a:rPr lang="en-GB" dirty="0">
+                <a:solidFill>
+                  <a:srgbClr val="0070C0"/>
+                </a:solidFill>
+              </a:rPr>
+              <a:t> </a:t>
+            </a:r>
+            <a:r>
+              <a:rPr lang="en-GB" dirty="0" err="1">
+                <a:solidFill>
+                  <a:srgbClr val="0070C0"/>
+                </a:solidFill>
+              </a:rPr>
+              <a:t>nt</a:t>
+            </a:r>
+            <a:r>
+              <a:rPr lang="en-GB" dirty="0">
+                <a:solidFill>
+                  <a:srgbClr val="0070C0"/>
+                </a:solidFill>
+              </a:rPr>
+              <a:t> -</a:t>
+            </a:r>
+            <a:r>
+              <a:rPr lang="en-GB" dirty="0" err="1">
+                <a:solidFill>
+                  <a:srgbClr val="0070C0"/>
+                </a:solidFill>
+              </a:rPr>
+              <a:t>outfmt</a:t>
+            </a:r>
+            <a:r>
+              <a:rPr lang="en-GB" dirty="0">
+                <a:solidFill>
+                  <a:srgbClr val="0070C0"/>
+                </a:solidFill>
+              </a:rPr>
+              <a:t> '6 </a:t>
+            </a:r>
+            <a:r>
+              <a:rPr lang="en-GB" dirty="0" err="1">
+                <a:solidFill>
+                  <a:srgbClr val="0070C0"/>
+                </a:solidFill>
+                <a:highlight>
+                  <a:srgbClr val="FFFF00"/>
+                </a:highlight>
+              </a:rPr>
+              <a:t>qseqid</a:t>
+            </a:r>
+            <a:r>
+              <a:rPr lang="en-GB" dirty="0">
+                <a:solidFill>
+                  <a:srgbClr val="0070C0"/>
+                </a:solidFill>
+                <a:highlight>
+                  <a:srgbClr val="FFFF00"/>
+                </a:highlight>
+              </a:rPr>
+              <a:t> </a:t>
+            </a:r>
+            <a:r>
+              <a:rPr lang="en-GB" dirty="0" err="1">
+                <a:solidFill>
+                  <a:srgbClr val="0070C0"/>
+                </a:solidFill>
+                <a:highlight>
+                  <a:srgbClr val="FFFF00"/>
+                </a:highlight>
+              </a:rPr>
+              <a:t>staxids</a:t>
+            </a:r>
+            <a:r>
+              <a:rPr lang="en-GB" dirty="0">
+                <a:solidFill>
+                  <a:srgbClr val="0070C0"/>
+                </a:solidFill>
+                <a:highlight>
+                  <a:srgbClr val="FFFF00"/>
+                </a:highlight>
+              </a:rPr>
+              <a:t> </a:t>
+            </a:r>
+            <a:r>
+              <a:rPr lang="en-GB" dirty="0" err="1">
+                <a:solidFill>
+                  <a:srgbClr val="0070C0"/>
+                </a:solidFill>
+                <a:highlight>
+                  <a:srgbClr val="FFFF00"/>
+                </a:highlight>
+              </a:rPr>
+              <a:t>bitscore</a:t>
+            </a:r>
+            <a:r>
+              <a:rPr lang="en-GB" dirty="0">
+                <a:solidFill>
+                  <a:srgbClr val="0070C0"/>
+                </a:solidFill>
+                <a:highlight>
+                  <a:srgbClr val="FFFF00"/>
+                </a:highlight>
+              </a:rPr>
+              <a:t> std </a:t>
+            </a:r>
+            <a:r>
+              <a:rPr lang="en-GB" dirty="0" err="1">
+                <a:solidFill>
+                  <a:srgbClr val="0070C0"/>
+                </a:solidFill>
+                <a:highlight>
+                  <a:srgbClr val="FFFF00"/>
+                </a:highlight>
+              </a:rPr>
+              <a:t>scomnames</a:t>
+            </a:r>
+            <a:r>
+              <a:rPr lang="en-GB" dirty="0">
+                <a:solidFill>
+                  <a:srgbClr val="0070C0"/>
+                </a:solidFill>
+                <a:highlight>
+                  <a:srgbClr val="FFFF00"/>
+                </a:highlight>
+              </a:rPr>
+              <a:t> </a:t>
+            </a:r>
+            <a:r>
+              <a:rPr lang="en-GB" dirty="0" err="1">
+                <a:solidFill>
+                  <a:srgbClr val="0070C0"/>
+                </a:solidFill>
+                <a:highlight>
+                  <a:srgbClr val="FFFF00"/>
+                </a:highlight>
+              </a:rPr>
+              <a:t>sscinames</a:t>
+            </a:r>
+            <a:r>
+              <a:rPr lang="en-GB" dirty="0">
+                <a:solidFill>
+                  <a:srgbClr val="0070C0"/>
+                </a:solidFill>
+                <a:highlight>
+                  <a:srgbClr val="FFFF00"/>
+                </a:highlight>
+              </a:rPr>
+              <a:t> </a:t>
+            </a:r>
+            <a:r>
+              <a:rPr lang="en-GB" dirty="0" err="1">
+                <a:solidFill>
+                  <a:srgbClr val="0070C0"/>
+                </a:solidFill>
+                <a:highlight>
+                  <a:srgbClr val="FFFF00"/>
+                </a:highlight>
+              </a:rPr>
+              <a:t>sblastnames</a:t>
+            </a:r>
+            <a:r>
+              <a:rPr lang="en-GB" dirty="0">
+                <a:solidFill>
+                  <a:srgbClr val="0070C0"/>
+                </a:solidFill>
+                <a:highlight>
+                  <a:srgbClr val="FFFF00"/>
+                </a:highlight>
+              </a:rPr>
+              <a:t> </a:t>
+            </a:r>
+            <a:r>
+              <a:rPr lang="en-GB" dirty="0" err="1">
+                <a:solidFill>
+                  <a:srgbClr val="0070C0"/>
+                </a:solidFill>
+                <a:highlight>
+                  <a:srgbClr val="FFFF00"/>
+                </a:highlight>
+              </a:rPr>
+              <a:t>sskingdoms</a:t>
+            </a:r>
+            <a:r>
+              <a:rPr lang="en-GB" dirty="0">
+                <a:solidFill>
+                  <a:srgbClr val="0070C0"/>
+                </a:solidFill>
+                <a:highlight>
+                  <a:srgbClr val="FFFF00"/>
+                </a:highlight>
+              </a:rPr>
+              <a:t> </a:t>
+            </a:r>
+            <a:r>
+              <a:rPr lang="en-GB" dirty="0" err="1">
+                <a:solidFill>
+                  <a:srgbClr val="0070C0"/>
+                </a:solidFill>
+                <a:highlight>
+                  <a:srgbClr val="FFFF00"/>
+                </a:highlight>
+              </a:rPr>
+              <a:t>stitle</a:t>
+            </a:r>
+            <a:r>
+              <a:rPr lang="en-GB" dirty="0">
+                <a:solidFill>
+                  <a:srgbClr val="0070C0"/>
+                </a:solidFill>
+              </a:rPr>
+              <a:t>' -</a:t>
+            </a:r>
+            <a:r>
+              <a:rPr lang="en-GB" dirty="0" err="1">
+                <a:solidFill>
+                  <a:srgbClr val="0070C0"/>
+                </a:solidFill>
+              </a:rPr>
+              <a:t>evalue</a:t>
+            </a:r>
+            <a:r>
+              <a:rPr lang="en-GB" dirty="0">
+                <a:solidFill>
+                  <a:srgbClr val="0070C0"/>
+                </a:solidFill>
+              </a:rPr>
+              <a:t> 1e-20 -out n.first_10_lines.txt_versus_ntOutfmt6.out -</a:t>
+            </a:r>
+            <a:r>
+              <a:rPr lang="en-GB" dirty="0" err="1">
+                <a:solidFill>
+                  <a:srgbClr val="0070C0"/>
+                </a:solidFill>
+              </a:rPr>
+              <a:t>num_threads</a:t>
+            </a:r>
+            <a:r>
+              <a:rPr lang="en-GB" dirty="0">
+                <a:solidFill>
+                  <a:srgbClr val="0070C0"/>
+                </a:solidFill>
+              </a:rPr>
+              <a:t> 4</a:t>
+            </a:r>
+          </a:p>
+          <a:p>
+            <a:pPr marL="0" indent="0">
+              <a:buNone/>
+            </a:pPr>
+            <a:endParaRPr lang="en-GB" dirty="0"/>
+          </a:p>
+          <a:p>
+            <a:pPr marL="0" indent="0">
+              <a:buNone/>
+            </a:pPr>
+            <a:r>
+              <a:rPr lang="en-GB" dirty="0" err="1"/>
+              <a:t>Outfmt</a:t>
+            </a:r>
+            <a:r>
+              <a:rPr lang="en-GB" dirty="0"/>
+              <a:t> 6 is the</a:t>
+            </a:r>
+          </a:p>
+          <a:p>
+            <a:pPr marL="0" indent="0">
+              <a:buNone/>
+            </a:pPr>
+            <a:r>
+              <a:rPr lang="en-GB" dirty="0"/>
+              <a:t> most useful: </a:t>
+            </a:r>
+            <a:r>
+              <a:rPr lang="en-GB" dirty="0">
+                <a:hlinkClick r:id="rId2"/>
+              </a:rPr>
+              <a:t>http://www.metagenomics.wiki/tools/blast/blastn-output-format-6</a:t>
+            </a:r>
+            <a:endParaRPr lang="en-GB" dirty="0"/>
+          </a:p>
+        </p:txBody>
+      </p:sp>
+      <p:sp>
+        <p:nvSpPr>
+          <p:cNvPr id="4" name="TextBox 3">
+            <a:extLst>
+              <a:ext uri="{FF2B5EF4-FFF2-40B4-BE49-F238E27FC236}">
+                <a16:creationId xmlns:a16="http://schemas.microsoft.com/office/drawing/2014/main" id="{12873710-8CC5-4FDE-90CD-8B505186C670}"/>
+              </a:ext>
+            </a:extLst>
+          </p:cNvPr>
+          <p:cNvSpPr txBox="1"/>
+          <p:nvPr/>
+        </p:nvSpPr>
+        <p:spPr>
+          <a:xfrm>
+            <a:off x="10350500" y="0"/>
+            <a:ext cx="1841500" cy="584775"/>
+          </a:xfrm>
+          <a:prstGeom prst="rect">
+            <a:avLst/>
+          </a:prstGeom>
+          <a:noFill/>
+        </p:spPr>
+        <p:txBody>
+          <a:bodyPr wrap="square" rtlCol="0">
+            <a:spAutoFit/>
+          </a:bodyPr>
+          <a:lstStyle/>
+          <a:p>
+            <a:r>
+              <a:rPr lang="en-GB" sz="3200" dirty="0">
+                <a:solidFill>
+                  <a:srgbClr val="FF0000"/>
+                </a:solidFill>
+                <a:highlight>
+                  <a:srgbClr val="FFFF00"/>
+                </a:highlight>
+              </a:rPr>
+              <a:t>ACTIVITY</a:t>
+            </a:r>
+            <a:endParaRPr lang="en-GB" sz="2800" dirty="0">
+              <a:solidFill>
+                <a:srgbClr val="FF0000"/>
+              </a:solidFill>
+              <a:highlight>
+                <a:srgbClr val="FFFF00"/>
+              </a:highlight>
+            </a:endParaRPr>
+          </a:p>
+        </p:txBody>
+      </p:sp>
+    </p:spTree>
+    <p:extLst>
+      <p:ext uri="{BB962C8B-B14F-4D97-AF65-F5344CB8AC3E}">
+        <p14:creationId xmlns:p14="http://schemas.microsoft.com/office/powerpoint/2010/main" val="1611173448"/>
+      </p:ext>
+    </p:extLst>
+  </p:cSld>
+  <p:clrMapOvr>
+    <a:masterClrMapping/>
+  </p:clrMapOvr>
+</p:sld>
+</file>
+
 <file path=ppt/slides/slide3.xml><?xml version="1.0" encoding="utf-8"?>
 <p:sld xmlns:a="http://schemas.openxmlformats.org/drawingml/2006/main" xmlns:r="http://schemas.openxmlformats.org/officeDocument/2006/relationships" xmlns:p="http://schemas.openxmlformats.org/presentationml/2006/main">
   <p:cSld>

--- a/cluster_course/powerpoint/6_assembly.pptx
+++ b/cluster_course/powerpoint/6_assembly.pptx
@@ -7246,7 +7246,23 @@
                   <a:srgbClr val="0070C0"/>
                 </a:solidFill>
               </a:rPr>
-              <a:t> -query first_10_lines.txtt -</a:t>
+              <a:t> -query first_10_lines</a:t>
+            </a:r>
+            <a:r>
+              <a:rPr lang="en-GB">
+                <a:solidFill>
+                  <a:srgbClr val="0070C0"/>
+                </a:solidFill>
+              </a:rPr>
+              <a:t>.txt </a:t>
+            </a:r>
+            <a:r>
+              <a:rPr lang="en-GB" dirty="0">
+                <a:solidFill>
+                  <a:srgbClr val="0070C0"/>
+                </a:solidFill>
+              </a:rPr>
+              <a:t>-</a:t>
             </a:r>
             <a:r>
               <a:rPr lang="en-GB" dirty="0" err="1">
@@ -7530,7 +7546,7 @@
               <a:t> most useful: </a:t>
             </a:r>
             <a:r>
-              <a:rPr lang="en-GB" dirty="0">
+              <a:rPr lang="en-GB" sz="2400" dirty="0">
                 <a:hlinkClick r:id="rId2"/>
               </a:rPr>
               <a:t>http://www.metagenomics.wiki/tools/blast/blastn-output-format-6</a:t>
